--- a/LTI_Angular/PPT/Angular 10.pptx
+++ b/LTI_Angular/PPT/Angular 10.pptx
@@ -1914,7 +1914,7 @@
           <a:p>
             <a:fld id="{D2474CCF-98B4-411A-8810-C31E8C29E19B}" type="datetimeFigureOut">
               <a:rPr lang="en-US" smtClean="0"/>
-              <a:t>6/6/2022</a:t>
+              <a:t>9/14/2022</a:t>
             </a:fld>
             <a:endParaRPr lang="en-US"/>
           </a:p>
@@ -2342,7 +2342,7 @@
           <a:p>
             <a:fld id="{D2474CCF-98B4-411A-8810-C31E8C29E19B}" type="datetimeFigureOut">
               <a:rPr lang="en-US" smtClean="0"/>
-              <a:t>6/6/2022</a:t>
+              <a:t>9/14/2022</a:t>
             </a:fld>
             <a:endParaRPr lang="en-US"/>
           </a:p>
@@ -2550,7 +2550,7 @@
           <a:p>
             <a:fld id="{D2474CCF-98B4-411A-8810-C31E8C29E19B}" type="datetimeFigureOut">
               <a:rPr lang="en-US" smtClean="0"/>
-              <a:t>6/6/2022</a:t>
+              <a:t>9/14/2022</a:t>
             </a:fld>
             <a:endParaRPr lang="en-US"/>
           </a:p>
@@ -3326,7 +3326,7 @@
           <a:p>
             <a:fld id="{D2474CCF-98B4-411A-8810-C31E8C29E19B}" type="datetimeFigureOut">
               <a:rPr lang="en-US" smtClean="0"/>
-              <a:t>6/6/2022</a:t>
+              <a:t>9/14/2022</a:t>
             </a:fld>
             <a:endParaRPr lang="en-US"/>
           </a:p>
@@ -4004,7 +4004,7 @@
           <a:p>
             <a:fld id="{D2474CCF-98B4-411A-8810-C31E8C29E19B}" type="datetimeFigureOut">
               <a:rPr lang="en-US" smtClean="0"/>
-              <a:t>6/6/2022</a:t>
+              <a:t>9/14/2022</a:t>
             </a:fld>
             <a:endParaRPr lang="en-US"/>
           </a:p>
@@ -4695,7 +4695,7 @@
           <a:p>
             <a:fld id="{D2474CCF-98B4-411A-8810-C31E8C29E19B}" type="datetimeFigureOut">
               <a:rPr lang="en-US" smtClean="0"/>
-              <a:t>6/6/2022</a:t>
+              <a:t>9/14/2022</a:t>
             </a:fld>
             <a:endParaRPr lang="en-US"/>
           </a:p>
@@ -5497,7 +5497,7 @@
           <a:p>
             <a:fld id="{D2474CCF-98B4-411A-8810-C31E8C29E19B}" type="datetimeFigureOut">
               <a:rPr lang="en-US" smtClean="0"/>
-              <a:t>6/6/2022</a:t>
+              <a:t>9/14/2022</a:t>
             </a:fld>
             <a:endParaRPr lang="en-US"/>
           </a:p>
@@ -6028,7 +6028,7 @@
           <a:p>
             <a:fld id="{D2474CCF-98B4-411A-8810-C31E8C29E19B}" type="datetimeFigureOut">
               <a:rPr lang="en-US" smtClean="0"/>
-              <a:t>6/6/2022</a:t>
+              <a:t>9/14/2022</a:t>
             </a:fld>
             <a:endParaRPr lang="en-US"/>
           </a:p>
@@ -6531,7 +6531,7 @@
           <a:p>
             <a:fld id="{D2474CCF-98B4-411A-8810-C31E8C29E19B}" type="datetimeFigureOut">
               <a:rPr lang="en-US" smtClean="0"/>
-              <a:t>6/6/2022</a:t>
+              <a:t>9/14/2022</a:t>
             </a:fld>
             <a:endParaRPr lang="en-US"/>
           </a:p>
@@ -6842,7 +6842,7 @@
           <a:p>
             <a:fld id="{D2474CCF-98B4-411A-8810-C31E8C29E19B}" type="datetimeFigureOut">
               <a:rPr lang="en-US" smtClean="0"/>
-              <a:t>6/6/2022</a:t>
+              <a:t>9/14/2022</a:t>
             </a:fld>
             <a:endParaRPr lang="en-US"/>
           </a:p>
@@ -7133,7 +7133,7 @@
           <a:p>
             <a:fld id="{D2474CCF-98B4-411A-8810-C31E8C29E19B}" type="datetimeFigureOut">
               <a:rPr lang="en-US" smtClean="0"/>
-              <a:t>6/6/2022</a:t>
+              <a:t>9/14/2022</a:t>
             </a:fld>
             <a:endParaRPr lang="en-US"/>
           </a:p>
@@ -7374,7 +7374,7 @@
           <a:p>
             <a:fld id="{D2474CCF-98B4-411A-8810-C31E8C29E19B}" type="datetimeFigureOut">
               <a:rPr lang="en-US" smtClean="0"/>
-              <a:t>6/6/2022</a:t>
+              <a:t>9/14/2022</a:t>
             </a:fld>
             <a:endParaRPr lang="en-US"/>
           </a:p>
@@ -14187,7 +14187,9 @@
         </p:nvSpPr>
         <p:spPr/>
         <p:txBody>
-          <a:bodyPr/>
+          <a:bodyPr>
+            <a:normAutofit/>
+          </a:bodyPr>
           <a:lstStyle/>
           <a:p>
             <a:pPr algn="l"/>
@@ -18031,7 +18033,7 @@
           <a:p>
             <a:r>
               <a:rPr lang="en-US" dirty="0"/>
-              <a:t> features of Angular 10</a:t>
+              <a:t> features of Angular 12</a:t>
             </a:r>
           </a:p>
         </p:txBody>

--- a/LTI_Angular/PPT/Angular 10.pptx
+++ b/LTI_Angular/PPT/Angular 10.pptx
@@ -165,7 +165,7 @@
   </p:defaultTextStyle>
   <p:extLst>
     <p:ext uri="{EFAFB233-063F-42B5-8137-9DF3F51BA10A}">
-      <p15:sldGuideLst xmlns:p15="http://schemas.microsoft.com/office/powerpoint/2012/main"/>
+      <p15:sldGuideLst xmlns:p15="http://schemas.microsoft.com/office/powerpoint/2012/main" xmlns=""/>
     </p:ext>
   </p:extLst>
 </p:presentation>
@@ -1306,7 +1306,7 @@
           <p:cNvPr id="7" name="Rectangle 6">
             <a:extLst>
               <a:ext uri="{FF2B5EF4-FFF2-40B4-BE49-F238E27FC236}">
-                <a16:creationId xmlns:a16="http://schemas.microsoft.com/office/drawing/2014/main" id="{FB45BD54-D254-4322-AF58-CAE8257A3F82}"/>
+                <a16:creationId xmlns:a16="http://schemas.microsoft.com/office/drawing/2014/main" xmlns="" id="{FB45BD54-D254-4322-AF58-CAE8257A3F82}"/>
               </a:ext>
             </a:extLst>
           </p:cNvPr>
@@ -1358,7 +1358,7 @@
           <p:cNvPr id="8" name="Rectangle 7">
             <a:extLst>
               <a:ext uri="{FF2B5EF4-FFF2-40B4-BE49-F238E27FC236}">
-                <a16:creationId xmlns:a16="http://schemas.microsoft.com/office/drawing/2014/main" id="{F10DB2E3-BEBB-417E-9A38-25C15BFBA35A}"/>
+                <a16:creationId xmlns:a16="http://schemas.microsoft.com/office/drawing/2014/main" xmlns="" id="{F10DB2E3-BEBB-417E-9A38-25C15BFBA35A}"/>
               </a:ext>
             </a:extLst>
           </p:cNvPr>
@@ -1415,7 +1415,7 @@
           <p:cNvPr id="9" name="Picture 8">
             <a:extLst>
               <a:ext uri="{FF2B5EF4-FFF2-40B4-BE49-F238E27FC236}">
-                <a16:creationId xmlns:a16="http://schemas.microsoft.com/office/drawing/2014/main" id="{D263A75F-78DF-42A9-BC21-1C7D5E55C115}"/>
+                <a16:creationId xmlns:a16="http://schemas.microsoft.com/office/drawing/2014/main" xmlns="" id="{D263A75F-78DF-42A9-BC21-1C7D5E55C115}"/>
               </a:ext>
             </a:extLst>
           </p:cNvPr>
@@ -1425,11 +1425,11 @@
           <p:nvPr/>
         </p:nvPicPr>
         <p:blipFill>
-          <a:blip r:embed="rId2">
+          <a:blip r:embed="rId2" cstate="print">
             <a:biLevel thresh="25000"/>
             <a:extLst>
               <a:ext uri="{28A0092B-C50C-407E-A947-70E740481C1C}">
-                <a14:useLocalDpi xmlns:a14="http://schemas.microsoft.com/office/drawing/2010/main" val="0"/>
+                <a14:useLocalDpi xmlns:a14="http://schemas.microsoft.com/office/drawing/2010/main" xmlns="" val="0"/>
               </a:ext>
             </a:extLst>
           </a:blip>
@@ -1452,7 +1452,7 @@
           <p:cNvPr id="10" name="Rectangle 9">
             <a:extLst>
               <a:ext uri="{FF2B5EF4-FFF2-40B4-BE49-F238E27FC236}">
-                <a16:creationId xmlns:a16="http://schemas.microsoft.com/office/drawing/2014/main" id="{2B1FEF01-CFDC-4705-BBAE-88BD256BEE19}"/>
+                <a16:creationId xmlns:a16="http://schemas.microsoft.com/office/drawing/2014/main" xmlns="" id="{2B1FEF01-CFDC-4705-BBAE-88BD256BEE19}"/>
               </a:ext>
             </a:extLst>
           </p:cNvPr>
@@ -1514,7 +1514,7 @@
           <p:cNvPr id="11" name="Rectangle 10">
             <a:extLst>
               <a:ext uri="{FF2B5EF4-FFF2-40B4-BE49-F238E27FC236}">
-                <a16:creationId xmlns:a16="http://schemas.microsoft.com/office/drawing/2014/main" id="{776D622D-9BE6-4C9D-8064-B078A5E909E2}"/>
+                <a16:creationId xmlns:a16="http://schemas.microsoft.com/office/drawing/2014/main" xmlns="" id="{776D622D-9BE6-4C9D-8064-B078A5E909E2}"/>
               </a:ext>
             </a:extLst>
           </p:cNvPr>
@@ -1576,7 +1576,7 @@
           <p:cNvPr id="12" name="Rectangle 11">
             <a:extLst>
               <a:ext uri="{FF2B5EF4-FFF2-40B4-BE49-F238E27FC236}">
-                <a16:creationId xmlns:a16="http://schemas.microsoft.com/office/drawing/2014/main" id="{7B9C8AFD-31CF-44B5-815D-F706827DA94E}"/>
+                <a16:creationId xmlns:a16="http://schemas.microsoft.com/office/drawing/2014/main" xmlns="" id="{7B9C8AFD-31CF-44B5-815D-F706827DA94E}"/>
               </a:ext>
             </a:extLst>
           </p:cNvPr>
@@ -1638,7 +1638,7 @@
           <p:cNvPr id="13" name="Rectangle 12">
             <a:extLst>
               <a:ext uri="{FF2B5EF4-FFF2-40B4-BE49-F238E27FC236}">
-                <a16:creationId xmlns:a16="http://schemas.microsoft.com/office/drawing/2014/main" id="{CCB5F93B-4C98-41CB-94D6-75C066006312}"/>
+                <a16:creationId xmlns:a16="http://schemas.microsoft.com/office/drawing/2014/main" xmlns="" id="{CCB5F93B-4C98-41CB-94D6-75C066006312}"/>
               </a:ext>
             </a:extLst>
           </p:cNvPr>
@@ -1700,7 +1700,7 @@
           <p:cNvPr id="14" name="Picture 13">
             <a:extLst>
               <a:ext uri="{FF2B5EF4-FFF2-40B4-BE49-F238E27FC236}">
-                <a16:creationId xmlns:a16="http://schemas.microsoft.com/office/drawing/2014/main" id="{0F325318-E234-4F36-8B87-16BA513E587C}"/>
+                <a16:creationId xmlns:a16="http://schemas.microsoft.com/office/drawing/2014/main" xmlns="" id="{0F325318-E234-4F36-8B87-16BA513E587C}"/>
               </a:ext>
             </a:extLst>
           </p:cNvPr>
@@ -1710,10 +1710,10 @@
           <p:nvPr/>
         </p:nvPicPr>
         <p:blipFill>
-          <a:blip r:embed="rId3">
+          <a:blip r:embed="rId3" cstate="print">
             <a:extLst>
               <a:ext uri="{28A0092B-C50C-407E-A947-70E740481C1C}">
-                <a14:useLocalDpi xmlns:a14="http://schemas.microsoft.com/office/drawing/2010/main" val="0"/>
+                <a14:useLocalDpi xmlns:a14="http://schemas.microsoft.com/office/drawing/2010/main" xmlns="" val="0"/>
               </a:ext>
             </a:extLst>
           </a:blip>
@@ -1736,7 +1736,7 @@
           <p:cNvPr id="15" name="Picture 14">
             <a:extLst>
               <a:ext uri="{FF2B5EF4-FFF2-40B4-BE49-F238E27FC236}">
-                <a16:creationId xmlns:a16="http://schemas.microsoft.com/office/drawing/2014/main" id="{33C151AA-4A07-419B-9ED6-CEF6AC61C135}"/>
+                <a16:creationId xmlns:a16="http://schemas.microsoft.com/office/drawing/2014/main" xmlns="" id="{33C151AA-4A07-419B-9ED6-CEF6AC61C135}"/>
               </a:ext>
             </a:extLst>
           </p:cNvPr>
@@ -1746,10 +1746,10 @@
           <p:nvPr/>
         </p:nvPicPr>
         <p:blipFill>
-          <a:blip r:embed="rId4">
+          <a:blip r:embed="rId4" cstate="print">
             <a:extLst>
               <a:ext uri="{28A0092B-C50C-407E-A947-70E740481C1C}">
-                <a14:useLocalDpi xmlns:a14="http://schemas.microsoft.com/office/drawing/2010/main" val="0"/>
+                <a14:useLocalDpi xmlns:a14="http://schemas.microsoft.com/office/drawing/2010/main" xmlns="" val="0"/>
               </a:ext>
             </a:extLst>
           </a:blip>
@@ -1772,7 +1772,7 @@
           <p:cNvPr id="2" name="Title 1">
             <a:extLst>
               <a:ext uri="{FF2B5EF4-FFF2-40B4-BE49-F238E27FC236}">
-                <a16:creationId xmlns:a16="http://schemas.microsoft.com/office/drawing/2014/main" id="{357F1B1E-B7D1-4F84-BC64-4CE0DB37DA10}"/>
+                <a16:creationId xmlns:a16="http://schemas.microsoft.com/office/drawing/2014/main" xmlns="" id="{357F1B1E-B7D1-4F84-BC64-4CE0DB37DA10}"/>
               </a:ext>
             </a:extLst>
           </p:cNvPr>
@@ -1820,7 +1820,7 @@
           <p:cNvPr id="3" name="Subtitle 2">
             <a:extLst>
               <a:ext uri="{FF2B5EF4-FFF2-40B4-BE49-F238E27FC236}">
-                <a16:creationId xmlns:a16="http://schemas.microsoft.com/office/drawing/2014/main" id="{EE486D6E-6BA8-4C52-924A-59253267AF57}"/>
+                <a16:creationId xmlns:a16="http://schemas.microsoft.com/office/drawing/2014/main" xmlns="" id="{EE486D6E-6BA8-4C52-924A-59253267AF57}"/>
               </a:ext>
             </a:extLst>
           </p:cNvPr>
@@ -1896,7 +1896,7 @@
           <p:cNvPr id="4" name="Date Placeholder 3">
             <a:extLst>
               <a:ext uri="{FF2B5EF4-FFF2-40B4-BE49-F238E27FC236}">
-                <a16:creationId xmlns:a16="http://schemas.microsoft.com/office/drawing/2014/main" id="{D3A3C5C8-6BE2-42E9-8B5A-2ED21D041198}"/>
+                <a16:creationId xmlns:a16="http://schemas.microsoft.com/office/drawing/2014/main" xmlns="" id="{D3A3C5C8-6BE2-42E9-8B5A-2ED21D041198}"/>
               </a:ext>
             </a:extLst>
           </p:cNvPr>
@@ -1914,7 +1914,8 @@
           <a:p>
             <a:fld id="{D2474CCF-98B4-411A-8810-C31E8C29E19B}" type="datetimeFigureOut">
               <a:rPr lang="en-US" smtClean="0"/>
-              <a:t>9/14/2022</a:t>
+              <a:pPr/>
+              <a:t>10/29/2023</a:t>
             </a:fld>
             <a:endParaRPr lang="en-US"/>
           </a:p>
@@ -1925,7 +1926,7 @@
           <p:cNvPr id="5" name="Footer Placeholder 4">
             <a:extLst>
               <a:ext uri="{FF2B5EF4-FFF2-40B4-BE49-F238E27FC236}">
-                <a16:creationId xmlns:a16="http://schemas.microsoft.com/office/drawing/2014/main" id="{5318EDC7-CDC2-4407-9F8F-C0CEAA400966}"/>
+                <a16:creationId xmlns:a16="http://schemas.microsoft.com/office/drawing/2014/main" xmlns="" id="{5318EDC7-CDC2-4407-9F8F-C0CEAA400966}"/>
               </a:ext>
             </a:extLst>
           </p:cNvPr>
@@ -1950,7 +1951,7 @@
           <p:cNvPr id="6" name="Slide Number Placeholder 5">
             <a:extLst>
               <a:ext uri="{FF2B5EF4-FFF2-40B4-BE49-F238E27FC236}">
-                <a16:creationId xmlns:a16="http://schemas.microsoft.com/office/drawing/2014/main" id="{B6F695F3-58FF-4760-B1DC-C5025EA66D87}"/>
+                <a16:creationId xmlns:a16="http://schemas.microsoft.com/office/drawing/2014/main" xmlns="" id="{B6F695F3-58FF-4760-B1DC-C5025EA66D87}"/>
               </a:ext>
             </a:extLst>
           </p:cNvPr>
@@ -1968,6 +1969,7 @@
           <a:p>
             <a:fld id="{A1FD0E78-183D-4F7D-A18B-8A4BED7B6988}" type="slidenum">
               <a:rPr lang="en-US" smtClean="0"/>
+              <a:pPr/>
               <a:t>‹#›</a:t>
             </a:fld>
             <a:endParaRPr lang="en-US"/>
@@ -1979,7 +1981,7 @@
           <p:cNvPr id="17" name="Straight Connector 16">
             <a:extLst>
               <a:ext uri="{FF2B5EF4-FFF2-40B4-BE49-F238E27FC236}">
-                <a16:creationId xmlns:a16="http://schemas.microsoft.com/office/drawing/2014/main" id="{70565CEE-49E5-468C-A0B4-83E886C61D84}"/>
+                <a16:creationId xmlns:a16="http://schemas.microsoft.com/office/drawing/2014/main" xmlns="" id="{70565CEE-49E5-468C-A0B4-83E886C61D84}"/>
               </a:ext>
             </a:extLst>
           </p:cNvPr>
@@ -2015,7 +2017,7 @@
           <p:cNvPr id="18" name="Freeform: Shape 17">
             <a:extLst>
               <a:ext uri="{FF2B5EF4-FFF2-40B4-BE49-F238E27FC236}">
-                <a16:creationId xmlns:a16="http://schemas.microsoft.com/office/drawing/2014/main" id="{740C7E80-A24C-4396-B051-437EF1D79AB8}"/>
+                <a16:creationId xmlns:a16="http://schemas.microsoft.com/office/drawing/2014/main" xmlns="" id="{740C7E80-A24C-4396-B051-437EF1D79AB8}"/>
               </a:ext>
             </a:extLst>
           </p:cNvPr>
@@ -2112,7 +2114,7 @@
           <p:cNvPr id="19" name="Freeform: Shape 18">
             <a:extLst>
               <a:ext uri="{FF2B5EF4-FFF2-40B4-BE49-F238E27FC236}">
-                <a16:creationId xmlns:a16="http://schemas.microsoft.com/office/drawing/2014/main" id="{C52EBDC4-1E90-4F52-92F1-8C4F5999C539}"/>
+                <a16:creationId xmlns:a16="http://schemas.microsoft.com/office/drawing/2014/main" xmlns="" id="{C52EBDC4-1E90-4F52-92F1-8C4F5999C539}"/>
               </a:ext>
             </a:extLst>
           </p:cNvPr>
@@ -2207,7 +2209,7 @@
     </p:spTree>
     <p:extLst>
       <p:ext uri="{BB962C8B-B14F-4D97-AF65-F5344CB8AC3E}">
-        <p14:creationId xmlns:p14="http://schemas.microsoft.com/office/powerpoint/2010/main" val="1137530690"/>
+        <p14:creationId xmlns:p14="http://schemas.microsoft.com/office/powerpoint/2010/main" xmlns="" val="1137530690"/>
       </p:ext>
     </p:extLst>
   </p:cSld>
@@ -2239,7 +2241,7 @@
           <p:cNvPr id="2" name="Title 1">
             <a:extLst>
               <a:ext uri="{FF2B5EF4-FFF2-40B4-BE49-F238E27FC236}">
-                <a16:creationId xmlns:a16="http://schemas.microsoft.com/office/drawing/2014/main" id="{954B1346-0FB6-45C7-A96E-DBDDF4C7C069}"/>
+                <a16:creationId xmlns:a16="http://schemas.microsoft.com/office/drawing/2014/main" xmlns="" id="{954B1346-0FB6-45C7-A96E-DBDDF4C7C069}"/>
               </a:ext>
             </a:extLst>
           </p:cNvPr>
@@ -2267,7 +2269,7 @@
           <p:cNvPr id="3" name="Vertical Text Placeholder 2">
             <a:extLst>
               <a:ext uri="{FF2B5EF4-FFF2-40B4-BE49-F238E27FC236}">
-                <a16:creationId xmlns:a16="http://schemas.microsoft.com/office/drawing/2014/main" id="{5C29AF55-8DB4-4235-B18B-7CA1658AEA7D}"/>
+                <a16:creationId xmlns:a16="http://schemas.microsoft.com/office/drawing/2014/main" xmlns="" id="{5C29AF55-8DB4-4235-B18B-7CA1658AEA7D}"/>
               </a:ext>
             </a:extLst>
           </p:cNvPr>
@@ -2324,7 +2326,7 @@
           <p:cNvPr id="4" name="Date Placeholder 3">
             <a:extLst>
               <a:ext uri="{FF2B5EF4-FFF2-40B4-BE49-F238E27FC236}">
-                <a16:creationId xmlns:a16="http://schemas.microsoft.com/office/drawing/2014/main" id="{1AF36DFF-55B4-41FE-BF5D-FC115ECB708B}"/>
+                <a16:creationId xmlns:a16="http://schemas.microsoft.com/office/drawing/2014/main" xmlns="" id="{1AF36DFF-55B4-41FE-BF5D-FC115ECB708B}"/>
               </a:ext>
             </a:extLst>
           </p:cNvPr>
@@ -2342,7 +2344,8 @@
           <a:p>
             <a:fld id="{D2474CCF-98B4-411A-8810-C31E8C29E19B}" type="datetimeFigureOut">
               <a:rPr lang="en-US" smtClean="0"/>
-              <a:t>9/14/2022</a:t>
+              <a:pPr/>
+              <a:t>10/29/2023</a:t>
             </a:fld>
             <a:endParaRPr lang="en-US"/>
           </a:p>
@@ -2353,7 +2356,7 @@
           <p:cNvPr id="5" name="Footer Placeholder 4">
             <a:extLst>
               <a:ext uri="{FF2B5EF4-FFF2-40B4-BE49-F238E27FC236}">
-                <a16:creationId xmlns:a16="http://schemas.microsoft.com/office/drawing/2014/main" id="{CB1B04A8-2C06-4BAA-A780-6380C576F998}"/>
+                <a16:creationId xmlns:a16="http://schemas.microsoft.com/office/drawing/2014/main" xmlns="" id="{CB1B04A8-2C06-4BAA-A780-6380C576F998}"/>
               </a:ext>
             </a:extLst>
           </p:cNvPr>
@@ -2378,7 +2381,7 @@
           <p:cNvPr id="6" name="Slide Number Placeholder 5">
             <a:extLst>
               <a:ext uri="{FF2B5EF4-FFF2-40B4-BE49-F238E27FC236}">
-                <a16:creationId xmlns:a16="http://schemas.microsoft.com/office/drawing/2014/main" id="{5A3476E6-F3EA-4F13-B40F-1978B532D33E}"/>
+                <a16:creationId xmlns:a16="http://schemas.microsoft.com/office/drawing/2014/main" xmlns="" id="{5A3476E6-F3EA-4F13-B40F-1978B532D33E}"/>
               </a:ext>
             </a:extLst>
           </p:cNvPr>
@@ -2396,6 +2399,7 @@
           <a:p>
             <a:fld id="{A1FD0E78-183D-4F7D-A18B-8A4BED7B6988}" type="slidenum">
               <a:rPr lang="en-US" smtClean="0"/>
+              <a:pPr/>
               <a:t>‹#›</a:t>
             </a:fld>
             <a:endParaRPr lang="en-US"/>
@@ -2405,7 +2409,7 @@
     </p:spTree>
     <p:extLst>
       <p:ext uri="{BB962C8B-B14F-4D97-AF65-F5344CB8AC3E}">
-        <p14:creationId xmlns:p14="http://schemas.microsoft.com/office/powerpoint/2010/main" val="1738558996"/>
+        <p14:creationId xmlns:p14="http://schemas.microsoft.com/office/powerpoint/2010/main" xmlns="" val="1738558996"/>
       </p:ext>
     </p:extLst>
   </p:cSld>
@@ -2437,7 +2441,7 @@
           <p:cNvPr id="2" name="Vertical Title 1">
             <a:extLst>
               <a:ext uri="{FF2B5EF4-FFF2-40B4-BE49-F238E27FC236}">
-                <a16:creationId xmlns:a16="http://schemas.microsoft.com/office/drawing/2014/main" id="{8BDEE29A-7B74-4351-AF12-4B1C4A1C76B4}"/>
+                <a16:creationId xmlns:a16="http://schemas.microsoft.com/office/drawing/2014/main" xmlns="" id="{8BDEE29A-7B74-4351-AF12-4B1C4A1C76B4}"/>
               </a:ext>
             </a:extLst>
           </p:cNvPr>
@@ -2470,7 +2474,7 @@
           <p:cNvPr id="3" name="Vertical Text Placeholder 2">
             <a:extLst>
               <a:ext uri="{FF2B5EF4-FFF2-40B4-BE49-F238E27FC236}">
-                <a16:creationId xmlns:a16="http://schemas.microsoft.com/office/drawing/2014/main" id="{003DBD61-8BBB-4413-B521-69C6BA2EBDB8}"/>
+                <a16:creationId xmlns:a16="http://schemas.microsoft.com/office/drawing/2014/main" xmlns="" id="{003DBD61-8BBB-4413-B521-69C6BA2EBDB8}"/>
               </a:ext>
             </a:extLst>
           </p:cNvPr>
@@ -2532,7 +2536,7 @@
           <p:cNvPr id="4" name="Date Placeholder 3">
             <a:extLst>
               <a:ext uri="{FF2B5EF4-FFF2-40B4-BE49-F238E27FC236}">
-                <a16:creationId xmlns:a16="http://schemas.microsoft.com/office/drawing/2014/main" id="{83B486CF-3404-43E2-AAB7-B052FC466837}"/>
+                <a16:creationId xmlns:a16="http://schemas.microsoft.com/office/drawing/2014/main" xmlns="" id="{83B486CF-3404-43E2-AAB7-B052FC466837}"/>
               </a:ext>
             </a:extLst>
           </p:cNvPr>
@@ -2550,7 +2554,8 @@
           <a:p>
             <a:fld id="{D2474CCF-98B4-411A-8810-C31E8C29E19B}" type="datetimeFigureOut">
               <a:rPr lang="en-US" smtClean="0"/>
-              <a:t>9/14/2022</a:t>
+              <a:pPr/>
+              <a:t>10/29/2023</a:t>
             </a:fld>
             <a:endParaRPr lang="en-US"/>
           </a:p>
@@ -2561,7 +2566,7 @@
           <p:cNvPr id="5" name="Footer Placeholder 4">
             <a:extLst>
               <a:ext uri="{FF2B5EF4-FFF2-40B4-BE49-F238E27FC236}">
-                <a16:creationId xmlns:a16="http://schemas.microsoft.com/office/drawing/2014/main" id="{F37AE448-840B-441A-88AC-D0E89CE174BF}"/>
+                <a16:creationId xmlns:a16="http://schemas.microsoft.com/office/drawing/2014/main" xmlns="" id="{F37AE448-840B-441A-88AC-D0E89CE174BF}"/>
               </a:ext>
             </a:extLst>
           </p:cNvPr>
@@ -2586,7 +2591,7 @@
           <p:cNvPr id="6" name="Slide Number Placeholder 5">
             <a:extLst>
               <a:ext uri="{FF2B5EF4-FFF2-40B4-BE49-F238E27FC236}">
-                <a16:creationId xmlns:a16="http://schemas.microsoft.com/office/drawing/2014/main" id="{E3356B10-E457-4193-8E4C-4179814527ED}"/>
+                <a16:creationId xmlns:a16="http://schemas.microsoft.com/office/drawing/2014/main" xmlns="" id="{E3356B10-E457-4193-8E4C-4179814527ED}"/>
               </a:ext>
             </a:extLst>
           </p:cNvPr>
@@ -2604,6 +2609,7 @@
           <a:p>
             <a:fld id="{A1FD0E78-183D-4F7D-A18B-8A4BED7B6988}" type="slidenum">
               <a:rPr lang="en-US" smtClean="0"/>
+              <a:pPr/>
               <a:t>‹#›</a:t>
             </a:fld>
             <a:endParaRPr lang="en-US"/>
@@ -2613,7 +2619,7 @@
     </p:spTree>
     <p:extLst>
       <p:ext uri="{BB962C8B-B14F-4D97-AF65-F5344CB8AC3E}">
-        <p14:creationId xmlns:p14="http://schemas.microsoft.com/office/powerpoint/2010/main" val="1506037322"/>
+        <p14:creationId xmlns:p14="http://schemas.microsoft.com/office/powerpoint/2010/main" xmlns="" val="1506037322"/>
       </p:ext>
     </p:extLst>
   </p:cSld>
@@ -2645,7 +2651,7 @@
           <p:cNvPr id="7" name="Rectangle 6">
             <a:extLst>
               <a:ext uri="{FF2B5EF4-FFF2-40B4-BE49-F238E27FC236}">
-                <a16:creationId xmlns:a16="http://schemas.microsoft.com/office/drawing/2014/main" id="{A8C48660-697D-4BB9-97F6-A5BB6C764668}"/>
+                <a16:creationId xmlns:a16="http://schemas.microsoft.com/office/drawing/2014/main" xmlns="" id="{A8C48660-697D-4BB9-97F6-A5BB6C764668}"/>
               </a:ext>
             </a:extLst>
           </p:cNvPr>
@@ -2694,7 +2700,7 @@
           <p:cNvPr id="8" name="Rectangle 7">
             <a:extLst>
               <a:ext uri="{FF2B5EF4-FFF2-40B4-BE49-F238E27FC236}">
-                <a16:creationId xmlns:a16="http://schemas.microsoft.com/office/drawing/2014/main" id="{BD0BE8EE-2EB2-435C-9D5A-AAA15842A36C}"/>
+                <a16:creationId xmlns:a16="http://schemas.microsoft.com/office/drawing/2014/main" xmlns="" id="{BD0BE8EE-2EB2-435C-9D5A-AAA15842A36C}"/>
               </a:ext>
             </a:extLst>
           </p:cNvPr>
@@ -2751,7 +2757,7 @@
           <p:cNvPr id="9" name="Rectangle 8">
             <a:extLst>
               <a:ext uri="{FF2B5EF4-FFF2-40B4-BE49-F238E27FC236}">
-                <a16:creationId xmlns:a16="http://schemas.microsoft.com/office/drawing/2014/main" id="{423355C8-5657-4103-B600-59803F24DBFF}"/>
+                <a16:creationId xmlns:a16="http://schemas.microsoft.com/office/drawing/2014/main" xmlns="" id="{423355C8-5657-4103-B600-59803F24DBFF}"/>
               </a:ext>
             </a:extLst>
           </p:cNvPr>
@@ -2813,7 +2819,7 @@
           <p:cNvPr id="10" name="Rectangle 9">
             <a:extLst>
               <a:ext uri="{FF2B5EF4-FFF2-40B4-BE49-F238E27FC236}">
-                <a16:creationId xmlns:a16="http://schemas.microsoft.com/office/drawing/2014/main" id="{CFF2C038-CD71-4DD5-AD56-49FB9C0E8AF6}"/>
+                <a16:creationId xmlns:a16="http://schemas.microsoft.com/office/drawing/2014/main" xmlns="" id="{CFF2C038-CD71-4DD5-AD56-49FB9C0E8AF6}"/>
               </a:ext>
             </a:extLst>
           </p:cNvPr>
@@ -2875,7 +2881,7 @@
           <p:cNvPr id="11" name="Rectangle 10">
             <a:extLst>
               <a:ext uri="{FF2B5EF4-FFF2-40B4-BE49-F238E27FC236}">
-                <a16:creationId xmlns:a16="http://schemas.microsoft.com/office/drawing/2014/main" id="{D626EA1A-6BCF-4846-ABF3-498AD8F1EC82}"/>
+                <a16:creationId xmlns:a16="http://schemas.microsoft.com/office/drawing/2014/main" xmlns="" id="{D626EA1A-6BCF-4846-ABF3-498AD8F1EC82}"/>
               </a:ext>
             </a:extLst>
           </p:cNvPr>
@@ -2937,7 +2943,7 @@
           <p:cNvPr id="12" name="Rectangle 11">
             <a:extLst>
               <a:ext uri="{FF2B5EF4-FFF2-40B4-BE49-F238E27FC236}">
-                <a16:creationId xmlns:a16="http://schemas.microsoft.com/office/drawing/2014/main" id="{E91F1E9A-33FE-49BA-B69E-30EA3CC61DB9}"/>
+                <a16:creationId xmlns:a16="http://schemas.microsoft.com/office/drawing/2014/main" xmlns="" id="{E91F1E9A-33FE-49BA-B69E-30EA3CC61DB9}"/>
               </a:ext>
             </a:extLst>
           </p:cNvPr>
@@ -2999,7 +3005,7 @@
           <p:cNvPr id="13" name="Picture 12">
             <a:extLst>
               <a:ext uri="{FF2B5EF4-FFF2-40B4-BE49-F238E27FC236}">
-                <a16:creationId xmlns:a16="http://schemas.microsoft.com/office/drawing/2014/main" id="{B9CD68B3-2898-4D6B-B5C2-F62D51C485D5}"/>
+                <a16:creationId xmlns:a16="http://schemas.microsoft.com/office/drawing/2014/main" xmlns="" id="{B9CD68B3-2898-4D6B-B5C2-F62D51C485D5}"/>
               </a:ext>
             </a:extLst>
           </p:cNvPr>
@@ -3009,10 +3015,10 @@
           <p:nvPr/>
         </p:nvPicPr>
         <p:blipFill>
-          <a:blip r:embed="rId2">
+          <a:blip r:embed="rId2" cstate="print">
             <a:extLst>
               <a:ext uri="{28A0092B-C50C-407E-A947-70E740481C1C}">
-                <a14:useLocalDpi xmlns:a14="http://schemas.microsoft.com/office/drawing/2010/main" val="0"/>
+                <a14:useLocalDpi xmlns:a14="http://schemas.microsoft.com/office/drawing/2010/main" xmlns="" val="0"/>
               </a:ext>
             </a:extLst>
           </a:blip>
@@ -3035,7 +3041,7 @@
           <p:cNvPr id="14" name="Group 13">
             <a:extLst>
               <a:ext uri="{FF2B5EF4-FFF2-40B4-BE49-F238E27FC236}">
-                <a16:creationId xmlns:a16="http://schemas.microsoft.com/office/drawing/2014/main" id="{C4873B59-2742-4F87-99A9-E1AA8FCD8E50}"/>
+                <a16:creationId xmlns:a16="http://schemas.microsoft.com/office/drawing/2014/main" xmlns="" id="{C4873B59-2742-4F87-99A9-E1AA8FCD8E50}"/>
               </a:ext>
             </a:extLst>
           </p:cNvPr>
@@ -3055,7 +3061,7 @@
             <p:cNvPr id="15" name="Picture 14">
               <a:extLst>
                 <a:ext uri="{FF2B5EF4-FFF2-40B4-BE49-F238E27FC236}">
-                  <a16:creationId xmlns:a16="http://schemas.microsoft.com/office/drawing/2014/main" id="{289441B2-4EF5-4599-887F-42F7A59ADD20}"/>
+                  <a16:creationId xmlns:a16="http://schemas.microsoft.com/office/drawing/2014/main" xmlns="" id="{289441B2-4EF5-4599-887F-42F7A59ADD20}"/>
                 </a:ext>
               </a:extLst>
             </p:cNvPr>
@@ -3068,7 +3074,7 @@
             <a:blip r:embed="rId3">
               <a:extLst>
                 <a:ext uri="{28A0092B-C50C-407E-A947-70E740481C1C}">
-                  <a14:useLocalDpi xmlns:a14="http://schemas.microsoft.com/office/drawing/2010/main" val="0"/>
+                  <a14:useLocalDpi xmlns:a14="http://schemas.microsoft.com/office/drawing/2010/main" xmlns="" val="0"/>
                 </a:ext>
               </a:extLst>
             </a:blip>
@@ -3091,7 +3097,7 @@
             <p:cNvPr id="16" name="Rectangle 15">
               <a:extLst>
                 <a:ext uri="{FF2B5EF4-FFF2-40B4-BE49-F238E27FC236}">
-                  <a16:creationId xmlns:a16="http://schemas.microsoft.com/office/drawing/2014/main" id="{C4F730E1-3FAD-4138-ACCA-276E0BBA031B}"/>
+                  <a16:creationId xmlns:a16="http://schemas.microsoft.com/office/drawing/2014/main" xmlns="" id="{C4F730E1-3FAD-4138-ACCA-276E0BBA031B}"/>
                 </a:ext>
               </a:extLst>
             </p:cNvPr>
@@ -3146,7 +3152,7 @@
           <p:cNvPr id="2" name="Title 1">
             <a:extLst>
               <a:ext uri="{FF2B5EF4-FFF2-40B4-BE49-F238E27FC236}">
-                <a16:creationId xmlns:a16="http://schemas.microsoft.com/office/drawing/2014/main" id="{3F08D64F-302C-4B73-A9F2-946CA338260A}"/>
+                <a16:creationId xmlns:a16="http://schemas.microsoft.com/office/drawing/2014/main" xmlns="" id="{3F08D64F-302C-4B73-A9F2-946CA338260A}"/>
               </a:ext>
             </a:extLst>
           </p:cNvPr>
@@ -3192,7 +3198,7 @@
           <p:cNvPr id="3" name="Content Placeholder 2">
             <a:extLst>
               <a:ext uri="{FF2B5EF4-FFF2-40B4-BE49-F238E27FC236}">
-                <a16:creationId xmlns:a16="http://schemas.microsoft.com/office/drawing/2014/main" id="{372EB2DC-2ADD-4476-921C-5457C12D154E}"/>
+                <a16:creationId xmlns:a16="http://schemas.microsoft.com/office/drawing/2014/main" xmlns="" id="{372EB2DC-2ADD-4476-921C-5457C12D154E}"/>
               </a:ext>
             </a:extLst>
           </p:cNvPr>
@@ -3308,7 +3314,7 @@
           <p:cNvPr id="4" name="Date Placeholder 3">
             <a:extLst>
               <a:ext uri="{FF2B5EF4-FFF2-40B4-BE49-F238E27FC236}">
-                <a16:creationId xmlns:a16="http://schemas.microsoft.com/office/drawing/2014/main" id="{C68B0C41-3748-45BA-AC12-3356750D6CCC}"/>
+                <a16:creationId xmlns:a16="http://schemas.microsoft.com/office/drawing/2014/main" xmlns="" id="{C68B0C41-3748-45BA-AC12-3356750D6CCC}"/>
               </a:ext>
             </a:extLst>
           </p:cNvPr>
@@ -3326,7 +3332,8 @@
           <a:p>
             <a:fld id="{D2474CCF-98B4-411A-8810-C31E8C29E19B}" type="datetimeFigureOut">
               <a:rPr lang="en-US" smtClean="0"/>
-              <a:t>9/14/2022</a:t>
+              <a:pPr/>
+              <a:t>10/29/2023</a:t>
             </a:fld>
             <a:endParaRPr lang="en-US"/>
           </a:p>
@@ -3337,7 +3344,7 @@
           <p:cNvPr id="5" name="Footer Placeholder 4">
             <a:extLst>
               <a:ext uri="{FF2B5EF4-FFF2-40B4-BE49-F238E27FC236}">
-                <a16:creationId xmlns:a16="http://schemas.microsoft.com/office/drawing/2014/main" id="{B2BC5298-80C2-435C-BE19-55A311B75B01}"/>
+                <a16:creationId xmlns:a16="http://schemas.microsoft.com/office/drawing/2014/main" xmlns="" id="{B2BC5298-80C2-435C-BE19-55A311B75B01}"/>
               </a:ext>
             </a:extLst>
           </p:cNvPr>
@@ -3362,7 +3369,7 @@
           <p:cNvPr id="6" name="Slide Number Placeholder 5">
             <a:extLst>
               <a:ext uri="{FF2B5EF4-FFF2-40B4-BE49-F238E27FC236}">
-                <a16:creationId xmlns:a16="http://schemas.microsoft.com/office/drawing/2014/main" id="{81E8E2F2-0AF5-4302-9483-8FB2AC4A12E3}"/>
+                <a16:creationId xmlns:a16="http://schemas.microsoft.com/office/drawing/2014/main" xmlns="" id="{81E8E2F2-0AF5-4302-9483-8FB2AC4A12E3}"/>
               </a:ext>
             </a:extLst>
           </p:cNvPr>
@@ -3380,6 +3387,7 @@
           <a:p>
             <a:fld id="{A1FD0E78-183D-4F7D-A18B-8A4BED7B6988}" type="slidenum">
               <a:rPr lang="en-US" smtClean="0"/>
+              <a:pPr/>
               <a:t>‹#›</a:t>
             </a:fld>
             <a:endParaRPr lang="en-US"/>
@@ -3389,7 +3397,7 @@
     </p:spTree>
     <p:extLst>
       <p:ext uri="{BB962C8B-B14F-4D97-AF65-F5344CB8AC3E}">
-        <p14:creationId xmlns:p14="http://schemas.microsoft.com/office/powerpoint/2010/main" val="4191452652"/>
+        <p14:creationId xmlns:p14="http://schemas.microsoft.com/office/powerpoint/2010/main" xmlns="" val="4191452652"/>
       </p:ext>
     </p:extLst>
   </p:cSld>
@@ -3421,7 +3429,7 @@
           <p:cNvPr id="7" name="Rectangle 6">
             <a:extLst>
               <a:ext uri="{FF2B5EF4-FFF2-40B4-BE49-F238E27FC236}">
-                <a16:creationId xmlns:a16="http://schemas.microsoft.com/office/drawing/2014/main" id="{CD1C76EB-EFA3-4D98-BF85-9CBAD51246C3}"/>
+                <a16:creationId xmlns:a16="http://schemas.microsoft.com/office/drawing/2014/main" xmlns="" id="{CD1C76EB-EFA3-4D98-BF85-9CBAD51246C3}"/>
               </a:ext>
             </a:extLst>
           </p:cNvPr>
@@ -3473,7 +3481,7 @@
           <p:cNvPr id="8" name="Rectangle 7">
             <a:extLst>
               <a:ext uri="{FF2B5EF4-FFF2-40B4-BE49-F238E27FC236}">
-                <a16:creationId xmlns:a16="http://schemas.microsoft.com/office/drawing/2014/main" id="{70F9218A-B816-4B5F-A0BE-D0AAD688BCDE}"/>
+                <a16:creationId xmlns:a16="http://schemas.microsoft.com/office/drawing/2014/main" xmlns="" id="{70F9218A-B816-4B5F-A0BE-D0AAD688BCDE}"/>
               </a:ext>
             </a:extLst>
           </p:cNvPr>
@@ -3530,7 +3538,7 @@
           <p:cNvPr id="9" name="Picture 8">
             <a:extLst>
               <a:ext uri="{FF2B5EF4-FFF2-40B4-BE49-F238E27FC236}">
-                <a16:creationId xmlns:a16="http://schemas.microsoft.com/office/drawing/2014/main" id="{07792D18-2682-4285-9429-837643BCD1C7}"/>
+                <a16:creationId xmlns:a16="http://schemas.microsoft.com/office/drawing/2014/main" xmlns="" id="{07792D18-2682-4285-9429-837643BCD1C7}"/>
               </a:ext>
             </a:extLst>
           </p:cNvPr>
@@ -3540,11 +3548,11 @@
           <p:nvPr/>
         </p:nvPicPr>
         <p:blipFill>
-          <a:blip r:embed="rId2">
+          <a:blip r:embed="rId2" cstate="print">
             <a:biLevel thresh="25000"/>
             <a:extLst>
               <a:ext uri="{28A0092B-C50C-407E-A947-70E740481C1C}">
-                <a14:useLocalDpi xmlns:a14="http://schemas.microsoft.com/office/drawing/2010/main" val="0"/>
+                <a14:useLocalDpi xmlns:a14="http://schemas.microsoft.com/office/drawing/2010/main" xmlns="" val="0"/>
               </a:ext>
             </a:extLst>
           </a:blip>
@@ -3567,7 +3575,7 @@
           <p:cNvPr id="10" name="Rectangle 9">
             <a:extLst>
               <a:ext uri="{FF2B5EF4-FFF2-40B4-BE49-F238E27FC236}">
-                <a16:creationId xmlns:a16="http://schemas.microsoft.com/office/drawing/2014/main" id="{31E5457F-D05E-4FBC-AA16-B4542B833804}"/>
+                <a16:creationId xmlns:a16="http://schemas.microsoft.com/office/drawing/2014/main" xmlns="" id="{31E5457F-D05E-4FBC-AA16-B4542B833804}"/>
               </a:ext>
             </a:extLst>
           </p:cNvPr>
@@ -3629,7 +3637,7 @@
           <p:cNvPr id="11" name="Rectangle 10">
             <a:extLst>
               <a:ext uri="{FF2B5EF4-FFF2-40B4-BE49-F238E27FC236}">
-                <a16:creationId xmlns:a16="http://schemas.microsoft.com/office/drawing/2014/main" id="{3D20450F-F92F-43A7-B557-0485260B48EC}"/>
+                <a16:creationId xmlns:a16="http://schemas.microsoft.com/office/drawing/2014/main" xmlns="" id="{3D20450F-F92F-43A7-B557-0485260B48EC}"/>
               </a:ext>
             </a:extLst>
           </p:cNvPr>
@@ -3691,7 +3699,7 @@
           <p:cNvPr id="12" name="Rectangle 11">
             <a:extLst>
               <a:ext uri="{FF2B5EF4-FFF2-40B4-BE49-F238E27FC236}">
-                <a16:creationId xmlns:a16="http://schemas.microsoft.com/office/drawing/2014/main" id="{20D495CD-0755-4CD0-952C-38FDFD818912}"/>
+                <a16:creationId xmlns:a16="http://schemas.microsoft.com/office/drawing/2014/main" xmlns="" id="{20D495CD-0755-4CD0-952C-38FDFD818912}"/>
               </a:ext>
             </a:extLst>
           </p:cNvPr>
@@ -3753,7 +3761,7 @@
           <p:cNvPr id="13" name="Rectangle 12">
             <a:extLst>
               <a:ext uri="{FF2B5EF4-FFF2-40B4-BE49-F238E27FC236}">
-                <a16:creationId xmlns:a16="http://schemas.microsoft.com/office/drawing/2014/main" id="{F756530E-6471-4A98-9409-D28702635498}"/>
+                <a16:creationId xmlns:a16="http://schemas.microsoft.com/office/drawing/2014/main" xmlns="" id="{F756530E-6471-4A98-9409-D28702635498}"/>
               </a:ext>
             </a:extLst>
           </p:cNvPr>
@@ -3815,7 +3823,7 @@
           <p:cNvPr id="2" name="Title 1">
             <a:extLst>
               <a:ext uri="{FF2B5EF4-FFF2-40B4-BE49-F238E27FC236}">
-                <a16:creationId xmlns:a16="http://schemas.microsoft.com/office/drawing/2014/main" id="{54E16744-0EC5-4409-8030-9D707EE1A1D6}"/>
+                <a16:creationId xmlns:a16="http://schemas.microsoft.com/office/drawing/2014/main" xmlns="" id="{54E16744-0EC5-4409-8030-9D707EE1A1D6}"/>
               </a:ext>
             </a:extLst>
           </p:cNvPr>
@@ -3860,7 +3868,7 @@
           <p:cNvPr id="3" name="Text Placeholder 2">
             <a:extLst>
               <a:ext uri="{FF2B5EF4-FFF2-40B4-BE49-F238E27FC236}">
-                <a16:creationId xmlns:a16="http://schemas.microsoft.com/office/drawing/2014/main" id="{C98CF225-F19A-40FE-9134-ADAC53A2CB8E}"/>
+                <a16:creationId xmlns:a16="http://schemas.microsoft.com/office/drawing/2014/main" xmlns="" id="{C98CF225-F19A-40FE-9134-ADAC53A2CB8E}"/>
               </a:ext>
             </a:extLst>
           </p:cNvPr>
@@ -3986,7 +3994,7 @@
           <p:cNvPr id="4" name="Date Placeholder 3">
             <a:extLst>
               <a:ext uri="{FF2B5EF4-FFF2-40B4-BE49-F238E27FC236}">
-                <a16:creationId xmlns:a16="http://schemas.microsoft.com/office/drawing/2014/main" id="{E6052890-A463-40F0-8781-AB9ECF34701B}"/>
+                <a16:creationId xmlns:a16="http://schemas.microsoft.com/office/drawing/2014/main" xmlns="" id="{E6052890-A463-40F0-8781-AB9ECF34701B}"/>
               </a:ext>
             </a:extLst>
           </p:cNvPr>
@@ -4004,7 +4012,8 @@
           <a:p>
             <a:fld id="{D2474CCF-98B4-411A-8810-C31E8C29E19B}" type="datetimeFigureOut">
               <a:rPr lang="en-US" smtClean="0"/>
-              <a:t>9/14/2022</a:t>
+              <a:pPr/>
+              <a:t>10/29/2023</a:t>
             </a:fld>
             <a:endParaRPr lang="en-US"/>
           </a:p>
@@ -4015,7 +4024,7 @@
           <p:cNvPr id="5" name="Footer Placeholder 4">
             <a:extLst>
               <a:ext uri="{FF2B5EF4-FFF2-40B4-BE49-F238E27FC236}">
-                <a16:creationId xmlns:a16="http://schemas.microsoft.com/office/drawing/2014/main" id="{4B4EBFC2-28E7-4B50-9949-2BDA85E26BB6}"/>
+                <a16:creationId xmlns:a16="http://schemas.microsoft.com/office/drawing/2014/main" xmlns="" id="{4B4EBFC2-28E7-4B50-9949-2BDA85E26BB6}"/>
               </a:ext>
             </a:extLst>
           </p:cNvPr>
@@ -4040,7 +4049,7 @@
           <p:cNvPr id="6" name="Slide Number Placeholder 5">
             <a:extLst>
               <a:ext uri="{FF2B5EF4-FFF2-40B4-BE49-F238E27FC236}">
-                <a16:creationId xmlns:a16="http://schemas.microsoft.com/office/drawing/2014/main" id="{90C98516-7864-4AE1-84EA-04757DF14368}"/>
+                <a16:creationId xmlns:a16="http://schemas.microsoft.com/office/drawing/2014/main" xmlns="" id="{90C98516-7864-4AE1-84EA-04757DF14368}"/>
               </a:ext>
             </a:extLst>
           </p:cNvPr>
@@ -4058,6 +4067,7 @@
           <a:p>
             <a:fld id="{A1FD0E78-183D-4F7D-A18B-8A4BED7B6988}" type="slidenum">
               <a:rPr lang="en-US" smtClean="0"/>
+              <a:pPr/>
               <a:t>‹#›</a:t>
             </a:fld>
             <a:endParaRPr lang="en-US"/>
@@ -4069,7 +4079,7 @@
           <p:cNvPr id="14" name="Straight Connector 13">
             <a:extLst>
               <a:ext uri="{FF2B5EF4-FFF2-40B4-BE49-F238E27FC236}">
-                <a16:creationId xmlns:a16="http://schemas.microsoft.com/office/drawing/2014/main" id="{709AA055-0DD5-4F16-B6C2-4900CC928098}"/>
+                <a16:creationId xmlns:a16="http://schemas.microsoft.com/office/drawing/2014/main" xmlns="" id="{709AA055-0DD5-4F16-B6C2-4900CC928098}"/>
               </a:ext>
             </a:extLst>
           </p:cNvPr>
@@ -4103,7 +4113,7 @@
     </p:spTree>
     <p:extLst>
       <p:ext uri="{BB962C8B-B14F-4D97-AF65-F5344CB8AC3E}">
-        <p14:creationId xmlns:p14="http://schemas.microsoft.com/office/powerpoint/2010/main" val="3753181276"/>
+        <p14:creationId xmlns:p14="http://schemas.microsoft.com/office/powerpoint/2010/main" xmlns="" val="3753181276"/>
       </p:ext>
     </p:extLst>
   </p:cSld>
@@ -4135,7 +4145,7 @@
           <p:cNvPr id="8" name="Rectangle 7">
             <a:extLst>
               <a:ext uri="{FF2B5EF4-FFF2-40B4-BE49-F238E27FC236}">
-                <a16:creationId xmlns:a16="http://schemas.microsoft.com/office/drawing/2014/main" id="{428ED813-B8D0-48D3-B71C-48DF5BDC9A90}"/>
+                <a16:creationId xmlns:a16="http://schemas.microsoft.com/office/drawing/2014/main" xmlns="" id="{428ED813-B8D0-48D3-B71C-48DF5BDC9A90}"/>
               </a:ext>
             </a:extLst>
           </p:cNvPr>
@@ -4184,7 +4194,7 @@
           <p:cNvPr id="9" name="Rectangle 8">
             <a:extLst>
               <a:ext uri="{FF2B5EF4-FFF2-40B4-BE49-F238E27FC236}">
-                <a16:creationId xmlns:a16="http://schemas.microsoft.com/office/drawing/2014/main" id="{FDF0879C-37D2-4E04-A609-4FEBD2EB69A2}"/>
+                <a16:creationId xmlns:a16="http://schemas.microsoft.com/office/drawing/2014/main" xmlns="" id="{FDF0879C-37D2-4E04-A609-4FEBD2EB69A2}"/>
               </a:ext>
             </a:extLst>
           </p:cNvPr>
@@ -4241,7 +4251,7 @@
           <p:cNvPr id="10" name="Rectangle 9">
             <a:extLst>
               <a:ext uri="{FF2B5EF4-FFF2-40B4-BE49-F238E27FC236}">
-                <a16:creationId xmlns:a16="http://schemas.microsoft.com/office/drawing/2014/main" id="{94C859E1-EF9A-419B-B3AC-AEA4B510D174}"/>
+                <a16:creationId xmlns:a16="http://schemas.microsoft.com/office/drawing/2014/main" xmlns="" id="{94C859E1-EF9A-419B-B3AC-AEA4B510D174}"/>
               </a:ext>
             </a:extLst>
           </p:cNvPr>
@@ -4303,7 +4313,7 @@
           <p:cNvPr id="11" name="Rectangle 10">
             <a:extLst>
               <a:ext uri="{FF2B5EF4-FFF2-40B4-BE49-F238E27FC236}">
-                <a16:creationId xmlns:a16="http://schemas.microsoft.com/office/drawing/2014/main" id="{D14C3DBE-5B2C-4C2D-8079-CF803A046CD5}"/>
+                <a16:creationId xmlns:a16="http://schemas.microsoft.com/office/drawing/2014/main" xmlns="" id="{D14C3DBE-5B2C-4C2D-8079-CF803A046CD5}"/>
               </a:ext>
             </a:extLst>
           </p:cNvPr>
@@ -4365,7 +4375,7 @@
           <p:cNvPr id="12" name="Rectangle 11">
             <a:extLst>
               <a:ext uri="{FF2B5EF4-FFF2-40B4-BE49-F238E27FC236}">
-                <a16:creationId xmlns:a16="http://schemas.microsoft.com/office/drawing/2014/main" id="{ECE1258E-5E7B-49D9-AB2A-3FCE6F2AE3D9}"/>
+                <a16:creationId xmlns:a16="http://schemas.microsoft.com/office/drawing/2014/main" xmlns="" id="{ECE1258E-5E7B-49D9-AB2A-3FCE6F2AE3D9}"/>
               </a:ext>
             </a:extLst>
           </p:cNvPr>
@@ -4427,7 +4437,7 @@
           <p:cNvPr id="13" name="Rectangle 12">
             <a:extLst>
               <a:ext uri="{FF2B5EF4-FFF2-40B4-BE49-F238E27FC236}">
-                <a16:creationId xmlns:a16="http://schemas.microsoft.com/office/drawing/2014/main" id="{EF2A0B40-AB4B-42CA-AD19-364DF8432A34}"/>
+                <a16:creationId xmlns:a16="http://schemas.microsoft.com/office/drawing/2014/main" xmlns="" id="{EF2A0B40-AB4B-42CA-AD19-364DF8432A34}"/>
               </a:ext>
             </a:extLst>
           </p:cNvPr>
@@ -4489,7 +4499,7 @@
           <p:cNvPr id="14" name="Picture 13">
             <a:extLst>
               <a:ext uri="{FF2B5EF4-FFF2-40B4-BE49-F238E27FC236}">
-                <a16:creationId xmlns:a16="http://schemas.microsoft.com/office/drawing/2014/main" id="{5ACF1E32-F9E6-49E7-B655-4856AC619B36}"/>
+                <a16:creationId xmlns:a16="http://schemas.microsoft.com/office/drawing/2014/main" xmlns="" id="{5ACF1E32-F9E6-49E7-B655-4856AC619B36}"/>
               </a:ext>
             </a:extLst>
           </p:cNvPr>
@@ -4499,10 +4509,10 @@
           <p:nvPr/>
         </p:nvPicPr>
         <p:blipFill>
-          <a:blip r:embed="rId2">
+          <a:blip r:embed="rId2" cstate="print">
             <a:extLst>
               <a:ext uri="{28A0092B-C50C-407E-A947-70E740481C1C}">
-                <a14:useLocalDpi xmlns:a14="http://schemas.microsoft.com/office/drawing/2010/main" val="0"/>
+                <a14:useLocalDpi xmlns:a14="http://schemas.microsoft.com/office/drawing/2010/main" xmlns="" val="0"/>
               </a:ext>
             </a:extLst>
           </a:blip>
@@ -4525,7 +4535,7 @@
           <p:cNvPr id="2" name="Title 1">
             <a:extLst>
               <a:ext uri="{FF2B5EF4-FFF2-40B4-BE49-F238E27FC236}">
-                <a16:creationId xmlns:a16="http://schemas.microsoft.com/office/drawing/2014/main" id="{F3355067-D68C-4E9D-814B-94F341ACA832}"/>
+                <a16:creationId xmlns:a16="http://schemas.microsoft.com/office/drawing/2014/main" xmlns="" id="{F3355067-D68C-4E9D-814B-94F341ACA832}"/>
               </a:ext>
             </a:extLst>
           </p:cNvPr>
@@ -4553,7 +4563,7 @@
           <p:cNvPr id="3" name="Content Placeholder 2">
             <a:extLst>
               <a:ext uri="{FF2B5EF4-FFF2-40B4-BE49-F238E27FC236}">
-                <a16:creationId xmlns:a16="http://schemas.microsoft.com/office/drawing/2014/main" id="{E7E56A77-566F-415D-85B3-C170D979EF12}"/>
+                <a16:creationId xmlns:a16="http://schemas.microsoft.com/office/drawing/2014/main" xmlns="" id="{E7E56A77-566F-415D-85B3-C170D979EF12}"/>
               </a:ext>
             </a:extLst>
           </p:cNvPr>
@@ -4615,7 +4625,7 @@
           <p:cNvPr id="4" name="Content Placeholder 3">
             <a:extLst>
               <a:ext uri="{FF2B5EF4-FFF2-40B4-BE49-F238E27FC236}">
-                <a16:creationId xmlns:a16="http://schemas.microsoft.com/office/drawing/2014/main" id="{B022F81A-5D76-4DBF-9DF9-92CD90E7067D}"/>
+                <a16:creationId xmlns:a16="http://schemas.microsoft.com/office/drawing/2014/main" xmlns="" id="{B022F81A-5D76-4DBF-9DF9-92CD90E7067D}"/>
               </a:ext>
             </a:extLst>
           </p:cNvPr>
@@ -4677,7 +4687,7 @@
           <p:cNvPr id="5" name="Date Placeholder 4">
             <a:extLst>
               <a:ext uri="{FF2B5EF4-FFF2-40B4-BE49-F238E27FC236}">
-                <a16:creationId xmlns:a16="http://schemas.microsoft.com/office/drawing/2014/main" id="{F71F8005-F81C-45EB-B6F5-872E765EC87A}"/>
+                <a16:creationId xmlns:a16="http://schemas.microsoft.com/office/drawing/2014/main" xmlns="" id="{F71F8005-F81C-45EB-B6F5-872E765EC87A}"/>
               </a:ext>
             </a:extLst>
           </p:cNvPr>
@@ -4695,7 +4705,8 @@
           <a:p>
             <a:fld id="{D2474CCF-98B4-411A-8810-C31E8C29E19B}" type="datetimeFigureOut">
               <a:rPr lang="en-US" smtClean="0"/>
-              <a:t>9/14/2022</a:t>
+              <a:pPr/>
+              <a:t>10/29/2023</a:t>
             </a:fld>
             <a:endParaRPr lang="en-US"/>
           </a:p>
@@ -4706,7 +4717,7 @@
           <p:cNvPr id="6" name="Footer Placeholder 5">
             <a:extLst>
               <a:ext uri="{FF2B5EF4-FFF2-40B4-BE49-F238E27FC236}">
-                <a16:creationId xmlns:a16="http://schemas.microsoft.com/office/drawing/2014/main" id="{2062E53F-F0E3-4A6E-B3B1-F5491F54889A}"/>
+                <a16:creationId xmlns:a16="http://schemas.microsoft.com/office/drawing/2014/main" xmlns="" id="{2062E53F-F0E3-4A6E-B3B1-F5491F54889A}"/>
               </a:ext>
             </a:extLst>
           </p:cNvPr>
@@ -4731,7 +4742,7 @@
           <p:cNvPr id="7" name="Slide Number Placeholder 6">
             <a:extLst>
               <a:ext uri="{FF2B5EF4-FFF2-40B4-BE49-F238E27FC236}">
-                <a16:creationId xmlns:a16="http://schemas.microsoft.com/office/drawing/2014/main" id="{A8B69BF3-2B4A-42F7-B934-99F11627F82D}"/>
+                <a16:creationId xmlns:a16="http://schemas.microsoft.com/office/drawing/2014/main" xmlns="" id="{A8B69BF3-2B4A-42F7-B934-99F11627F82D}"/>
               </a:ext>
             </a:extLst>
           </p:cNvPr>
@@ -4749,6 +4760,7 @@
           <a:p>
             <a:fld id="{A1FD0E78-183D-4F7D-A18B-8A4BED7B6988}" type="slidenum">
               <a:rPr lang="en-US" smtClean="0"/>
+              <a:pPr/>
               <a:t>‹#›</a:t>
             </a:fld>
             <a:endParaRPr lang="en-US"/>
@@ -4758,7 +4770,7 @@
     </p:spTree>
     <p:extLst>
       <p:ext uri="{BB962C8B-B14F-4D97-AF65-F5344CB8AC3E}">
-        <p14:creationId xmlns:p14="http://schemas.microsoft.com/office/powerpoint/2010/main" val="2838539625"/>
+        <p14:creationId xmlns:p14="http://schemas.microsoft.com/office/powerpoint/2010/main" xmlns="" val="2838539625"/>
       </p:ext>
     </p:extLst>
   </p:cSld>
@@ -4790,7 +4802,7 @@
           <p:cNvPr id="10" name="Rectangle 9">
             <a:extLst>
               <a:ext uri="{FF2B5EF4-FFF2-40B4-BE49-F238E27FC236}">
-                <a16:creationId xmlns:a16="http://schemas.microsoft.com/office/drawing/2014/main" id="{5894546B-A81A-48D4-B4C5-7E2E6285F424}"/>
+                <a16:creationId xmlns:a16="http://schemas.microsoft.com/office/drawing/2014/main" xmlns="" id="{5894546B-A81A-48D4-B4C5-7E2E6285F424}"/>
               </a:ext>
             </a:extLst>
           </p:cNvPr>
@@ -4839,7 +4851,7 @@
           <p:cNvPr id="11" name="Rectangle 10">
             <a:extLst>
               <a:ext uri="{FF2B5EF4-FFF2-40B4-BE49-F238E27FC236}">
-                <a16:creationId xmlns:a16="http://schemas.microsoft.com/office/drawing/2014/main" id="{39C06CAA-5E4F-43E2-8A98-36361486A3A4}"/>
+                <a16:creationId xmlns:a16="http://schemas.microsoft.com/office/drawing/2014/main" xmlns="" id="{39C06CAA-5E4F-43E2-8A98-36361486A3A4}"/>
               </a:ext>
             </a:extLst>
           </p:cNvPr>
@@ -4896,7 +4908,7 @@
           <p:cNvPr id="12" name="Rectangle 11">
             <a:extLst>
               <a:ext uri="{FF2B5EF4-FFF2-40B4-BE49-F238E27FC236}">
-                <a16:creationId xmlns:a16="http://schemas.microsoft.com/office/drawing/2014/main" id="{128E28CB-622A-4807-91B6-87A76E180121}"/>
+                <a16:creationId xmlns:a16="http://schemas.microsoft.com/office/drawing/2014/main" xmlns="" id="{128E28CB-622A-4807-91B6-87A76E180121}"/>
               </a:ext>
             </a:extLst>
           </p:cNvPr>
@@ -4958,7 +4970,7 @@
           <p:cNvPr id="13" name="Rectangle 12">
             <a:extLst>
               <a:ext uri="{FF2B5EF4-FFF2-40B4-BE49-F238E27FC236}">
-                <a16:creationId xmlns:a16="http://schemas.microsoft.com/office/drawing/2014/main" id="{9C30D63E-AE12-491E-81E4-B3C25BA710AC}"/>
+                <a16:creationId xmlns:a16="http://schemas.microsoft.com/office/drawing/2014/main" xmlns="" id="{9C30D63E-AE12-491E-81E4-B3C25BA710AC}"/>
               </a:ext>
             </a:extLst>
           </p:cNvPr>
@@ -5020,7 +5032,7 @@
           <p:cNvPr id="14" name="Rectangle 13">
             <a:extLst>
               <a:ext uri="{FF2B5EF4-FFF2-40B4-BE49-F238E27FC236}">
-                <a16:creationId xmlns:a16="http://schemas.microsoft.com/office/drawing/2014/main" id="{BEA4929A-0E7F-4B2B-81BC-6899210E604F}"/>
+                <a16:creationId xmlns:a16="http://schemas.microsoft.com/office/drawing/2014/main" xmlns="" id="{BEA4929A-0E7F-4B2B-81BC-6899210E604F}"/>
               </a:ext>
             </a:extLst>
           </p:cNvPr>
@@ -5082,7 +5094,7 @@
           <p:cNvPr id="15" name="Rectangle 14">
             <a:extLst>
               <a:ext uri="{FF2B5EF4-FFF2-40B4-BE49-F238E27FC236}">
-                <a16:creationId xmlns:a16="http://schemas.microsoft.com/office/drawing/2014/main" id="{4C27A026-FFDC-4CB9-9AB8-BB4B31660FD8}"/>
+                <a16:creationId xmlns:a16="http://schemas.microsoft.com/office/drawing/2014/main" xmlns="" id="{4C27A026-FFDC-4CB9-9AB8-BB4B31660FD8}"/>
               </a:ext>
             </a:extLst>
           </p:cNvPr>
@@ -5144,7 +5156,7 @@
           <p:cNvPr id="16" name="Picture 15">
             <a:extLst>
               <a:ext uri="{FF2B5EF4-FFF2-40B4-BE49-F238E27FC236}">
-                <a16:creationId xmlns:a16="http://schemas.microsoft.com/office/drawing/2014/main" id="{CE0FBF31-43A4-4034-8688-BF6697211B67}"/>
+                <a16:creationId xmlns:a16="http://schemas.microsoft.com/office/drawing/2014/main" xmlns="" id="{CE0FBF31-43A4-4034-8688-BF6697211B67}"/>
               </a:ext>
             </a:extLst>
           </p:cNvPr>
@@ -5154,10 +5166,10 @@
           <p:nvPr/>
         </p:nvPicPr>
         <p:blipFill>
-          <a:blip r:embed="rId2">
+          <a:blip r:embed="rId2" cstate="print">
             <a:extLst>
               <a:ext uri="{28A0092B-C50C-407E-A947-70E740481C1C}">
-                <a14:useLocalDpi xmlns:a14="http://schemas.microsoft.com/office/drawing/2010/main" val="0"/>
+                <a14:useLocalDpi xmlns:a14="http://schemas.microsoft.com/office/drawing/2010/main" xmlns="" val="0"/>
               </a:ext>
             </a:extLst>
           </a:blip>
@@ -5180,7 +5192,7 @@
           <p:cNvPr id="2" name="Title 1">
             <a:extLst>
               <a:ext uri="{FF2B5EF4-FFF2-40B4-BE49-F238E27FC236}">
-                <a16:creationId xmlns:a16="http://schemas.microsoft.com/office/drawing/2014/main" id="{FA67B1EE-D3B9-4A72-BB78-BEAFBE1FD62F}"/>
+                <a16:creationId xmlns:a16="http://schemas.microsoft.com/office/drawing/2014/main" xmlns="" id="{FA67B1EE-D3B9-4A72-BB78-BEAFBE1FD62F}"/>
               </a:ext>
             </a:extLst>
           </p:cNvPr>
@@ -5213,7 +5225,7 @@
           <p:cNvPr id="3" name="Text Placeholder 2">
             <a:extLst>
               <a:ext uri="{FF2B5EF4-FFF2-40B4-BE49-F238E27FC236}">
-                <a16:creationId xmlns:a16="http://schemas.microsoft.com/office/drawing/2014/main" id="{53C1261F-F460-4F19-99F4-F65B97B6FB44}"/>
+                <a16:creationId xmlns:a16="http://schemas.microsoft.com/office/drawing/2014/main" xmlns="" id="{53C1261F-F460-4F19-99F4-F65B97B6FB44}"/>
               </a:ext>
             </a:extLst>
           </p:cNvPr>
@@ -5284,7 +5296,7 @@
           <p:cNvPr id="4" name="Content Placeholder 3">
             <a:extLst>
               <a:ext uri="{FF2B5EF4-FFF2-40B4-BE49-F238E27FC236}">
-                <a16:creationId xmlns:a16="http://schemas.microsoft.com/office/drawing/2014/main" id="{D0C84E1E-AD39-414E-A630-BB5F20BC8A9B}"/>
+                <a16:creationId xmlns:a16="http://schemas.microsoft.com/office/drawing/2014/main" xmlns="" id="{D0C84E1E-AD39-414E-A630-BB5F20BC8A9B}"/>
               </a:ext>
             </a:extLst>
           </p:cNvPr>
@@ -5346,7 +5358,7 @@
           <p:cNvPr id="5" name="Text Placeholder 4">
             <a:extLst>
               <a:ext uri="{FF2B5EF4-FFF2-40B4-BE49-F238E27FC236}">
-                <a16:creationId xmlns:a16="http://schemas.microsoft.com/office/drawing/2014/main" id="{9EEA01E5-2430-4A1C-8323-5D191529BD67}"/>
+                <a16:creationId xmlns:a16="http://schemas.microsoft.com/office/drawing/2014/main" xmlns="" id="{9EEA01E5-2430-4A1C-8323-5D191529BD67}"/>
               </a:ext>
             </a:extLst>
           </p:cNvPr>
@@ -5417,7 +5429,7 @@
           <p:cNvPr id="6" name="Content Placeholder 5">
             <a:extLst>
               <a:ext uri="{FF2B5EF4-FFF2-40B4-BE49-F238E27FC236}">
-                <a16:creationId xmlns:a16="http://schemas.microsoft.com/office/drawing/2014/main" id="{B4C4A9DA-01AC-4343-9532-A824358CD679}"/>
+                <a16:creationId xmlns:a16="http://schemas.microsoft.com/office/drawing/2014/main" xmlns="" id="{B4C4A9DA-01AC-4343-9532-A824358CD679}"/>
               </a:ext>
             </a:extLst>
           </p:cNvPr>
@@ -5479,7 +5491,7 @@
           <p:cNvPr id="7" name="Date Placeholder 6">
             <a:extLst>
               <a:ext uri="{FF2B5EF4-FFF2-40B4-BE49-F238E27FC236}">
-                <a16:creationId xmlns:a16="http://schemas.microsoft.com/office/drawing/2014/main" id="{CA9BA755-AEE2-4001-8DE6-415A8DBF9673}"/>
+                <a16:creationId xmlns:a16="http://schemas.microsoft.com/office/drawing/2014/main" xmlns="" id="{CA9BA755-AEE2-4001-8DE6-415A8DBF9673}"/>
               </a:ext>
             </a:extLst>
           </p:cNvPr>
@@ -5497,7 +5509,8 @@
           <a:p>
             <a:fld id="{D2474CCF-98B4-411A-8810-C31E8C29E19B}" type="datetimeFigureOut">
               <a:rPr lang="en-US" smtClean="0"/>
-              <a:t>9/14/2022</a:t>
+              <a:pPr/>
+              <a:t>10/29/2023</a:t>
             </a:fld>
             <a:endParaRPr lang="en-US"/>
           </a:p>
@@ -5508,7 +5521,7 @@
           <p:cNvPr id="8" name="Footer Placeholder 7">
             <a:extLst>
               <a:ext uri="{FF2B5EF4-FFF2-40B4-BE49-F238E27FC236}">
-                <a16:creationId xmlns:a16="http://schemas.microsoft.com/office/drawing/2014/main" id="{823B665F-223D-495A-BDBB-E3363CAFC9D8}"/>
+                <a16:creationId xmlns:a16="http://schemas.microsoft.com/office/drawing/2014/main" xmlns="" id="{823B665F-223D-495A-BDBB-E3363CAFC9D8}"/>
               </a:ext>
             </a:extLst>
           </p:cNvPr>
@@ -5533,7 +5546,7 @@
           <p:cNvPr id="9" name="Slide Number Placeholder 8">
             <a:extLst>
               <a:ext uri="{FF2B5EF4-FFF2-40B4-BE49-F238E27FC236}">
-                <a16:creationId xmlns:a16="http://schemas.microsoft.com/office/drawing/2014/main" id="{B19B297C-3F38-49A1-953B-17E3F6F667AE}"/>
+                <a16:creationId xmlns:a16="http://schemas.microsoft.com/office/drawing/2014/main" xmlns="" id="{B19B297C-3F38-49A1-953B-17E3F6F667AE}"/>
               </a:ext>
             </a:extLst>
           </p:cNvPr>
@@ -5551,6 +5564,7 @@
           <a:p>
             <a:fld id="{A1FD0E78-183D-4F7D-A18B-8A4BED7B6988}" type="slidenum">
               <a:rPr lang="en-US" smtClean="0"/>
+              <a:pPr/>
               <a:t>‹#›</a:t>
             </a:fld>
             <a:endParaRPr lang="en-US"/>
@@ -5560,7 +5574,7 @@
     </p:spTree>
     <p:extLst>
       <p:ext uri="{BB962C8B-B14F-4D97-AF65-F5344CB8AC3E}">
-        <p14:creationId xmlns:p14="http://schemas.microsoft.com/office/powerpoint/2010/main" val="265057621"/>
+        <p14:creationId xmlns:p14="http://schemas.microsoft.com/office/powerpoint/2010/main" xmlns="" val="265057621"/>
       </p:ext>
     </p:extLst>
   </p:cSld>
@@ -5592,7 +5606,7 @@
           <p:cNvPr id="6" name="Rectangle 5">
             <a:extLst>
               <a:ext uri="{FF2B5EF4-FFF2-40B4-BE49-F238E27FC236}">
-                <a16:creationId xmlns:a16="http://schemas.microsoft.com/office/drawing/2014/main" id="{37856098-1DA3-49E8-91B8-CAA5CDB7382E}"/>
+                <a16:creationId xmlns:a16="http://schemas.microsoft.com/office/drawing/2014/main" xmlns="" id="{37856098-1DA3-49E8-91B8-CAA5CDB7382E}"/>
               </a:ext>
             </a:extLst>
           </p:cNvPr>
@@ -5641,7 +5655,7 @@
           <p:cNvPr id="7" name="Rectangle 6">
             <a:extLst>
               <a:ext uri="{FF2B5EF4-FFF2-40B4-BE49-F238E27FC236}">
-                <a16:creationId xmlns:a16="http://schemas.microsoft.com/office/drawing/2014/main" id="{8AD2C0DA-73C9-4A83-97A2-EB4541745B64}"/>
+                <a16:creationId xmlns:a16="http://schemas.microsoft.com/office/drawing/2014/main" xmlns="" id="{8AD2C0DA-73C9-4A83-97A2-EB4541745B64}"/>
               </a:ext>
             </a:extLst>
           </p:cNvPr>
@@ -5698,7 +5712,7 @@
           <p:cNvPr id="8" name="Rectangle 7">
             <a:extLst>
               <a:ext uri="{FF2B5EF4-FFF2-40B4-BE49-F238E27FC236}">
-                <a16:creationId xmlns:a16="http://schemas.microsoft.com/office/drawing/2014/main" id="{B83A0938-3C8A-4ACA-8AD0-352B444392A9}"/>
+                <a16:creationId xmlns:a16="http://schemas.microsoft.com/office/drawing/2014/main" xmlns="" id="{B83A0938-3C8A-4ACA-8AD0-352B444392A9}"/>
               </a:ext>
             </a:extLst>
           </p:cNvPr>
@@ -5760,7 +5774,7 @@
           <p:cNvPr id="9" name="Rectangle 8">
             <a:extLst>
               <a:ext uri="{FF2B5EF4-FFF2-40B4-BE49-F238E27FC236}">
-                <a16:creationId xmlns:a16="http://schemas.microsoft.com/office/drawing/2014/main" id="{2FE9A254-00DC-4FF4-ABF3-8D548470A822}"/>
+                <a16:creationId xmlns:a16="http://schemas.microsoft.com/office/drawing/2014/main" xmlns="" id="{2FE9A254-00DC-4FF4-ABF3-8D548470A822}"/>
               </a:ext>
             </a:extLst>
           </p:cNvPr>
@@ -5822,7 +5836,7 @@
           <p:cNvPr id="10" name="Rectangle 9">
             <a:extLst>
               <a:ext uri="{FF2B5EF4-FFF2-40B4-BE49-F238E27FC236}">
-                <a16:creationId xmlns:a16="http://schemas.microsoft.com/office/drawing/2014/main" id="{27E83A17-368C-4CF3-93EE-956780C13754}"/>
+                <a16:creationId xmlns:a16="http://schemas.microsoft.com/office/drawing/2014/main" xmlns="" id="{27E83A17-368C-4CF3-93EE-956780C13754}"/>
               </a:ext>
             </a:extLst>
           </p:cNvPr>
@@ -5884,7 +5898,7 @@
           <p:cNvPr id="11" name="Rectangle 10">
             <a:extLst>
               <a:ext uri="{FF2B5EF4-FFF2-40B4-BE49-F238E27FC236}">
-                <a16:creationId xmlns:a16="http://schemas.microsoft.com/office/drawing/2014/main" id="{F86DDFCB-6B13-4853-B2B2-7FDD576847E1}"/>
+                <a16:creationId xmlns:a16="http://schemas.microsoft.com/office/drawing/2014/main" xmlns="" id="{F86DDFCB-6B13-4853-B2B2-7FDD576847E1}"/>
               </a:ext>
             </a:extLst>
           </p:cNvPr>
@@ -5946,7 +5960,7 @@
           <p:cNvPr id="12" name="Picture 11">
             <a:extLst>
               <a:ext uri="{FF2B5EF4-FFF2-40B4-BE49-F238E27FC236}">
-                <a16:creationId xmlns:a16="http://schemas.microsoft.com/office/drawing/2014/main" id="{64C8E1E0-E974-41E1-9F43-DEF84D8A1F22}"/>
+                <a16:creationId xmlns:a16="http://schemas.microsoft.com/office/drawing/2014/main" xmlns="" id="{64C8E1E0-E974-41E1-9F43-DEF84D8A1F22}"/>
               </a:ext>
             </a:extLst>
           </p:cNvPr>
@@ -5956,10 +5970,10 @@
           <p:nvPr/>
         </p:nvPicPr>
         <p:blipFill>
-          <a:blip r:embed="rId2">
+          <a:blip r:embed="rId2" cstate="print">
             <a:extLst>
               <a:ext uri="{28A0092B-C50C-407E-A947-70E740481C1C}">
-                <a14:useLocalDpi xmlns:a14="http://schemas.microsoft.com/office/drawing/2010/main" val="0"/>
+                <a14:useLocalDpi xmlns:a14="http://schemas.microsoft.com/office/drawing/2010/main" xmlns="" val="0"/>
               </a:ext>
             </a:extLst>
           </a:blip>
@@ -5982,7 +5996,7 @@
           <p:cNvPr id="2" name="Title 1">
             <a:extLst>
               <a:ext uri="{FF2B5EF4-FFF2-40B4-BE49-F238E27FC236}">
-                <a16:creationId xmlns:a16="http://schemas.microsoft.com/office/drawing/2014/main" id="{634473C1-75AC-4CC3-97E1-56E2CDDB9EEA}"/>
+                <a16:creationId xmlns:a16="http://schemas.microsoft.com/office/drawing/2014/main" xmlns="" id="{634473C1-75AC-4CC3-97E1-56E2CDDB9EEA}"/>
               </a:ext>
             </a:extLst>
           </p:cNvPr>
@@ -6010,7 +6024,7 @@
           <p:cNvPr id="3" name="Date Placeholder 2">
             <a:extLst>
               <a:ext uri="{FF2B5EF4-FFF2-40B4-BE49-F238E27FC236}">
-                <a16:creationId xmlns:a16="http://schemas.microsoft.com/office/drawing/2014/main" id="{8027F37E-14E1-44B3-BCD8-AEBD153A14BA}"/>
+                <a16:creationId xmlns:a16="http://schemas.microsoft.com/office/drawing/2014/main" xmlns="" id="{8027F37E-14E1-44B3-BCD8-AEBD153A14BA}"/>
               </a:ext>
             </a:extLst>
           </p:cNvPr>
@@ -6028,7 +6042,8 @@
           <a:p>
             <a:fld id="{D2474CCF-98B4-411A-8810-C31E8C29E19B}" type="datetimeFigureOut">
               <a:rPr lang="en-US" smtClean="0"/>
-              <a:t>9/14/2022</a:t>
+              <a:pPr/>
+              <a:t>10/29/2023</a:t>
             </a:fld>
             <a:endParaRPr lang="en-US"/>
           </a:p>
@@ -6039,7 +6054,7 @@
           <p:cNvPr id="4" name="Footer Placeholder 3">
             <a:extLst>
               <a:ext uri="{FF2B5EF4-FFF2-40B4-BE49-F238E27FC236}">
-                <a16:creationId xmlns:a16="http://schemas.microsoft.com/office/drawing/2014/main" id="{3EEB09FB-ACF3-4E2F-B66D-3E13733A5B2B}"/>
+                <a16:creationId xmlns:a16="http://schemas.microsoft.com/office/drawing/2014/main" xmlns="" id="{3EEB09FB-ACF3-4E2F-B66D-3E13733A5B2B}"/>
               </a:ext>
             </a:extLst>
           </p:cNvPr>
@@ -6064,7 +6079,7 @@
           <p:cNvPr id="5" name="Slide Number Placeholder 4">
             <a:extLst>
               <a:ext uri="{FF2B5EF4-FFF2-40B4-BE49-F238E27FC236}">
-                <a16:creationId xmlns:a16="http://schemas.microsoft.com/office/drawing/2014/main" id="{00D82C6C-9BFE-4C90-A547-8C325C55EAA2}"/>
+                <a16:creationId xmlns:a16="http://schemas.microsoft.com/office/drawing/2014/main" xmlns="" id="{00D82C6C-9BFE-4C90-A547-8C325C55EAA2}"/>
               </a:ext>
             </a:extLst>
           </p:cNvPr>
@@ -6082,6 +6097,7 @@
           <a:p>
             <a:fld id="{A1FD0E78-183D-4F7D-A18B-8A4BED7B6988}" type="slidenum">
               <a:rPr lang="en-US" smtClean="0"/>
+              <a:pPr/>
               <a:t>‹#›</a:t>
             </a:fld>
             <a:endParaRPr lang="en-US"/>
@@ -6091,7 +6107,7 @@
     </p:spTree>
     <p:extLst>
       <p:ext uri="{BB962C8B-B14F-4D97-AF65-F5344CB8AC3E}">
-        <p14:creationId xmlns:p14="http://schemas.microsoft.com/office/powerpoint/2010/main" val="3783065093"/>
+        <p14:creationId xmlns:p14="http://schemas.microsoft.com/office/powerpoint/2010/main" xmlns="" val="3783065093"/>
       </p:ext>
     </p:extLst>
   </p:cSld>
@@ -6123,7 +6139,7 @@
           <p:cNvPr id="5" name="Rectangle 4">
             <a:extLst>
               <a:ext uri="{FF2B5EF4-FFF2-40B4-BE49-F238E27FC236}">
-                <a16:creationId xmlns:a16="http://schemas.microsoft.com/office/drawing/2014/main" id="{F2FA0252-28E1-40E5-ACE6-20D14F5256B9}"/>
+                <a16:creationId xmlns:a16="http://schemas.microsoft.com/office/drawing/2014/main" xmlns="" id="{F2FA0252-28E1-40E5-ACE6-20D14F5256B9}"/>
               </a:ext>
             </a:extLst>
           </p:cNvPr>
@@ -6172,7 +6188,7 @@
           <p:cNvPr id="6" name="Rectangle 5">
             <a:extLst>
               <a:ext uri="{FF2B5EF4-FFF2-40B4-BE49-F238E27FC236}">
-                <a16:creationId xmlns:a16="http://schemas.microsoft.com/office/drawing/2014/main" id="{3E618FD9-31FC-4567-B182-23204706A8B0}"/>
+                <a16:creationId xmlns:a16="http://schemas.microsoft.com/office/drawing/2014/main" xmlns="" id="{3E618FD9-31FC-4567-B182-23204706A8B0}"/>
               </a:ext>
             </a:extLst>
           </p:cNvPr>
@@ -6229,7 +6245,7 @@
           <p:cNvPr id="7" name="Rectangle 6">
             <a:extLst>
               <a:ext uri="{FF2B5EF4-FFF2-40B4-BE49-F238E27FC236}">
-                <a16:creationId xmlns:a16="http://schemas.microsoft.com/office/drawing/2014/main" id="{0B29B7B4-B37A-4ECF-85D2-5A66AA4D9A3E}"/>
+                <a16:creationId xmlns:a16="http://schemas.microsoft.com/office/drawing/2014/main" xmlns="" id="{0B29B7B4-B37A-4ECF-85D2-5A66AA4D9A3E}"/>
               </a:ext>
             </a:extLst>
           </p:cNvPr>
@@ -6291,7 +6307,7 @@
           <p:cNvPr id="8" name="Rectangle 7">
             <a:extLst>
               <a:ext uri="{FF2B5EF4-FFF2-40B4-BE49-F238E27FC236}">
-                <a16:creationId xmlns:a16="http://schemas.microsoft.com/office/drawing/2014/main" id="{CCF4FB33-76DE-4704-8B1A-C3FE16F507E2}"/>
+                <a16:creationId xmlns:a16="http://schemas.microsoft.com/office/drawing/2014/main" xmlns="" id="{CCF4FB33-76DE-4704-8B1A-C3FE16F507E2}"/>
               </a:ext>
             </a:extLst>
           </p:cNvPr>
@@ -6353,7 +6369,7 @@
           <p:cNvPr id="9" name="Rectangle 8">
             <a:extLst>
               <a:ext uri="{FF2B5EF4-FFF2-40B4-BE49-F238E27FC236}">
-                <a16:creationId xmlns:a16="http://schemas.microsoft.com/office/drawing/2014/main" id="{58A894C9-4BA3-403A-B5F2-D596A188AF2F}"/>
+                <a16:creationId xmlns:a16="http://schemas.microsoft.com/office/drawing/2014/main" xmlns="" id="{58A894C9-4BA3-403A-B5F2-D596A188AF2F}"/>
               </a:ext>
             </a:extLst>
           </p:cNvPr>
@@ -6415,7 +6431,7 @@
           <p:cNvPr id="10" name="Rectangle 9">
             <a:extLst>
               <a:ext uri="{FF2B5EF4-FFF2-40B4-BE49-F238E27FC236}">
-                <a16:creationId xmlns:a16="http://schemas.microsoft.com/office/drawing/2014/main" id="{970B9174-D03E-4D6F-A8E5-B9D3C8C2DB80}"/>
+                <a16:creationId xmlns:a16="http://schemas.microsoft.com/office/drawing/2014/main" xmlns="" id="{970B9174-D03E-4D6F-A8E5-B9D3C8C2DB80}"/>
               </a:ext>
             </a:extLst>
           </p:cNvPr>
@@ -6477,7 +6493,7 @@
           <p:cNvPr id="11" name="Picture 10">
             <a:extLst>
               <a:ext uri="{FF2B5EF4-FFF2-40B4-BE49-F238E27FC236}">
-                <a16:creationId xmlns:a16="http://schemas.microsoft.com/office/drawing/2014/main" id="{16EAC91E-9BE5-4729-AA9E-F5E9394A8D1C}"/>
+                <a16:creationId xmlns:a16="http://schemas.microsoft.com/office/drawing/2014/main" xmlns="" id="{16EAC91E-9BE5-4729-AA9E-F5E9394A8D1C}"/>
               </a:ext>
             </a:extLst>
           </p:cNvPr>
@@ -6487,10 +6503,10 @@
           <p:nvPr/>
         </p:nvPicPr>
         <p:blipFill>
-          <a:blip r:embed="rId2">
+          <a:blip r:embed="rId2" cstate="print">
             <a:extLst>
               <a:ext uri="{28A0092B-C50C-407E-A947-70E740481C1C}">
-                <a14:useLocalDpi xmlns:a14="http://schemas.microsoft.com/office/drawing/2010/main" val="0"/>
+                <a14:useLocalDpi xmlns:a14="http://schemas.microsoft.com/office/drawing/2010/main" xmlns="" val="0"/>
               </a:ext>
             </a:extLst>
           </a:blip>
@@ -6513,7 +6529,7 @@
           <p:cNvPr id="2" name="Date Placeholder 1">
             <a:extLst>
               <a:ext uri="{FF2B5EF4-FFF2-40B4-BE49-F238E27FC236}">
-                <a16:creationId xmlns:a16="http://schemas.microsoft.com/office/drawing/2014/main" id="{7839A89A-4F67-468F-80FE-0E3680B1A7D2}"/>
+                <a16:creationId xmlns:a16="http://schemas.microsoft.com/office/drawing/2014/main" xmlns="" id="{7839A89A-4F67-468F-80FE-0E3680B1A7D2}"/>
               </a:ext>
             </a:extLst>
           </p:cNvPr>
@@ -6531,7 +6547,8 @@
           <a:p>
             <a:fld id="{D2474CCF-98B4-411A-8810-C31E8C29E19B}" type="datetimeFigureOut">
               <a:rPr lang="en-US" smtClean="0"/>
-              <a:t>9/14/2022</a:t>
+              <a:pPr/>
+              <a:t>10/29/2023</a:t>
             </a:fld>
             <a:endParaRPr lang="en-US"/>
           </a:p>
@@ -6542,7 +6559,7 @@
           <p:cNvPr id="3" name="Footer Placeholder 2">
             <a:extLst>
               <a:ext uri="{FF2B5EF4-FFF2-40B4-BE49-F238E27FC236}">
-                <a16:creationId xmlns:a16="http://schemas.microsoft.com/office/drawing/2014/main" id="{5C101976-8FCF-4B4F-B90A-B5E724625AE4}"/>
+                <a16:creationId xmlns:a16="http://schemas.microsoft.com/office/drawing/2014/main" xmlns="" id="{5C101976-8FCF-4B4F-B90A-B5E724625AE4}"/>
               </a:ext>
             </a:extLst>
           </p:cNvPr>
@@ -6567,7 +6584,7 @@
           <p:cNvPr id="4" name="Slide Number Placeholder 3">
             <a:extLst>
               <a:ext uri="{FF2B5EF4-FFF2-40B4-BE49-F238E27FC236}">
-                <a16:creationId xmlns:a16="http://schemas.microsoft.com/office/drawing/2014/main" id="{706AE299-AC97-4CB0-8712-61CB13DAB778}"/>
+                <a16:creationId xmlns:a16="http://schemas.microsoft.com/office/drawing/2014/main" xmlns="" id="{706AE299-AC97-4CB0-8712-61CB13DAB778}"/>
               </a:ext>
             </a:extLst>
           </p:cNvPr>
@@ -6585,6 +6602,7 @@
           <a:p>
             <a:fld id="{A1FD0E78-183D-4F7D-A18B-8A4BED7B6988}" type="slidenum">
               <a:rPr lang="en-US" smtClean="0"/>
+              <a:pPr/>
               <a:t>‹#›</a:t>
             </a:fld>
             <a:endParaRPr lang="en-US"/>
@@ -6594,7 +6612,7 @@
     </p:spTree>
     <p:extLst>
       <p:ext uri="{BB962C8B-B14F-4D97-AF65-F5344CB8AC3E}">
-        <p14:creationId xmlns:p14="http://schemas.microsoft.com/office/powerpoint/2010/main" val="3528334488"/>
+        <p14:creationId xmlns:p14="http://schemas.microsoft.com/office/powerpoint/2010/main" xmlns="" val="3528334488"/>
       </p:ext>
     </p:extLst>
   </p:cSld>
@@ -6626,7 +6644,7 @@
           <p:cNvPr id="2" name="Title 1">
             <a:extLst>
               <a:ext uri="{FF2B5EF4-FFF2-40B4-BE49-F238E27FC236}">
-                <a16:creationId xmlns:a16="http://schemas.microsoft.com/office/drawing/2014/main" id="{0AB6CCC9-CB97-4066-B6DA-4148BB88F608}"/>
+                <a16:creationId xmlns:a16="http://schemas.microsoft.com/office/drawing/2014/main" xmlns="" id="{0AB6CCC9-CB97-4066-B6DA-4148BB88F608}"/>
               </a:ext>
             </a:extLst>
           </p:cNvPr>
@@ -6663,7 +6681,7 @@
           <p:cNvPr id="3" name="Content Placeholder 2">
             <a:extLst>
               <a:ext uri="{FF2B5EF4-FFF2-40B4-BE49-F238E27FC236}">
-                <a16:creationId xmlns:a16="http://schemas.microsoft.com/office/drawing/2014/main" id="{F8B6ECEE-E57D-455E-A22A-6DE67E6B8B65}"/>
+                <a16:creationId xmlns:a16="http://schemas.microsoft.com/office/drawing/2014/main" xmlns="" id="{F8B6ECEE-E57D-455E-A22A-6DE67E6B8B65}"/>
               </a:ext>
             </a:extLst>
           </p:cNvPr>
@@ -6753,7 +6771,7 @@
           <p:cNvPr id="4" name="Text Placeholder 3">
             <a:extLst>
               <a:ext uri="{FF2B5EF4-FFF2-40B4-BE49-F238E27FC236}">
-                <a16:creationId xmlns:a16="http://schemas.microsoft.com/office/drawing/2014/main" id="{23E2D1F0-214E-43F0-A7BC-42F93E547BE6}"/>
+                <a16:creationId xmlns:a16="http://schemas.microsoft.com/office/drawing/2014/main" xmlns="" id="{23E2D1F0-214E-43F0-A7BC-42F93E547BE6}"/>
               </a:ext>
             </a:extLst>
           </p:cNvPr>
@@ -6824,7 +6842,7 @@
           <p:cNvPr id="5" name="Date Placeholder 4">
             <a:extLst>
               <a:ext uri="{FF2B5EF4-FFF2-40B4-BE49-F238E27FC236}">
-                <a16:creationId xmlns:a16="http://schemas.microsoft.com/office/drawing/2014/main" id="{D0B125E7-FC1E-4111-8E29-520E9E6AFC29}"/>
+                <a16:creationId xmlns:a16="http://schemas.microsoft.com/office/drawing/2014/main" xmlns="" id="{D0B125E7-FC1E-4111-8E29-520E9E6AFC29}"/>
               </a:ext>
             </a:extLst>
           </p:cNvPr>
@@ -6842,7 +6860,8 @@
           <a:p>
             <a:fld id="{D2474CCF-98B4-411A-8810-C31E8C29E19B}" type="datetimeFigureOut">
               <a:rPr lang="en-US" smtClean="0"/>
-              <a:t>9/14/2022</a:t>
+              <a:pPr/>
+              <a:t>10/29/2023</a:t>
             </a:fld>
             <a:endParaRPr lang="en-US"/>
           </a:p>
@@ -6853,7 +6872,7 @@
           <p:cNvPr id="6" name="Footer Placeholder 5">
             <a:extLst>
               <a:ext uri="{FF2B5EF4-FFF2-40B4-BE49-F238E27FC236}">
-                <a16:creationId xmlns:a16="http://schemas.microsoft.com/office/drawing/2014/main" id="{856E390C-8CD6-41DF-B8A7-0EA86E70449B}"/>
+                <a16:creationId xmlns:a16="http://schemas.microsoft.com/office/drawing/2014/main" xmlns="" id="{856E390C-8CD6-41DF-B8A7-0EA86E70449B}"/>
               </a:ext>
             </a:extLst>
           </p:cNvPr>
@@ -6878,7 +6897,7 @@
           <p:cNvPr id="7" name="Slide Number Placeholder 6">
             <a:extLst>
               <a:ext uri="{FF2B5EF4-FFF2-40B4-BE49-F238E27FC236}">
-                <a16:creationId xmlns:a16="http://schemas.microsoft.com/office/drawing/2014/main" id="{F24D1209-8122-481B-93F3-CD9D18358AD5}"/>
+                <a16:creationId xmlns:a16="http://schemas.microsoft.com/office/drawing/2014/main" xmlns="" id="{F24D1209-8122-481B-93F3-CD9D18358AD5}"/>
               </a:ext>
             </a:extLst>
           </p:cNvPr>
@@ -6896,6 +6915,7 @@
           <a:p>
             <a:fld id="{A1FD0E78-183D-4F7D-A18B-8A4BED7B6988}" type="slidenum">
               <a:rPr lang="en-US" smtClean="0"/>
+              <a:pPr/>
               <a:t>‹#›</a:t>
             </a:fld>
             <a:endParaRPr lang="en-US"/>
@@ -6905,7 +6925,7 @@
     </p:spTree>
     <p:extLst>
       <p:ext uri="{BB962C8B-B14F-4D97-AF65-F5344CB8AC3E}">
-        <p14:creationId xmlns:p14="http://schemas.microsoft.com/office/powerpoint/2010/main" val="2872829762"/>
+        <p14:creationId xmlns:p14="http://schemas.microsoft.com/office/powerpoint/2010/main" xmlns="" val="2872829762"/>
       </p:ext>
     </p:extLst>
   </p:cSld>
@@ -6937,7 +6957,7 @@
           <p:cNvPr id="2" name="Title 1">
             <a:extLst>
               <a:ext uri="{FF2B5EF4-FFF2-40B4-BE49-F238E27FC236}">
-                <a16:creationId xmlns:a16="http://schemas.microsoft.com/office/drawing/2014/main" id="{D0421060-B002-4A29-A677-95E1A92CC3EB}"/>
+                <a16:creationId xmlns:a16="http://schemas.microsoft.com/office/drawing/2014/main" xmlns="" id="{D0421060-B002-4A29-A677-95E1A92CC3EB}"/>
               </a:ext>
             </a:extLst>
           </p:cNvPr>
@@ -6974,7 +6994,7 @@
           <p:cNvPr id="3" name="Picture Placeholder 2">
             <a:extLst>
               <a:ext uri="{FF2B5EF4-FFF2-40B4-BE49-F238E27FC236}">
-                <a16:creationId xmlns:a16="http://schemas.microsoft.com/office/drawing/2014/main" id="{4DA23B8C-6470-4EFE-BA18-C7C748C1CA29}"/>
+                <a16:creationId xmlns:a16="http://schemas.microsoft.com/office/drawing/2014/main" xmlns="" id="{4DA23B8C-6470-4EFE-BA18-C7C748C1CA29}"/>
               </a:ext>
             </a:extLst>
           </p:cNvPr>
@@ -7044,7 +7064,7 @@
           <p:cNvPr id="4" name="Text Placeholder 3">
             <a:extLst>
               <a:ext uri="{FF2B5EF4-FFF2-40B4-BE49-F238E27FC236}">
-                <a16:creationId xmlns:a16="http://schemas.microsoft.com/office/drawing/2014/main" id="{0C14D961-FD3B-461E-A88E-64AC4821E64F}"/>
+                <a16:creationId xmlns:a16="http://schemas.microsoft.com/office/drawing/2014/main" xmlns="" id="{0C14D961-FD3B-461E-A88E-64AC4821E64F}"/>
               </a:ext>
             </a:extLst>
           </p:cNvPr>
@@ -7115,7 +7135,7 @@
           <p:cNvPr id="5" name="Date Placeholder 4">
             <a:extLst>
               <a:ext uri="{FF2B5EF4-FFF2-40B4-BE49-F238E27FC236}">
-                <a16:creationId xmlns:a16="http://schemas.microsoft.com/office/drawing/2014/main" id="{C64AF84C-0554-4D2A-95E2-84C361AAEDFA}"/>
+                <a16:creationId xmlns:a16="http://schemas.microsoft.com/office/drawing/2014/main" xmlns="" id="{C64AF84C-0554-4D2A-95E2-84C361AAEDFA}"/>
               </a:ext>
             </a:extLst>
           </p:cNvPr>
@@ -7133,7 +7153,8 @@
           <a:p>
             <a:fld id="{D2474CCF-98B4-411A-8810-C31E8C29E19B}" type="datetimeFigureOut">
               <a:rPr lang="en-US" smtClean="0"/>
-              <a:t>9/14/2022</a:t>
+              <a:pPr/>
+              <a:t>10/29/2023</a:t>
             </a:fld>
             <a:endParaRPr lang="en-US"/>
           </a:p>
@@ -7144,7 +7165,7 @@
           <p:cNvPr id="6" name="Footer Placeholder 5">
             <a:extLst>
               <a:ext uri="{FF2B5EF4-FFF2-40B4-BE49-F238E27FC236}">
-                <a16:creationId xmlns:a16="http://schemas.microsoft.com/office/drawing/2014/main" id="{682BC5B5-70F3-4D7C-9421-4846A194AF84}"/>
+                <a16:creationId xmlns:a16="http://schemas.microsoft.com/office/drawing/2014/main" xmlns="" id="{682BC5B5-70F3-4D7C-9421-4846A194AF84}"/>
               </a:ext>
             </a:extLst>
           </p:cNvPr>
@@ -7169,7 +7190,7 @@
           <p:cNvPr id="7" name="Slide Number Placeholder 6">
             <a:extLst>
               <a:ext uri="{FF2B5EF4-FFF2-40B4-BE49-F238E27FC236}">
-                <a16:creationId xmlns:a16="http://schemas.microsoft.com/office/drawing/2014/main" id="{040C9E27-8F16-42E6-B25A-6357B56B30CB}"/>
+                <a16:creationId xmlns:a16="http://schemas.microsoft.com/office/drawing/2014/main" xmlns="" id="{040C9E27-8F16-42E6-B25A-6357B56B30CB}"/>
               </a:ext>
             </a:extLst>
           </p:cNvPr>
@@ -7187,6 +7208,7 @@
           <a:p>
             <a:fld id="{A1FD0E78-183D-4F7D-A18B-8A4BED7B6988}" type="slidenum">
               <a:rPr lang="en-US" smtClean="0"/>
+              <a:pPr/>
               <a:t>‹#›</a:t>
             </a:fld>
             <a:endParaRPr lang="en-US"/>
@@ -7196,7 +7218,7 @@
     </p:spTree>
     <p:extLst>
       <p:ext uri="{BB962C8B-B14F-4D97-AF65-F5344CB8AC3E}">
-        <p14:creationId xmlns:p14="http://schemas.microsoft.com/office/powerpoint/2010/main" val="3978059408"/>
+        <p14:creationId xmlns:p14="http://schemas.microsoft.com/office/powerpoint/2010/main" xmlns="" val="3978059408"/>
       </p:ext>
     </p:extLst>
   </p:cSld>
@@ -7233,7 +7255,7 @@
           <p:cNvPr id="2" name="Title Placeholder 1">
             <a:extLst>
               <a:ext uri="{FF2B5EF4-FFF2-40B4-BE49-F238E27FC236}">
-                <a16:creationId xmlns:a16="http://schemas.microsoft.com/office/drawing/2014/main" id="{5672EF02-B3FB-409B-B71D-7DB59224D03E}"/>
+                <a16:creationId xmlns:a16="http://schemas.microsoft.com/office/drawing/2014/main" xmlns="" id="{5672EF02-B3FB-409B-B71D-7DB59224D03E}"/>
               </a:ext>
             </a:extLst>
           </p:cNvPr>
@@ -7271,7 +7293,7 @@
           <p:cNvPr id="3" name="Text Placeholder 2">
             <a:extLst>
               <a:ext uri="{FF2B5EF4-FFF2-40B4-BE49-F238E27FC236}">
-                <a16:creationId xmlns:a16="http://schemas.microsoft.com/office/drawing/2014/main" id="{1FD66FC5-8BC1-45FA-8841-F34FA58FDF13}"/>
+                <a16:creationId xmlns:a16="http://schemas.microsoft.com/office/drawing/2014/main" xmlns="" id="{1FD66FC5-8BC1-45FA-8841-F34FA58FDF13}"/>
               </a:ext>
             </a:extLst>
           </p:cNvPr>
@@ -7338,7 +7360,7 @@
           <p:cNvPr id="4" name="Date Placeholder 3">
             <a:extLst>
               <a:ext uri="{FF2B5EF4-FFF2-40B4-BE49-F238E27FC236}">
-                <a16:creationId xmlns:a16="http://schemas.microsoft.com/office/drawing/2014/main" id="{4107B98F-173F-4961-A753-124D5F25AED6}"/>
+                <a16:creationId xmlns:a16="http://schemas.microsoft.com/office/drawing/2014/main" xmlns="" id="{4107B98F-173F-4961-A753-124D5F25AED6}"/>
               </a:ext>
             </a:extLst>
           </p:cNvPr>
@@ -7374,7 +7396,8 @@
           <a:p>
             <a:fld id="{D2474CCF-98B4-411A-8810-C31E8C29E19B}" type="datetimeFigureOut">
               <a:rPr lang="en-US" smtClean="0"/>
-              <a:t>9/14/2022</a:t>
+              <a:pPr/>
+              <a:t>10/29/2023</a:t>
             </a:fld>
             <a:endParaRPr lang="en-US"/>
           </a:p>
@@ -7385,7 +7408,7 @@
           <p:cNvPr id="5" name="Footer Placeholder 4">
             <a:extLst>
               <a:ext uri="{FF2B5EF4-FFF2-40B4-BE49-F238E27FC236}">
-                <a16:creationId xmlns:a16="http://schemas.microsoft.com/office/drawing/2014/main" id="{69DB7A21-CD9E-479E-AAB2-6CC376E9F692}"/>
+                <a16:creationId xmlns:a16="http://schemas.microsoft.com/office/drawing/2014/main" xmlns="" id="{69DB7A21-CD9E-479E-AAB2-6CC376E9F692}"/>
               </a:ext>
             </a:extLst>
           </p:cNvPr>
@@ -7428,7 +7451,7 @@
           <p:cNvPr id="6" name="Slide Number Placeholder 5">
             <a:extLst>
               <a:ext uri="{FF2B5EF4-FFF2-40B4-BE49-F238E27FC236}">
-                <a16:creationId xmlns:a16="http://schemas.microsoft.com/office/drawing/2014/main" id="{C6ABC126-58FF-4F4D-A936-FEFCC877EF3A}"/>
+                <a16:creationId xmlns:a16="http://schemas.microsoft.com/office/drawing/2014/main" xmlns="" id="{C6ABC126-58FF-4F4D-A936-FEFCC877EF3A}"/>
               </a:ext>
             </a:extLst>
           </p:cNvPr>
@@ -7464,6 +7487,7 @@
           <a:p>
             <a:fld id="{A1FD0E78-183D-4F7D-A18B-8A4BED7B6988}" type="slidenum">
               <a:rPr lang="en-US" smtClean="0"/>
+              <a:pPr/>
               <a:t>‹#›</a:t>
             </a:fld>
             <a:endParaRPr lang="en-US"/>
@@ -7473,7 +7497,7 @@
     </p:spTree>
     <p:extLst>
       <p:ext uri="{BB962C8B-B14F-4D97-AF65-F5344CB8AC3E}">
-        <p14:creationId xmlns:p14="http://schemas.microsoft.com/office/powerpoint/2010/main" val="3606927380"/>
+        <p14:creationId xmlns:p14="http://schemas.microsoft.com/office/powerpoint/2010/main" xmlns="" val="3606927380"/>
       </p:ext>
     </p:extLst>
   </p:cSld>
@@ -7796,7 +7820,7 @@
           <p:cNvPr id="2" name="Title 1">
             <a:extLst>
               <a:ext uri="{FF2B5EF4-FFF2-40B4-BE49-F238E27FC236}">
-                <a16:creationId xmlns:a16="http://schemas.microsoft.com/office/drawing/2014/main" id="{C70F88C2-D62C-496E-8359-A6E42ABBE5C2}"/>
+                <a16:creationId xmlns:a16="http://schemas.microsoft.com/office/drawing/2014/main" xmlns="" id="{C70F88C2-D62C-496E-8359-A6E42ABBE5C2}"/>
               </a:ext>
             </a:extLst>
           </p:cNvPr>
@@ -7850,7 +7874,7 @@
           <p:cNvPr id="3" name="Subtitle 2">
             <a:extLst>
               <a:ext uri="{FF2B5EF4-FFF2-40B4-BE49-F238E27FC236}">
-                <a16:creationId xmlns:a16="http://schemas.microsoft.com/office/drawing/2014/main" id="{D66627D2-8B6B-4DCC-9D83-1FA969EFAFA0}"/>
+                <a16:creationId xmlns:a16="http://schemas.microsoft.com/office/drawing/2014/main" xmlns="" id="{D66627D2-8B6B-4DCC-9D83-1FA969EFAFA0}"/>
               </a:ext>
             </a:extLst>
           </p:cNvPr>
@@ -7906,7 +7930,7 @@
     </p:spTree>
     <p:extLst>
       <p:ext uri="{BB962C8B-B14F-4D97-AF65-F5344CB8AC3E}">
-        <p14:creationId xmlns:p14="http://schemas.microsoft.com/office/powerpoint/2010/main" val="926091206"/>
+        <p14:creationId xmlns:p14="http://schemas.microsoft.com/office/powerpoint/2010/main" xmlns="" val="926091206"/>
       </p:ext>
     </p:extLst>
   </p:cSld>
@@ -7938,7 +7962,7 @@
           <p:cNvPr id="2" name="Title 1">
             <a:extLst>
               <a:ext uri="{FF2B5EF4-FFF2-40B4-BE49-F238E27FC236}">
-                <a16:creationId xmlns:a16="http://schemas.microsoft.com/office/drawing/2014/main" id="{61B08C83-48FE-4F31-9D04-92006FF55EE8}"/>
+                <a16:creationId xmlns:a16="http://schemas.microsoft.com/office/drawing/2014/main" xmlns="" id="{61B08C83-48FE-4F31-9D04-92006FF55EE8}"/>
               </a:ext>
             </a:extLst>
           </p:cNvPr>
@@ -7982,7 +8006,7 @@
           <p:cNvPr id="4" name="TextBox 3">
             <a:extLst>
               <a:ext uri="{FF2B5EF4-FFF2-40B4-BE49-F238E27FC236}">
-                <a16:creationId xmlns:a16="http://schemas.microsoft.com/office/drawing/2014/main" id="{A79E95CA-F53E-4764-9FB8-CD15FA0A8C04}"/>
+                <a16:creationId xmlns:a16="http://schemas.microsoft.com/office/drawing/2014/main" xmlns="" id="{A79E95CA-F53E-4764-9FB8-CD15FA0A8C04}"/>
               </a:ext>
             </a:extLst>
           </p:cNvPr>
@@ -8064,7 +8088,7 @@
           <p:cNvPr id="6" name="TextBox 5">
             <a:extLst>
               <a:ext uri="{FF2B5EF4-FFF2-40B4-BE49-F238E27FC236}">
-                <a16:creationId xmlns:a16="http://schemas.microsoft.com/office/drawing/2014/main" id="{0FBEBC50-41AC-4939-8893-C88791F34C34}"/>
+                <a16:creationId xmlns:a16="http://schemas.microsoft.com/office/drawing/2014/main" xmlns="" id="{0FBEBC50-41AC-4939-8893-C88791F34C34}"/>
               </a:ext>
             </a:extLst>
           </p:cNvPr>
@@ -8126,7 +8150,7 @@
           <p:cNvPr id="2050" name="Picture 2">
             <a:extLst>
               <a:ext uri="{FF2B5EF4-FFF2-40B4-BE49-F238E27FC236}">
-                <a16:creationId xmlns:a16="http://schemas.microsoft.com/office/drawing/2014/main" id="{08F0C2A7-B37E-4C69-8A8E-3D7090B20A8D}"/>
+                <a16:creationId xmlns:a16="http://schemas.microsoft.com/office/drawing/2014/main" xmlns="" id="{08F0C2A7-B37E-4C69-8A8E-3D7090B20A8D}"/>
               </a:ext>
             </a:extLst>
           </p:cNvPr>
@@ -8139,7 +8163,7 @@
           <a:blip r:embed="rId2">
             <a:extLst>
               <a:ext uri="{28A0092B-C50C-407E-A947-70E740481C1C}">
-                <a14:useLocalDpi xmlns:a14="http://schemas.microsoft.com/office/drawing/2010/main" val="0"/>
+                <a14:useLocalDpi xmlns:a14="http://schemas.microsoft.com/office/drawing/2010/main" xmlns="" val="0"/>
               </a:ext>
             </a:extLst>
           </a:blip>
@@ -8159,7 +8183,7 @@
           <a:noFill/>
           <a:extLst>
             <a:ext uri="{909E8E84-426E-40DD-AFC4-6F175D3DCCD1}">
-              <a14:hiddenFill xmlns:a14="http://schemas.microsoft.com/office/drawing/2010/main">
+              <a14:hiddenFill xmlns:a14="http://schemas.microsoft.com/office/drawing/2010/main" xmlns="">
                 <a:solidFill>
                   <a:srgbClr val="FFFFFF"/>
                 </a:solidFill>
@@ -8171,7 +8195,7 @@
     </p:spTree>
     <p:extLst>
       <p:ext uri="{BB962C8B-B14F-4D97-AF65-F5344CB8AC3E}">
-        <p14:creationId xmlns:p14="http://schemas.microsoft.com/office/powerpoint/2010/main" val="2013254776"/>
+        <p14:creationId xmlns:p14="http://schemas.microsoft.com/office/powerpoint/2010/main" xmlns="" val="2013254776"/>
       </p:ext>
     </p:extLst>
   </p:cSld>
@@ -8203,7 +8227,7 @@
           <p:cNvPr id="2" name="Title 1">
             <a:extLst>
               <a:ext uri="{FF2B5EF4-FFF2-40B4-BE49-F238E27FC236}">
-                <a16:creationId xmlns:a16="http://schemas.microsoft.com/office/drawing/2014/main" id="{45F33AFC-C220-4038-ACF0-E5D4B3B57FD0}"/>
+                <a16:creationId xmlns:a16="http://schemas.microsoft.com/office/drawing/2014/main" xmlns="" id="{45F33AFC-C220-4038-ACF0-E5D4B3B57FD0}"/>
               </a:ext>
             </a:extLst>
           </p:cNvPr>
@@ -8231,7 +8255,7 @@
           <p:cNvPr id="4" name="Content Placeholder 3">
             <a:extLst>
               <a:ext uri="{FF2B5EF4-FFF2-40B4-BE49-F238E27FC236}">
-                <a16:creationId xmlns:a16="http://schemas.microsoft.com/office/drawing/2014/main" id="{0146DD26-E59E-4BAA-A74F-05E44312CC29}"/>
+                <a16:creationId xmlns:a16="http://schemas.microsoft.com/office/drawing/2014/main" xmlns="" id="{0146DD26-E59E-4BAA-A74F-05E44312CC29}"/>
               </a:ext>
             </a:extLst>
           </p:cNvPr>
@@ -8343,7 +8367,7 @@
     </p:spTree>
     <p:extLst>
       <p:ext uri="{BB962C8B-B14F-4D97-AF65-F5344CB8AC3E}">
-        <p14:creationId xmlns:p14="http://schemas.microsoft.com/office/powerpoint/2010/main" val="1086824408"/>
+        <p14:creationId xmlns:p14="http://schemas.microsoft.com/office/powerpoint/2010/main" xmlns="" val="1086824408"/>
       </p:ext>
     </p:extLst>
   </p:cSld>
@@ -8375,7 +8399,7 @@
           <p:cNvPr id="2" name="Title 1">
             <a:extLst>
               <a:ext uri="{FF2B5EF4-FFF2-40B4-BE49-F238E27FC236}">
-                <a16:creationId xmlns:a16="http://schemas.microsoft.com/office/drawing/2014/main" id="{45F33AFC-C220-4038-ACF0-E5D4B3B57FD0}"/>
+                <a16:creationId xmlns:a16="http://schemas.microsoft.com/office/drawing/2014/main" xmlns="" id="{45F33AFC-C220-4038-ACF0-E5D4B3B57FD0}"/>
               </a:ext>
             </a:extLst>
           </p:cNvPr>
@@ -8403,7 +8427,7 @@
           <p:cNvPr id="4" name="Content Placeholder 3">
             <a:extLst>
               <a:ext uri="{FF2B5EF4-FFF2-40B4-BE49-F238E27FC236}">
-                <a16:creationId xmlns:a16="http://schemas.microsoft.com/office/drawing/2014/main" id="{0146DD26-E59E-4BAA-A74F-05E44312CC29}"/>
+                <a16:creationId xmlns:a16="http://schemas.microsoft.com/office/drawing/2014/main" xmlns="" id="{0146DD26-E59E-4BAA-A74F-05E44312CC29}"/>
               </a:ext>
             </a:extLst>
           </p:cNvPr>
@@ -8527,7 +8551,7 @@
     </p:spTree>
     <p:extLst>
       <p:ext uri="{BB962C8B-B14F-4D97-AF65-F5344CB8AC3E}">
-        <p14:creationId xmlns:p14="http://schemas.microsoft.com/office/powerpoint/2010/main" val="1809682182"/>
+        <p14:creationId xmlns:p14="http://schemas.microsoft.com/office/powerpoint/2010/main" xmlns="" val="1809682182"/>
       </p:ext>
     </p:extLst>
   </p:cSld>
@@ -8559,7 +8583,7 @@
           <p:cNvPr id="4" name="Content Placeholder 3">
             <a:extLst>
               <a:ext uri="{FF2B5EF4-FFF2-40B4-BE49-F238E27FC236}">
-                <a16:creationId xmlns:a16="http://schemas.microsoft.com/office/drawing/2014/main" id="{0146DD26-E59E-4BAA-A74F-05E44312CC29}"/>
+                <a16:creationId xmlns:a16="http://schemas.microsoft.com/office/drawing/2014/main" xmlns="" id="{0146DD26-E59E-4BAA-A74F-05E44312CC29}"/>
               </a:ext>
             </a:extLst>
           </p:cNvPr>
@@ -8655,7 +8679,7 @@
     </p:spTree>
     <p:extLst>
       <p:ext uri="{BB962C8B-B14F-4D97-AF65-F5344CB8AC3E}">
-        <p14:creationId xmlns:p14="http://schemas.microsoft.com/office/powerpoint/2010/main" val="1175063985"/>
+        <p14:creationId xmlns:p14="http://schemas.microsoft.com/office/powerpoint/2010/main" xmlns="" val="1175063985"/>
       </p:ext>
     </p:extLst>
   </p:cSld>
@@ -8687,7 +8711,7 @@
           <p:cNvPr id="2" name="Title 1">
             <a:extLst>
               <a:ext uri="{FF2B5EF4-FFF2-40B4-BE49-F238E27FC236}">
-                <a16:creationId xmlns:a16="http://schemas.microsoft.com/office/drawing/2014/main" id="{45F33AFC-C220-4038-ACF0-E5D4B3B57FD0}"/>
+                <a16:creationId xmlns:a16="http://schemas.microsoft.com/office/drawing/2014/main" xmlns="" id="{45F33AFC-C220-4038-ACF0-E5D4B3B57FD0}"/>
               </a:ext>
             </a:extLst>
           </p:cNvPr>
@@ -8723,7 +8747,7 @@
           <p:cNvPr id="5" name="TextBox 4">
             <a:extLst>
               <a:ext uri="{FF2B5EF4-FFF2-40B4-BE49-F238E27FC236}">
-                <a16:creationId xmlns:a16="http://schemas.microsoft.com/office/drawing/2014/main" id="{042C3EAB-3E79-429E-A098-0BB46B026257}"/>
+                <a16:creationId xmlns:a16="http://schemas.microsoft.com/office/drawing/2014/main" xmlns="" id="{042C3EAB-3E79-429E-A098-0BB46B026257}"/>
               </a:ext>
             </a:extLst>
           </p:cNvPr>
@@ -8732,8 +8756,8 @@
         </p:nvSpPr>
         <p:spPr>
           <a:xfrm>
-            <a:off x="853440" y="812969"/>
-            <a:ext cx="6094520" cy="1477328"/>
+            <a:off x="853439" y="812969"/>
+            <a:ext cx="9231337" cy="1200329"/>
           </a:xfrm>
           <a:prstGeom prst="rect">
             <a:avLst/>
@@ -8798,7 +8822,7 @@
           <p:cNvPr id="9" name="TextBox 8">
             <a:extLst>
               <a:ext uri="{FF2B5EF4-FFF2-40B4-BE49-F238E27FC236}">
-                <a16:creationId xmlns:a16="http://schemas.microsoft.com/office/drawing/2014/main" id="{B274BC6E-D5B4-4A1D-9FD7-A4B3B35A4B68}"/>
+                <a16:creationId xmlns:a16="http://schemas.microsoft.com/office/drawing/2014/main" xmlns="" id="{B274BC6E-D5B4-4A1D-9FD7-A4B3B35A4B68}"/>
               </a:ext>
             </a:extLst>
           </p:cNvPr>
@@ -8807,8 +8831,8 @@
         </p:nvSpPr>
         <p:spPr>
           <a:xfrm>
-            <a:off x="831764" y="2290297"/>
-            <a:ext cx="10528472" cy="1200329"/>
+            <a:off x="858141" y="2035320"/>
+            <a:ext cx="8901321" cy="1754326"/>
           </a:xfrm>
           <a:prstGeom prst="rect">
             <a:avLst/>
@@ -8879,7 +8903,7 @@
           <p:cNvPr id="11" name="TextBox 10">
             <a:extLst>
               <a:ext uri="{FF2B5EF4-FFF2-40B4-BE49-F238E27FC236}">
-                <a16:creationId xmlns:a16="http://schemas.microsoft.com/office/drawing/2014/main" id="{2B2C7F73-CE6A-47F0-B6BF-910F6073EAF3}"/>
+                <a16:creationId xmlns:a16="http://schemas.microsoft.com/office/drawing/2014/main" xmlns="" id="{2B2C7F73-CE6A-47F0-B6BF-910F6073EAF3}"/>
               </a:ext>
             </a:extLst>
           </p:cNvPr>
@@ -8888,7 +8912,7 @@
         </p:nvSpPr>
         <p:spPr>
           <a:xfrm>
-            <a:off x="831764" y="3429000"/>
+            <a:off x="849349" y="3824654"/>
             <a:ext cx="6094520" cy="1169551"/>
           </a:xfrm>
           <a:prstGeom prst="rect">
@@ -8989,7 +9013,7 @@
           <p:cNvPr id="12" name="Rectangle 1">
             <a:extLst>
               <a:ext uri="{FF2B5EF4-FFF2-40B4-BE49-F238E27FC236}">
-                <a16:creationId xmlns:a16="http://schemas.microsoft.com/office/drawing/2014/main" id="{AFA1879E-9E5D-48AD-8439-1B492A9CA2AD}"/>
+                <a16:creationId xmlns:a16="http://schemas.microsoft.com/office/drawing/2014/main" xmlns="" id="{AFA1879E-9E5D-48AD-8439-1B492A9CA2AD}"/>
               </a:ext>
             </a:extLst>
           </p:cNvPr>
@@ -9000,7 +9024,7 @@
         </p:nvSpPr>
         <p:spPr bwMode="auto">
           <a:xfrm>
-            <a:off x="831764" y="4254950"/>
+            <a:off x="858140" y="4800073"/>
             <a:ext cx="8139314" cy="1938992"/>
           </a:xfrm>
           <a:prstGeom prst="rect">
@@ -9015,7 +9039,7 @@
           <a:effectLst/>
           <a:extLst>
             <a:ext uri="{91240B29-F687-4F45-9708-019B960494DF}">
-              <a14:hiddenLine xmlns:a14="http://schemas.microsoft.com/office/drawing/2010/main" w="9525">
+              <a14:hiddenLine xmlns:a14="http://schemas.microsoft.com/office/drawing/2010/main" xmlns="" w="9525">
                 <a:solidFill>
                   <a:schemeClr val="tx1"/>
                 </a:solidFill>
@@ -9025,7 +9049,7 @@
               </a14:hiddenLine>
             </a:ext>
             <a:ext uri="{AF507438-7753-43E0-B8FC-AC1667EBCBE1}">
-              <a14:hiddenEffects xmlns:a14="http://schemas.microsoft.com/office/drawing/2010/main">
+              <a14:hiddenEffects xmlns:a14="http://schemas.microsoft.com/office/drawing/2010/main" xmlns="">
                 <a:effectLst>
                   <a:outerShdw dist="35921" dir="2700000" algn="ctr" rotWithShape="0">
                     <a:schemeClr val="bg2"/>
@@ -9611,7 +9635,7 @@
     </p:spTree>
     <p:extLst>
       <p:ext uri="{BB962C8B-B14F-4D97-AF65-F5344CB8AC3E}">
-        <p14:creationId xmlns:p14="http://schemas.microsoft.com/office/powerpoint/2010/main" val="4091980560"/>
+        <p14:creationId xmlns:p14="http://schemas.microsoft.com/office/powerpoint/2010/main" xmlns="" val="4091980560"/>
       </p:ext>
     </p:extLst>
   </p:cSld>
@@ -9643,7 +9667,7 @@
           <p:cNvPr id="2" name="Title 1">
             <a:extLst>
               <a:ext uri="{FF2B5EF4-FFF2-40B4-BE49-F238E27FC236}">
-                <a16:creationId xmlns:a16="http://schemas.microsoft.com/office/drawing/2014/main" id="{45F33AFC-C220-4038-ACF0-E5D4B3B57FD0}"/>
+                <a16:creationId xmlns:a16="http://schemas.microsoft.com/office/drawing/2014/main" xmlns="" id="{45F33AFC-C220-4038-ACF0-E5D4B3B57FD0}"/>
               </a:ext>
             </a:extLst>
           </p:cNvPr>
@@ -9686,6 +9710,16 @@
                 <a:latin typeface="Roboto" panose="02000000000000000000" pitchFamily="2" charset="0"/>
               </a:rPr>
             </a:br>
+            <a:r>
+              <a:rPr lang="en-US" b="0" i="0" dirty="0">
+                <a:solidFill>
+                  <a:srgbClr val="616161"/>
+                </a:solidFill>
+                <a:effectLst/>
+                <a:latin typeface="open sans" panose="020B0606030504020204" pitchFamily="34" charset="0"/>
+              </a:rPr>
+              <a:t/>
+            </a:r>
             <a:br>
               <a:rPr lang="en-US" b="0" i="0" dirty="0">
                 <a:solidFill>
@@ -9704,7 +9738,7 @@
           <p:cNvPr id="5" name="Picture 4">
             <a:extLst>
               <a:ext uri="{FF2B5EF4-FFF2-40B4-BE49-F238E27FC236}">
-                <a16:creationId xmlns:a16="http://schemas.microsoft.com/office/drawing/2014/main" id="{3735E65E-2EFF-47F3-9C4E-FF061BA8A459}"/>
+                <a16:creationId xmlns:a16="http://schemas.microsoft.com/office/drawing/2014/main" xmlns="" id="{3735E65E-2EFF-47F3-9C4E-FF061BA8A459}"/>
               </a:ext>
             </a:extLst>
           </p:cNvPr>
@@ -9733,7 +9767,7 @@
           <p:cNvPr id="6" name="Rectangle 1">
             <a:extLst>
               <a:ext uri="{FF2B5EF4-FFF2-40B4-BE49-F238E27FC236}">
-                <a16:creationId xmlns:a16="http://schemas.microsoft.com/office/drawing/2014/main" id="{A6427B30-1324-4093-9192-589E50161479}"/>
+                <a16:creationId xmlns:a16="http://schemas.microsoft.com/office/drawing/2014/main" xmlns="" id="{A6427B30-1324-4093-9192-589E50161479}"/>
               </a:ext>
             </a:extLst>
           </p:cNvPr>
@@ -9757,14 +9791,14 @@
           <a:effectLst/>
           <a:extLst>
             <a:ext uri="{909E8E84-426E-40DD-AFC4-6F175D3DCCD1}">
-              <a14:hiddenFill xmlns:a14="http://schemas.microsoft.com/office/drawing/2010/main">
+              <a14:hiddenFill xmlns:a14="http://schemas.microsoft.com/office/drawing/2010/main" xmlns="">
                 <a:solidFill>
                   <a:schemeClr val="accent1"/>
                 </a:solidFill>
               </a14:hiddenFill>
             </a:ext>
             <a:ext uri="{91240B29-F687-4F45-9708-019B960494DF}">
-              <a14:hiddenLine xmlns:a14="http://schemas.microsoft.com/office/drawing/2010/main" w="9525">
+              <a14:hiddenLine xmlns:a14="http://schemas.microsoft.com/office/drawing/2010/main" xmlns="" w="9525">
                 <a:solidFill>
                   <a:schemeClr val="tx1"/>
                 </a:solidFill>
@@ -9774,7 +9808,7 @@
               </a14:hiddenLine>
             </a:ext>
             <a:ext uri="{AF507438-7753-43E0-B8FC-AC1667EBCBE1}">
-              <a14:hiddenEffects xmlns:a14="http://schemas.microsoft.com/office/drawing/2010/main">
+              <a14:hiddenEffects xmlns:a14="http://schemas.microsoft.com/office/drawing/2010/main" xmlns="">
                 <a:effectLst>
                   <a:outerShdw dist="35921" dir="2700000" algn="ctr" rotWithShape="0">
                     <a:schemeClr val="bg2"/>
@@ -10018,7 +10052,7 @@
           <p:cNvPr id="9" name="Rectangle 2">
             <a:extLst>
               <a:ext uri="{FF2B5EF4-FFF2-40B4-BE49-F238E27FC236}">
-                <a16:creationId xmlns:a16="http://schemas.microsoft.com/office/drawing/2014/main" id="{38EBAC0D-C1F3-4F0F-875A-BDBB4306B3CF}"/>
+                <a16:creationId xmlns:a16="http://schemas.microsoft.com/office/drawing/2014/main" xmlns="" id="{38EBAC0D-C1F3-4F0F-875A-BDBB4306B3CF}"/>
               </a:ext>
             </a:extLst>
           </p:cNvPr>
@@ -10044,7 +10078,7 @@
           <a:effectLst/>
           <a:extLst>
             <a:ext uri="{91240B29-F687-4F45-9708-019B960494DF}">
-              <a14:hiddenLine xmlns:a14="http://schemas.microsoft.com/office/drawing/2010/main" w="9525">
+              <a14:hiddenLine xmlns:a14="http://schemas.microsoft.com/office/drawing/2010/main" xmlns="" w="9525">
                 <a:solidFill>
                   <a:schemeClr val="tx1"/>
                 </a:solidFill>
@@ -10054,7 +10088,7 @@
               </a14:hiddenLine>
             </a:ext>
             <a:ext uri="{AF507438-7753-43E0-B8FC-AC1667EBCBE1}">
-              <a14:hiddenEffects xmlns:a14="http://schemas.microsoft.com/office/drawing/2010/main">
+              <a14:hiddenEffects xmlns:a14="http://schemas.microsoft.com/office/drawing/2010/main" xmlns="">
                 <a:effectLst>
                   <a:outerShdw dist="35921" dir="2700000" algn="ctr" rotWithShape="0">
                     <a:schemeClr val="bg2"/>
@@ -10558,7 +10592,7 @@
           <p:cNvPr id="10" name="Rectangle 3">
             <a:extLst>
               <a:ext uri="{FF2B5EF4-FFF2-40B4-BE49-F238E27FC236}">
-                <a16:creationId xmlns:a16="http://schemas.microsoft.com/office/drawing/2014/main" id="{F936EE48-847F-466F-BD92-162CD977EA35}"/>
+                <a16:creationId xmlns:a16="http://schemas.microsoft.com/office/drawing/2014/main" xmlns="" id="{F936EE48-847F-466F-BD92-162CD977EA35}"/>
               </a:ext>
             </a:extLst>
           </p:cNvPr>
@@ -10582,14 +10616,14 @@
           <a:effectLst/>
           <a:extLst>
             <a:ext uri="{909E8E84-426E-40DD-AFC4-6F175D3DCCD1}">
-              <a14:hiddenFill xmlns:a14="http://schemas.microsoft.com/office/drawing/2010/main">
+              <a14:hiddenFill xmlns:a14="http://schemas.microsoft.com/office/drawing/2010/main" xmlns="">
                 <a:solidFill>
                   <a:schemeClr val="accent1"/>
                 </a:solidFill>
               </a14:hiddenFill>
             </a:ext>
             <a:ext uri="{91240B29-F687-4F45-9708-019B960494DF}">
-              <a14:hiddenLine xmlns:a14="http://schemas.microsoft.com/office/drawing/2010/main" w="9525">
+              <a14:hiddenLine xmlns:a14="http://schemas.microsoft.com/office/drawing/2010/main" xmlns="" w="9525">
                 <a:solidFill>
                   <a:schemeClr val="tx1"/>
                 </a:solidFill>
@@ -10599,7 +10633,7 @@
               </a14:hiddenLine>
             </a:ext>
             <a:ext uri="{AF507438-7753-43E0-B8FC-AC1667EBCBE1}">
-              <a14:hiddenEffects xmlns:a14="http://schemas.microsoft.com/office/drawing/2010/main">
+              <a14:hiddenEffects xmlns:a14="http://schemas.microsoft.com/office/drawing/2010/main" xmlns="">
                 <a:effectLst>
                   <a:outerShdw dist="35921" dir="2700000" algn="ctr" rotWithShape="0">
                     <a:schemeClr val="bg2"/>
@@ -10815,7 +10849,7 @@
           <p:cNvPr id="11" name="Rectangle 4">
             <a:extLst>
               <a:ext uri="{FF2B5EF4-FFF2-40B4-BE49-F238E27FC236}">
-                <a16:creationId xmlns:a16="http://schemas.microsoft.com/office/drawing/2014/main" id="{DF259138-B944-47A6-8F08-752A58056AC9}"/>
+                <a16:creationId xmlns:a16="http://schemas.microsoft.com/office/drawing/2014/main" xmlns="" id="{DF259138-B944-47A6-8F08-752A58056AC9}"/>
               </a:ext>
             </a:extLst>
           </p:cNvPr>
@@ -10841,7 +10875,7 @@
           <a:effectLst/>
           <a:extLst>
             <a:ext uri="{91240B29-F687-4F45-9708-019B960494DF}">
-              <a14:hiddenLine xmlns:a14="http://schemas.microsoft.com/office/drawing/2010/main" w="9525">
+              <a14:hiddenLine xmlns:a14="http://schemas.microsoft.com/office/drawing/2010/main" xmlns="" w="9525">
                 <a:solidFill>
                   <a:schemeClr val="tx1"/>
                 </a:solidFill>
@@ -10851,7 +10885,7 @@
               </a14:hiddenLine>
             </a:ext>
             <a:ext uri="{AF507438-7753-43E0-B8FC-AC1667EBCBE1}">
-              <a14:hiddenEffects xmlns:a14="http://schemas.microsoft.com/office/drawing/2010/main">
+              <a14:hiddenEffects xmlns:a14="http://schemas.microsoft.com/office/drawing/2010/main" xmlns="">
                 <a:effectLst>
                   <a:outerShdw dist="35921" dir="2700000" algn="ctr" rotWithShape="0">
                     <a:schemeClr val="bg2"/>
@@ -11052,7 +11086,7 @@
           <p:cNvPr id="12" name="Rectangle 5">
             <a:extLst>
               <a:ext uri="{FF2B5EF4-FFF2-40B4-BE49-F238E27FC236}">
-                <a16:creationId xmlns:a16="http://schemas.microsoft.com/office/drawing/2014/main" id="{10835CD4-1D13-415D-9AD5-C89788763DF0}"/>
+                <a16:creationId xmlns:a16="http://schemas.microsoft.com/office/drawing/2014/main" xmlns="" id="{10835CD4-1D13-415D-9AD5-C89788763DF0}"/>
               </a:ext>
             </a:extLst>
           </p:cNvPr>
@@ -11078,7 +11112,7 @@
           <a:effectLst/>
           <a:extLst>
             <a:ext uri="{91240B29-F687-4F45-9708-019B960494DF}">
-              <a14:hiddenLine xmlns:a14="http://schemas.microsoft.com/office/drawing/2010/main" w="9525">
+              <a14:hiddenLine xmlns:a14="http://schemas.microsoft.com/office/drawing/2010/main" xmlns="" w="9525">
                 <a:solidFill>
                   <a:schemeClr val="tx1"/>
                 </a:solidFill>
@@ -11088,7 +11122,7 @@
               </a14:hiddenLine>
             </a:ext>
             <a:ext uri="{AF507438-7753-43E0-B8FC-AC1667EBCBE1}">
-              <a14:hiddenEffects xmlns:a14="http://schemas.microsoft.com/office/drawing/2010/main">
+              <a14:hiddenEffects xmlns:a14="http://schemas.microsoft.com/office/drawing/2010/main" xmlns="">
                 <a:effectLst>
                   <a:outerShdw dist="35921" dir="2700000" algn="ctr" rotWithShape="0">
                     <a:schemeClr val="bg2"/>
@@ -11345,7 +11379,7 @@
           <p:cNvPr id="13" name="Rectangle 6">
             <a:extLst>
               <a:ext uri="{FF2B5EF4-FFF2-40B4-BE49-F238E27FC236}">
-                <a16:creationId xmlns:a16="http://schemas.microsoft.com/office/drawing/2014/main" id="{A3B5A502-7586-4326-9198-EB5A9E10716A}"/>
+                <a16:creationId xmlns:a16="http://schemas.microsoft.com/office/drawing/2014/main" xmlns="" id="{A3B5A502-7586-4326-9198-EB5A9E10716A}"/>
               </a:ext>
             </a:extLst>
           </p:cNvPr>
@@ -11371,7 +11405,7 @@
           <a:effectLst/>
           <a:extLst>
             <a:ext uri="{91240B29-F687-4F45-9708-019B960494DF}">
-              <a14:hiddenLine xmlns:a14="http://schemas.microsoft.com/office/drawing/2010/main" w="9525">
+              <a14:hiddenLine xmlns:a14="http://schemas.microsoft.com/office/drawing/2010/main" xmlns="" w="9525">
                 <a:solidFill>
                   <a:schemeClr val="tx1"/>
                 </a:solidFill>
@@ -11381,7 +11415,7 @@
               </a14:hiddenLine>
             </a:ext>
             <a:ext uri="{AF507438-7753-43E0-B8FC-AC1667EBCBE1}">
-              <a14:hiddenEffects xmlns:a14="http://schemas.microsoft.com/office/drawing/2010/main">
+              <a14:hiddenEffects xmlns:a14="http://schemas.microsoft.com/office/drawing/2010/main" xmlns="">
                 <a:effectLst>
                   <a:outerShdw dist="35921" dir="2700000" algn="ctr" rotWithShape="0">
                     <a:schemeClr val="bg2"/>
@@ -11490,7 +11524,7 @@
     </p:spTree>
     <p:extLst>
       <p:ext uri="{BB962C8B-B14F-4D97-AF65-F5344CB8AC3E}">
-        <p14:creationId xmlns:p14="http://schemas.microsoft.com/office/powerpoint/2010/main" val="3428334458"/>
+        <p14:creationId xmlns:p14="http://schemas.microsoft.com/office/powerpoint/2010/main" xmlns="" val="3428334458"/>
       </p:ext>
     </p:extLst>
   </p:cSld>
@@ -11522,7 +11556,7 @@
           <p:cNvPr id="2" name="Title 1">
             <a:extLst>
               <a:ext uri="{FF2B5EF4-FFF2-40B4-BE49-F238E27FC236}">
-                <a16:creationId xmlns:a16="http://schemas.microsoft.com/office/drawing/2014/main" id="{45F33AFC-C220-4038-ACF0-E5D4B3B57FD0}"/>
+                <a16:creationId xmlns:a16="http://schemas.microsoft.com/office/drawing/2014/main" xmlns="" id="{45F33AFC-C220-4038-ACF0-E5D4B3B57FD0}"/>
               </a:ext>
             </a:extLst>
           </p:cNvPr>
@@ -11557,7 +11591,7 @@
           <p:cNvPr id="4" name="Content Placeholder 3">
             <a:extLst>
               <a:ext uri="{FF2B5EF4-FFF2-40B4-BE49-F238E27FC236}">
-                <a16:creationId xmlns:a16="http://schemas.microsoft.com/office/drawing/2014/main" id="{0146DD26-E59E-4BAA-A74F-05E44312CC29}"/>
+                <a16:creationId xmlns:a16="http://schemas.microsoft.com/office/drawing/2014/main" xmlns="" id="{0146DD26-E59E-4BAA-A74F-05E44312CC29}"/>
               </a:ext>
             </a:extLst>
           </p:cNvPr>
@@ -11590,7 +11624,7 @@
           <p:cNvPr id="5" name="Picture 4">
             <a:extLst>
               <a:ext uri="{FF2B5EF4-FFF2-40B4-BE49-F238E27FC236}">
-                <a16:creationId xmlns:a16="http://schemas.microsoft.com/office/drawing/2014/main" id="{8FCE2FF9-982F-4AD1-A1BB-B08EE82C8701}"/>
+                <a16:creationId xmlns:a16="http://schemas.microsoft.com/office/drawing/2014/main" xmlns="" id="{8FCE2FF9-982F-4AD1-A1BB-B08EE82C8701}"/>
               </a:ext>
             </a:extLst>
           </p:cNvPr>
@@ -11619,7 +11653,7 @@
           <p:cNvPr id="3" name="Rectangle 1">
             <a:extLst>
               <a:ext uri="{FF2B5EF4-FFF2-40B4-BE49-F238E27FC236}">
-                <a16:creationId xmlns:a16="http://schemas.microsoft.com/office/drawing/2014/main" id="{2B0CF7EA-98CE-47CB-92A0-6A7DBF7B3C35}"/>
+                <a16:creationId xmlns:a16="http://schemas.microsoft.com/office/drawing/2014/main" xmlns="" id="{2B0CF7EA-98CE-47CB-92A0-6A7DBF7B3C35}"/>
               </a:ext>
             </a:extLst>
           </p:cNvPr>
@@ -11645,7 +11679,7 @@
           <a:effectLst/>
           <a:extLst>
             <a:ext uri="{91240B29-F687-4F45-9708-019B960494DF}">
-              <a14:hiddenLine xmlns:a14="http://schemas.microsoft.com/office/drawing/2010/main" w="9525">
+              <a14:hiddenLine xmlns:a14="http://schemas.microsoft.com/office/drawing/2010/main" xmlns="" w="9525">
                 <a:solidFill>
                   <a:schemeClr val="tx1"/>
                 </a:solidFill>
@@ -11655,7 +11689,7 @@
               </a14:hiddenLine>
             </a:ext>
             <a:ext uri="{AF507438-7753-43E0-B8FC-AC1667EBCBE1}">
-              <a14:hiddenEffects xmlns:a14="http://schemas.microsoft.com/office/drawing/2010/main">
+              <a14:hiddenEffects xmlns:a14="http://schemas.microsoft.com/office/drawing/2010/main" xmlns="">
                 <a:effectLst>
                   <a:outerShdw dist="35921" dir="2700000" algn="ctr" rotWithShape="0">
                     <a:schemeClr val="bg2"/>
@@ -12578,7 +12612,7 @@
           <p:cNvPr id="8" name="Rectangle 4">
             <a:extLst>
               <a:ext uri="{FF2B5EF4-FFF2-40B4-BE49-F238E27FC236}">
-                <a16:creationId xmlns:a16="http://schemas.microsoft.com/office/drawing/2014/main" id="{0D44E950-5F1C-443E-861A-61284F80DD80}"/>
+                <a16:creationId xmlns:a16="http://schemas.microsoft.com/office/drawing/2014/main" xmlns="" id="{0D44E950-5F1C-443E-861A-61284F80DD80}"/>
               </a:ext>
             </a:extLst>
           </p:cNvPr>
@@ -12604,7 +12638,7 @@
           <a:effectLst/>
           <a:extLst>
             <a:ext uri="{91240B29-F687-4F45-9708-019B960494DF}">
-              <a14:hiddenLine xmlns:a14="http://schemas.microsoft.com/office/drawing/2010/main" w="9525">
+              <a14:hiddenLine xmlns:a14="http://schemas.microsoft.com/office/drawing/2010/main" xmlns="" w="9525">
                 <a:solidFill>
                   <a:schemeClr val="tx1"/>
                 </a:solidFill>
@@ -12614,7 +12648,7 @@
               </a14:hiddenLine>
             </a:ext>
             <a:ext uri="{AF507438-7753-43E0-B8FC-AC1667EBCBE1}">
-              <a14:hiddenEffects xmlns:a14="http://schemas.microsoft.com/office/drawing/2010/main">
+              <a14:hiddenEffects xmlns:a14="http://schemas.microsoft.com/office/drawing/2010/main" xmlns="">
                 <a:effectLst>
                   <a:outerShdw dist="35921" dir="2700000" algn="ctr" rotWithShape="0">
                     <a:schemeClr val="bg2"/>
@@ -13172,7 +13206,7 @@
     </p:spTree>
     <p:extLst>
       <p:ext uri="{BB962C8B-B14F-4D97-AF65-F5344CB8AC3E}">
-        <p14:creationId xmlns:p14="http://schemas.microsoft.com/office/powerpoint/2010/main" val="3511562611"/>
+        <p14:creationId xmlns:p14="http://schemas.microsoft.com/office/powerpoint/2010/main" xmlns="" val="3511562611"/>
       </p:ext>
     </p:extLst>
   </p:cSld>
@@ -13204,7 +13238,7 @@
           <p:cNvPr id="5" name="Picture 4">
             <a:extLst>
               <a:ext uri="{FF2B5EF4-FFF2-40B4-BE49-F238E27FC236}">
-                <a16:creationId xmlns:a16="http://schemas.microsoft.com/office/drawing/2014/main" id="{A145D639-41DA-43DD-8FDA-975B1836F4A3}"/>
+                <a16:creationId xmlns:a16="http://schemas.microsoft.com/office/drawing/2014/main" xmlns="" id="{A145D639-41DA-43DD-8FDA-975B1836F4A3}"/>
               </a:ext>
             </a:extLst>
           </p:cNvPr>
@@ -13233,7 +13267,7 @@
           <p:cNvPr id="7" name="TextBox 6">
             <a:extLst>
               <a:ext uri="{FF2B5EF4-FFF2-40B4-BE49-F238E27FC236}">
-                <a16:creationId xmlns:a16="http://schemas.microsoft.com/office/drawing/2014/main" id="{D073504B-8701-4A96-9921-809D41038459}"/>
+                <a16:creationId xmlns:a16="http://schemas.microsoft.com/office/drawing/2014/main" xmlns="" id="{D073504B-8701-4A96-9921-809D41038459}"/>
               </a:ext>
             </a:extLst>
           </p:cNvPr>
@@ -13275,7 +13309,7 @@
           <p:cNvPr id="11" name="TextBox 10">
             <a:extLst>
               <a:ext uri="{FF2B5EF4-FFF2-40B4-BE49-F238E27FC236}">
-                <a16:creationId xmlns:a16="http://schemas.microsoft.com/office/drawing/2014/main" id="{03A2959C-38A6-4CF2-8E1B-C8A46AA250DF}"/>
+                <a16:creationId xmlns:a16="http://schemas.microsoft.com/office/drawing/2014/main" xmlns="" id="{03A2959C-38A6-4CF2-8E1B-C8A46AA250DF}"/>
               </a:ext>
             </a:extLst>
           </p:cNvPr>
@@ -13407,7 +13441,7 @@
     </p:spTree>
     <p:extLst>
       <p:ext uri="{BB962C8B-B14F-4D97-AF65-F5344CB8AC3E}">
-        <p14:creationId xmlns:p14="http://schemas.microsoft.com/office/powerpoint/2010/main" val="1981066482"/>
+        <p14:creationId xmlns:p14="http://schemas.microsoft.com/office/powerpoint/2010/main" xmlns="" val="1981066482"/>
       </p:ext>
     </p:extLst>
   </p:cSld>
@@ -13439,7 +13473,7 @@
           <p:cNvPr id="2" name="Title 1">
             <a:extLst>
               <a:ext uri="{FF2B5EF4-FFF2-40B4-BE49-F238E27FC236}">
-                <a16:creationId xmlns:a16="http://schemas.microsoft.com/office/drawing/2014/main" id="{45F33AFC-C220-4038-ACF0-E5D4B3B57FD0}"/>
+                <a16:creationId xmlns:a16="http://schemas.microsoft.com/office/drawing/2014/main" xmlns="" id="{45F33AFC-C220-4038-ACF0-E5D4B3B57FD0}"/>
               </a:ext>
             </a:extLst>
           </p:cNvPr>
@@ -13471,7 +13505,7 @@
           <p:cNvPr id="5" name="Picture 4">
             <a:extLst>
               <a:ext uri="{FF2B5EF4-FFF2-40B4-BE49-F238E27FC236}">
-                <a16:creationId xmlns:a16="http://schemas.microsoft.com/office/drawing/2014/main" id="{926BBDFE-4144-4495-BD72-2E5B6113FD2B}"/>
+                <a16:creationId xmlns:a16="http://schemas.microsoft.com/office/drawing/2014/main" xmlns="" id="{926BBDFE-4144-4495-BD72-2E5B6113FD2B}"/>
               </a:ext>
             </a:extLst>
           </p:cNvPr>
@@ -13500,7 +13534,7 @@
           <p:cNvPr id="7" name="TextBox 6">
             <a:extLst>
               <a:ext uri="{FF2B5EF4-FFF2-40B4-BE49-F238E27FC236}">
-                <a16:creationId xmlns:a16="http://schemas.microsoft.com/office/drawing/2014/main" id="{0C3F426F-C319-4420-8E49-5A514B2239AC}"/>
+                <a16:creationId xmlns:a16="http://schemas.microsoft.com/office/drawing/2014/main" xmlns="" id="{0C3F426F-C319-4420-8E49-5A514B2239AC}"/>
               </a:ext>
             </a:extLst>
           </p:cNvPr>
@@ -13562,7 +13596,7 @@
           <p:cNvPr id="9" name="Straight Arrow Connector 8">
             <a:extLst>
               <a:ext uri="{FF2B5EF4-FFF2-40B4-BE49-F238E27FC236}">
-                <a16:creationId xmlns:a16="http://schemas.microsoft.com/office/drawing/2014/main" id="{EE1A7CD8-CCA8-4828-A82A-40D14D2C93B7}"/>
+                <a16:creationId xmlns:a16="http://schemas.microsoft.com/office/drawing/2014/main" xmlns="" id="{EE1A7CD8-CCA8-4828-A82A-40D14D2C93B7}"/>
               </a:ext>
             </a:extLst>
           </p:cNvPr>
@@ -13604,7 +13638,7 @@
     </p:spTree>
     <p:extLst>
       <p:ext uri="{BB962C8B-B14F-4D97-AF65-F5344CB8AC3E}">
-        <p14:creationId xmlns:p14="http://schemas.microsoft.com/office/powerpoint/2010/main" val="3183567058"/>
+        <p14:creationId xmlns:p14="http://schemas.microsoft.com/office/powerpoint/2010/main" xmlns="" val="3183567058"/>
       </p:ext>
     </p:extLst>
   </p:cSld>
@@ -13636,7 +13670,7 @@
           <p:cNvPr id="2" name="Title 1">
             <a:extLst>
               <a:ext uri="{FF2B5EF4-FFF2-40B4-BE49-F238E27FC236}">
-                <a16:creationId xmlns:a16="http://schemas.microsoft.com/office/drawing/2014/main" id="{45F33AFC-C220-4038-ACF0-E5D4B3B57FD0}"/>
+                <a16:creationId xmlns:a16="http://schemas.microsoft.com/office/drawing/2014/main" xmlns="" id="{45F33AFC-C220-4038-ACF0-E5D4B3B57FD0}"/>
               </a:ext>
             </a:extLst>
           </p:cNvPr>
@@ -13665,7 +13699,7 @@
           <p:cNvPr id="7" name="TextBox 6">
             <a:extLst>
               <a:ext uri="{FF2B5EF4-FFF2-40B4-BE49-F238E27FC236}">
-                <a16:creationId xmlns:a16="http://schemas.microsoft.com/office/drawing/2014/main" id="{F9A939E9-F509-463D-946F-5F912041E637}"/>
+                <a16:creationId xmlns:a16="http://schemas.microsoft.com/office/drawing/2014/main" xmlns="" id="{F9A939E9-F509-463D-946F-5F912041E637}"/>
               </a:ext>
             </a:extLst>
           </p:cNvPr>
@@ -13760,7 +13794,7 @@
           <p:cNvPr id="9" name="Picture 8">
             <a:extLst>
               <a:ext uri="{FF2B5EF4-FFF2-40B4-BE49-F238E27FC236}">
-                <a16:creationId xmlns:a16="http://schemas.microsoft.com/office/drawing/2014/main" id="{731DC207-8F90-4147-A791-F1F136CB2060}"/>
+                <a16:creationId xmlns:a16="http://schemas.microsoft.com/office/drawing/2014/main" xmlns="" id="{731DC207-8F90-4147-A791-F1F136CB2060}"/>
               </a:ext>
             </a:extLst>
           </p:cNvPr>
@@ -13789,7 +13823,7 @@
           <p:cNvPr id="10" name="Straight Arrow Connector 9">
             <a:extLst>
               <a:ext uri="{FF2B5EF4-FFF2-40B4-BE49-F238E27FC236}">
-                <a16:creationId xmlns:a16="http://schemas.microsoft.com/office/drawing/2014/main" id="{ED7184D0-CC43-475E-9231-313E001E9453}"/>
+                <a16:creationId xmlns:a16="http://schemas.microsoft.com/office/drawing/2014/main" xmlns="" id="{ED7184D0-CC43-475E-9231-313E001E9453}"/>
               </a:ext>
             </a:extLst>
           </p:cNvPr>
@@ -13833,7 +13867,7 @@
           <p:cNvPr id="12" name="Rectangle 1">
             <a:extLst>
               <a:ext uri="{FF2B5EF4-FFF2-40B4-BE49-F238E27FC236}">
-                <a16:creationId xmlns:a16="http://schemas.microsoft.com/office/drawing/2014/main" id="{E752DC47-CFAF-4214-B3B8-671D9FE3688A}"/>
+                <a16:creationId xmlns:a16="http://schemas.microsoft.com/office/drawing/2014/main" xmlns="" id="{E752DC47-CFAF-4214-B3B8-671D9FE3688A}"/>
               </a:ext>
             </a:extLst>
           </p:cNvPr>
@@ -13859,7 +13893,7 @@
           <a:effectLst/>
           <a:extLst>
             <a:ext uri="{91240B29-F687-4F45-9708-019B960494DF}">
-              <a14:hiddenLine xmlns:a14="http://schemas.microsoft.com/office/drawing/2010/main" w="9525">
+              <a14:hiddenLine xmlns:a14="http://schemas.microsoft.com/office/drawing/2010/main" xmlns="" w="9525">
                 <a:solidFill>
                   <a:schemeClr val="tx1"/>
                 </a:solidFill>
@@ -13869,7 +13903,7 @@
               </a14:hiddenLine>
             </a:ext>
             <a:ext uri="{AF507438-7753-43E0-B8FC-AC1667EBCBE1}">
-              <a14:hiddenEffects xmlns:a14="http://schemas.microsoft.com/office/drawing/2010/main">
+              <a14:hiddenEffects xmlns:a14="http://schemas.microsoft.com/office/drawing/2010/main" xmlns="">
                 <a:effectLst>
                   <a:outerShdw dist="35921" dir="2700000" algn="ctr" rotWithShape="0">
                     <a:schemeClr val="bg2"/>
@@ -14142,7 +14176,7 @@
     </p:spTree>
     <p:extLst>
       <p:ext uri="{BB962C8B-B14F-4D97-AF65-F5344CB8AC3E}">
-        <p14:creationId xmlns:p14="http://schemas.microsoft.com/office/powerpoint/2010/main" val="843601352"/>
+        <p14:creationId xmlns:p14="http://schemas.microsoft.com/office/powerpoint/2010/main" xmlns="" val="843601352"/>
       </p:ext>
     </p:extLst>
   </p:cSld>
@@ -14174,7 +14208,7 @@
           <p:cNvPr id="2" name="Title 1">
             <a:extLst>
               <a:ext uri="{FF2B5EF4-FFF2-40B4-BE49-F238E27FC236}">
-                <a16:creationId xmlns:a16="http://schemas.microsoft.com/office/drawing/2014/main" id="{426EEFDC-790E-4E47-A515-1EBCF1F2F2CD}"/>
+                <a16:creationId xmlns:a16="http://schemas.microsoft.com/office/drawing/2014/main" xmlns="" id="{426EEFDC-790E-4E47-A515-1EBCF1F2F2CD}"/>
               </a:ext>
             </a:extLst>
           </p:cNvPr>
@@ -14211,7 +14245,7 @@
           <p:cNvPr id="16" name="Content Placeholder 15">
             <a:extLst>
               <a:ext uri="{FF2B5EF4-FFF2-40B4-BE49-F238E27FC236}">
-                <a16:creationId xmlns:a16="http://schemas.microsoft.com/office/drawing/2014/main" id="{C110FDCF-2EC3-46D4-A98B-824D58833898}"/>
+                <a16:creationId xmlns:a16="http://schemas.microsoft.com/office/drawing/2014/main" xmlns="" id="{C110FDCF-2EC3-46D4-A98B-824D58833898}"/>
               </a:ext>
             </a:extLst>
           </p:cNvPr>
@@ -14323,7 +14357,7 @@
     </p:spTree>
     <p:extLst>
       <p:ext uri="{BB962C8B-B14F-4D97-AF65-F5344CB8AC3E}">
-        <p14:creationId xmlns:p14="http://schemas.microsoft.com/office/powerpoint/2010/main" val="2290764849"/>
+        <p14:creationId xmlns:p14="http://schemas.microsoft.com/office/powerpoint/2010/main" xmlns="" val="2290764849"/>
       </p:ext>
     </p:extLst>
   </p:cSld>
@@ -14355,7 +14389,7 @@
           <p:cNvPr id="2" name="Title 1">
             <a:extLst>
               <a:ext uri="{FF2B5EF4-FFF2-40B4-BE49-F238E27FC236}">
-                <a16:creationId xmlns:a16="http://schemas.microsoft.com/office/drawing/2014/main" id="{45F33AFC-C220-4038-ACF0-E5D4B3B57FD0}"/>
+                <a16:creationId xmlns:a16="http://schemas.microsoft.com/office/drawing/2014/main" xmlns="" id="{45F33AFC-C220-4038-ACF0-E5D4B3B57FD0}"/>
               </a:ext>
             </a:extLst>
           </p:cNvPr>
@@ -14384,7 +14418,7 @@
           <p:cNvPr id="7" name="TextBox 6">
             <a:extLst>
               <a:ext uri="{FF2B5EF4-FFF2-40B4-BE49-F238E27FC236}">
-                <a16:creationId xmlns:a16="http://schemas.microsoft.com/office/drawing/2014/main" id="{3831DAB9-29FD-4D04-B9D8-5CB87FA7A105}"/>
+                <a16:creationId xmlns:a16="http://schemas.microsoft.com/office/drawing/2014/main" xmlns="" id="{3831DAB9-29FD-4D04-B9D8-5CB87FA7A105}"/>
               </a:ext>
             </a:extLst>
           </p:cNvPr>
@@ -14499,7 +14533,7 @@
           <p:cNvPr id="11" name="TextBox 10">
             <a:extLst>
               <a:ext uri="{FF2B5EF4-FFF2-40B4-BE49-F238E27FC236}">
-                <a16:creationId xmlns:a16="http://schemas.microsoft.com/office/drawing/2014/main" id="{80940C3E-A821-4A17-A2AD-D80F10F366D8}"/>
+                <a16:creationId xmlns:a16="http://schemas.microsoft.com/office/drawing/2014/main" xmlns="" id="{80940C3E-A821-4A17-A2AD-D80F10F366D8}"/>
               </a:ext>
             </a:extLst>
           </p:cNvPr>
@@ -14591,7 +14625,7 @@
           <p:cNvPr id="13" name="TextBox 12">
             <a:extLst>
               <a:ext uri="{FF2B5EF4-FFF2-40B4-BE49-F238E27FC236}">
-                <a16:creationId xmlns:a16="http://schemas.microsoft.com/office/drawing/2014/main" id="{EAAA7E93-05A8-4D01-887F-1A5B82A0E1A7}"/>
+                <a16:creationId xmlns:a16="http://schemas.microsoft.com/office/drawing/2014/main" xmlns="" id="{EAAA7E93-05A8-4D01-887F-1A5B82A0E1A7}"/>
               </a:ext>
             </a:extLst>
           </p:cNvPr>
@@ -14673,7 +14707,7 @@
           <p:cNvPr id="15" name="Picture 14">
             <a:extLst>
               <a:ext uri="{FF2B5EF4-FFF2-40B4-BE49-F238E27FC236}">
-                <a16:creationId xmlns:a16="http://schemas.microsoft.com/office/drawing/2014/main" id="{06415C56-0697-4D3A-A25B-E3A02607BFE9}"/>
+                <a16:creationId xmlns:a16="http://schemas.microsoft.com/office/drawing/2014/main" xmlns="" id="{06415C56-0697-4D3A-A25B-E3A02607BFE9}"/>
               </a:ext>
             </a:extLst>
           </p:cNvPr>
@@ -14700,7 +14734,7 @@
     </p:spTree>
     <p:extLst>
       <p:ext uri="{BB962C8B-B14F-4D97-AF65-F5344CB8AC3E}">
-        <p14:creationId xmlns:p14="http://schemas.microsoft.com/office/powerpoint/2010/main" val="2302275597"/>
+        <p14:creationId xmlns:p14="http://schemas.microsoft.com/office/powerpoint/2010/main" xmlns="" val="2302275597"/>
       </p:ext>
     </p:extLst>
   </p:cSld>
@@ -14732,7 +14766,7 @@
           <p:cNvPr id="19" name="Picture 18">
             <a:extLst>
               <a:ext uri="{FF2B5EF4-FFF2-40B4-BE49-F238E27FC236}">
-                <a16:creationId xmlns:a16="http://schemas.microsoft.com/office/drawing/2014/main" id="{65A7308C-84E6-453F-ABCF-BDFBCC66179D}"/>
+                <a16:creationId xmlns:a16="http://schemas.microsoft.com/office/drawing/2014/main" xmlns="" id="{65A7308C-84E6-453F-ABCF-BDFBCC66179D}"/>
               </a:ext>
             </a:extLst>
           </p:cNvPr>
@@ -14761,7 +14795,7 @@
           <p:cNvPr id="2" name="Title 1">
             <a:extLst>
               <a:ext uri="{FF2B5EF4-FFF2-40B4-BE49-F238E27FC236}">
-                <a16:creationId xmlns:a16="http://schemas.microsoft.com/office/drawing/2014/main" id="{45F33AFC-C220-4038-ACF0-E5D4B3B57FD0}"/>
+                <a16:creationId xmlns:a16="http://schemas.microsoft.com/office/drawing/2014/main" xmlns="" id="{45F33AFC-C220-4038-ACF0-E5D4B3B57FD0}"/>
               </a:ext>
             </a:extLst>
           </p:cNvPr>
@@ -14790,7 +14824,7 @@
           <p:cNvPr id="11" name="Picture 10">
             <a:extLst>
               <a:ext uri="{FF2B5EF4-FFF2-40B4-BE49-F238E27FC236}">
-                <a16:creationId xmlns:a16="http://schemas.microsoft.com/office/drawing/2014/main" id="{D955EEEE-C7A1-4DFD-95D9-3B64D47F3CA7}"/>
+                <a16:creationId xmlns:a16="http://schemas.microsoft.com/office/drawing/2014/main" xmlns="" id="{D955EEEE-C7A1-4DFD-95D9-3B64D47F3CA7}"/>
               </a:ext>
             </a:extLst>
           </p:cNvPr>
@@ -14819,7 +14853,7 @@
           <p:cNvPr id="20" name="Connector: Elbow 19">
             <a:extLst>
               <a:ext uri="{FF2B5EF4-FFF2-40B4-BE49-F238E27FC236}">
-                <a16:creationId xmlns:a16="http://schemas.microsoft.com/office/drawing/2014/main" id="{BB46E47F-7972-4669-9804-B1B0732ADDFB}"/>
+                <a16:creationId xmlns:a16="http://schemas.microsoft.com/office/drawing/2014/main" xmlns="" id="{BB46E47F-7972-4669-9804-B1B0732ADDFB}"/>
               </a:ext>
             </a:extLst>
           </p:cNvPr>
@@ -14863,7 +14897,7 @@
           <p:cNvPr id="9" name="TextBox 8">
             <a:extLst>
               <a:ext uri="{FF2B5EF4-FFF2-40B4-BE49-F238E27FC236}">
-                <a16:creationId xmlns:a16="http://schemas.microsoft.com/office/drawing/2014/main" id="{520CE7D2-3EB7-451F-864E-92C8F5034B56}"/>
+                <a16:creationId xmlns:a16="http://schemas.microsoft.com/office/drawing/2014/main" xmlns="" id="{520CE7D2-3EB7-451F-864E-92C8F5034B56}"/>
               </a:ext>
             </a:extLst>
           </p:cNvPr>
@@ -15055,7 +15089,7 @@
           <p:cNvPr id="27" name="Picture 26">
             <a:extLst>
               <a:ext uri="{FF2B5EF4-FFF2-40B4-BE49-F238E27FC236}">
-                <a16:creationId xmlns:a16="http://schemas.microsoft.com/office/drawing/2014/main" id="{014DE8E5-C0D1-418E-9371-B0BC3D66E2B6}"/>
+                <a16:creationId xmlns:a16="http://schemas.microsoft.com/office/drawing/2014/main" xmlns="" id="{014DE8E5-C0D1-418E-9371-B0BC3D66E2B6}"/>
               </a:ext>
             </a:extLst>
           </p:cNvPr>
@@ -15084,7 +15118,7 @@
           <p:cNvPr id="28" name="Straight Arrow Connector 27">
             <a:extLst>
               <a:ext uri="{FF2B5EF4-FFF2-40B4-BE49-F238E27FC236}">
-                <a16:creationId xmlns:a16="http://schemas.microsoft.com/office/drawing/2014/main" id="{FD2817FC-93C8-4E6D-96B7-592427721E36}"/>
+                <a16:creationId xmlns:a16="http://schemas.microsoft.com/office/drawing/2014/main" xmlns="" id="{FD2817FC-93C8-4E6D-96B7-592427721E36}"/>
               </a:ext>
             </a:extLst>
           </p:cNvPr>
@@ -15126,7 +15160,7 @@
     </p:spTree>
     <p:extLst>
       <p:ext uri="{BB962C8B-B14F-4D97-AF65-F5344CB8AC3E}">
-        <p14:creationId xmlns:p14="http://schemas.microsoft.com/office/powerpoint/2010/main" val="577337106"/>
+        <p14:creationId xmlns:p14="http://schemas.microsoft.com/office/powerpoint/2010/main" xmlns="" val="577337106"/>
       </p:ext>
     </p:extLst>
   </p:cSld>
@@ -15158,7 +15192,7 @@
           <p:cNvPr id="2" name="Title 1">
             <a:extLst>
               <a:ext uri="{FF2B5EF4-FFF2-40B4-BE49-F238E27FC236}">
-                <a16:creationId xmlns:a16="http://schemas.microsoft.com/office/drawing/2014/main" id="{1A29541F-A007-4277-BAD1-1991823EA0AC}"/>
+                <a16:creationId xmlns:a16="http://schemas.microsoft.com/office/drawing/2014/main" xmlns="" id="{1A29541F-A007-4277-BAD1-1991823EA0AC}"/>
               </a:ext>
             </a:extLst>
           </p:cNvPr>
@@ -15186,7 +15220,7 @@
           <p:cNvPr id="3" name="Subtitle 2">
             <a:extLst>
               <a:ext uri="{FF2B5EF4-FFF2-40B4-BE49-F238E27FC236}">
-                <a16:creationId xmlns:a16="http://schemas.microsoft.com/office/drawing/2014/main" id="{C4CADFE4-DF20-4C47-9CC4-D94438FD1126}"/>
+                <a16:creationId xmlns:a16="http://schemas.microsoft.com/office/drawing/2014/main" xmlns="" id="{C4CADFE4-DF20-4C47-9CC4-D94438FD1126}"/>
               </a:ext>
             </a:extLst>
           </p:cNvPr>
@@ -15209,7 +15243,7 @@
     </p:spTree>
     <p:extLst>
       <p:ext uri="{BB962C8B-B14F-4D97-AF65-F5344CB8AC3E}">
-        <p14:creationId xmlns:p14="http://schemas.microsoft.com/office/powerpoint/2010/main" val="3178464860"/>
+        <p14:creationId xmlns:p14="http://schemas.microsoft.com/office/powerpoint/2010/main" xmlns="" val="3178464860"/>
       </p:ext>
     </p:extLst>
   </p:cSld>
@@ -15241,7 +15275,7 @@
           <p:cNvPr id="2" name="Title 1">
             <a:extLst>
               <a:ext uri="{FF2B5EF4-FFF2-40B4-BE49-F238E27FC236}">
-                <a16:creationId xmlns:a16="http://schemas.microsoft.com/office/drawing/2014/main" id="{CE77486F-6A02-481C-91D3-23FDE87A42EE}"/>
+                <a16:creationId xmlns:a16="http://schemas.microsoft.com/office/drawing/2014/main" xmlns="" id="{CE77486F-6A02-481C-91D3-23FDE87A42EE}"/>
               </a:ext>
             </a:extLst>
           </p:cNvPr>
@@ -15276,7 +15310,7 @@
           <p:cNvPr id="4" name="TextBox 3">
             <a:extLst>
               <a:ext uri="{FF2B5EF4-FFF2-40B4-BE49-F238E27FC236}">
-                <a16:creationId xmlns:a16="http://schemas.microsoft.com/office/drawing/2014/main" id="{43334FE2-9634-4456-A02D-505E20E92A02}"/>
+                <a16:creationId xmlns:a16="http://schemas.microsoft.com/office/drawing/2014/main" xmlns="" id="{43334FE2-9634-4456-A02D-505E20E92A02}"/>
               </a:ext>
             </a:extLst>
           </p:cNvPr>
@@ -15382,7 +15416,7 @@
           <p:cNvPr id="6" name="TextBox 5">
             <a:extLst>
               <a:ext uri="{FF2B5EF4-FFF2-40B4-BE49-F238E27FC236}">
-                <a16:creationId xmlns:a16="http://schemas.microsoft.com/office/drawing/2014/main" id="{6C2B2059-A3BD-4862-80E9-42094D0C050F}"/>
+                <a16:creationId xmlns:a16="http://schemas.microsoft.com/office/drawing/2014/main" xmlns="" id="{6C2B2059-A3BD-4862-80E9-42094D0C050F}"/>
               </a:ext>
             </a:extLst>
           </p:cNvPr>
@@ -15424,7 +15458,7 @@
           <p:cNvPr id="7" name="Rectangle 1">
             <a:extLst>
               <a:ext uri="{FF2B5EF4-FFF2-40B4-BE49-F238E27FC236}">
-                <a16:creationId xmlns:a16="http://schemas.microsoft.com/office/drawing/2014/main" id="{8340CB73-A5C4-4587-A027-1128739688A1}"/>
+                <a16:creationId xmlns:a16="http://schemas.microsoft.com/office/drawing/2014/main" xmlns="" id="{8340CB73-A5C4-4587-A027-1128739688A1}"/>
               </a:ext>
             </a:extLst>
           </p:cNvPr>
@@ -15448,14 +15482,14 @@
           <a:effectLst/>
           <a:extLst>
             <a:ext uri="{909E8E84-426E-40DD-AFC4-6F175D3DCCD1}">
-              <a14:hiddenFill xmlns:a14="http://schemas.microsoft.com/office/drawing/2010/main">
+              <a14:hiddenFill xmlns:a14="http://schemas.microsoft.com/office/drawing/2010/main" xmlns="">
                 <a:solidFill>
                   <a:schemeClr val="accent1"/>
                 </a:solidFill>
               </a14:hiddenFill>
             </a:ext>
             <a:ext uri="{91240B29-F687-4F45-9708-019B960494DF}">
-              <a14:hiddenLine xmlns:a14="http://schemas.microsoft.com/office/drawing/2010/main" w="9525">
+              <a14:hiddenLine xmlns:a14="http://schemas.microsoft.com/office/drawing/2010/main" xmlns="" w="9525">
                 <a:solidFill>
                   <a:schemeClr val="tx1"/>
                 </a:solidFill>
@@ -15465,7 +15499,7 @@
               </a14:hiddenLine>
             </a:ext>
             <a:ext uri="{AF507438-7753-43E0-B8FC-AC1667EBCBE1}">
-              <a14:hiddenEffects xmlns:a14="http://schemas.microsoft.com/office/drawing/2010/main">
+              <a14:hiddenEffects xmlns:a14="http://schemas.microsoft.com/office/drawing/2010/main" xmlns="">
                 <a:effectLst>
                   <a:outerShdw dist="35921" dir="2700000" algn="ctr" rotWithShape="0">
                     <a:schemeClr val="bg2"/>
@@ -15682,7 +15716,7 @@
     </p:spTree>
     <p:extLst>
       <p:ext uri="{BB962C8B-B14F-4D97-AF65-F5344CB8AC3E}">
-        <p14:creationId xmlns:p14="http://schemas.microsoft.com/office/powerpoint/2010/main" val="1620174924"/>
+        <p14:creationId xmlns:p14="http://schemas.microsoft.com/office/powerpoint/2010/main" xmlns="" val="1620174924"/>
       </p:ext>
     </p:extLst>
   </p:cSld>
@@ -15714,7 +15748,7 @@
           <p:cNvPr id="3" name="Rectangle 1">
             <a:extLst>
               <a:ext uri="{FF2B5EF4-FFF2-40B4-BE49-F238E27FC236}">
-                <a16:creationId xmlns:a16="http://schemas.microsoft.com/office/drawing/2014/main" id="{8188F6D0-8AB8-475D-A2C8-7C1219AC05AE}"/>
+                <a16:creationId xmlns:a16="http://schemas.microsoft.com/office/drawing/2014/main" xmlns="" id="{8188F6D0-8AB8-475D-A2C8-7C1219AC05AE}"/>
               </a:ext>
             </a:extLst>
           </p:cNvPr>
@@ -15738,14 +15772,14 @@
           <a:effectLst/>
           <a:extLst>
             <a:ext uri="{909E8E84-426E-40DD-AFC4-6F175D3DCCD1}">
-              <a14:hiddenFill xmlns:a14="http://schemas.microsoft.com/office/drawing/2010/main">
+              <a14:hiddenFill xmlns:a14="http://schemas.microsoft.com/office/drawing/2010/main" xmlns="">
                 <a:solidFill>
                   <a:schemeClr val="accent1"/>
                 </a:solidFill>
               </a14:hiddenFill>
             </a:ext>
             <a:ext uri="{91240B29-F687-4F45-9708-019B960494DF}">
-              <a14:hiddenLine xmlns:a14="http://schemas.microsoft.com/office/drawing/2010/main" w="9525">
+              <a14:hiddenLine xmlns:a14="http://schemas.microsoft.com/office/drawing/2010/main" xmlns="" w="9525">
                 <a:solidFill>
                   <a:schemeClr val="tx1"/>
                 </a:solidFill>
@@ -15755,7 +15789,7 @@
               </a14:hiddenLine>
             </a:ext>
             <a:ext uri="{AF507438-7753-43E0-B8FC-AC1667EBCBE1}">
-              <a14:hiddenEffects xmlns:a14="http://schemas.microsoft.com/office/drawing/2010/main">
+              <a14:hiddenEffects xmlns:a14="http://schemas.microsoft.com/office/drawing/2010/main" xmlns="">
                 <a:effectLst>
                   <a:outerShdw dist="35921" dir="2700000" algn="ctr" rotWithShape="0">
                     <a:schemeClr val="bg2"/>
@@ -16279,7 +16313,7 @@
     </p:spTree>
     <p:extLst>
       <p:ext uri="{BB962C8B-B14F-4D97-AF65-F5344CB8AC3E}">
-        <p14:creationId xmlns:p14="http://schemas.microsoft.com/office/powerpoint/2010/main" val="3919782850"/>
+        <p14:creationId xmlns:p14="http://schemas.microsoft.com/office/powerpoint/2010/main" xmlns="" val="3919782850"/>
       </p:ext>
     </p:extLst>
   </p:cSld>
@@ -16308,35 +16342,10 @@
       </p:grpSpPr>
       <p:sp>
         <p:nvSpPr>
-          <p:cNvPr id="2" name="Title 1">
-            <a:extLst>
-              <a:ext uri="{FF2B5EF4-FFF2-40B4-BE49-F238E27FC236}">
-                <a16:creationId xmlns:a16="http://schemas.microsoft.com/office/drawing/2014/main" id="{E5C56E6C-2552-462E-88B3-06EA253E3D64}"/>
-              </a:ext>
-            </a:extLst>
-          </p:cNvPr>
-          <p:cNvSpPr>
-            <a:spLocks noGrp="1"/>
-          </p:cNvSpPr>
-          <p:nvPr>
-            <p:ph type="title"/>
-          </p:nvPr>
-        </p:nvSpPr>
-        <p:spPr/>
-        <p:txBody>
-          <a:bodyPr/>
-          <a:lstStyle/>
-          <a:p>
-            <a:endParaRPr lang="en-IN"/>
-          </a:p>
-        </p:txBody>
-      </p:sp>
-      <p:sp>
-        <p:nvSpPr>
           <p:cNvPr id="3" name="Rectangle 1">
             <a:extLst>
               <a:ext uri="{FF2B5EF4-FFF2-40B4-BE49-F238E27FC236}">
-                <a16:creationId xmlns:a16="http://schemas.microsoft.com/office/drawing/2014/main" id="{7CF968C8-2EF2-4CAA-8488-2EAE63C28BE7}"/>
+                <a16:creationId xmlns:a16="http://schemas.microsoft.com/office/drawing/2014/main" xmlns="" id="{7CF968C8-2EF2-4CAA-8488-2EAE63C28BE7}"/>
               </a:ext>
             </a:extLst>
           </p:cNvPr>
@@ -16360,14 +16369,14 @@
           <a:effectLst/>
           <a:extLst>
             <a:ext uri="{909E8E84-426E-40DD-AFC4-6F175D3DCCD1}">
-              <a14:hiddenFill xmlns:a14="http://schemas.microsoft.com/office/drawing/2010/main">
+              <a14:hiddenFill xmlns:a14="http://schemas.microsoft.com/office/drawing/2010/main" xmlns="">
                 <a:solidFill>
                   <a:schemeClr val="accent1"/>
                 </a:solidFill>
               </a14:hiddenFill>
             </a:ext>
             <a:ext uri="{91240B29-F687-4F45-9708-019B960494DF}">
-              <a14:hiddenLine xmlns:a14="http://schemas.microsoft.com/office/drawing/2010/main" w="9525">
+              <a14:hiddenLine xmlns:a14="http://schemas.microsoft.com/office/drawing/2010/main" xmlns="" w="9525">
                 <a:solidFill>
                   <a:schemeClr val="tx1"/>
                 </a:solidFill>
@@ -16377,7 +16386,7 @@
               </a14:hiddenLine>
             </a:ext>
             <a:ext uri="{AF507438-7753-43E0-B8FC-AC1667EBCBE1}">
-              <a14:hiddenEffects xmlns:a14="http://schemas.microsoft.com/office/drawing/2010/main">
+              <a14:hiddenEffects xmlns:a14="http://schemas.microsoft.com/office/drawing/2010/main" xmlns="">
                 <a:effectLst>
                   <a:outerShdw dist="35921" dir="2700000" algn="ctr" rotWithShape="0">
                     <a:schemeClr val="bg2"/>
@@ -16999,7 +17008,7 @@
     </p:spTree>
     <p:extLst>
       <p:ext uri="{BB962C8B-B14F-4D97-AF65-F5344CB8AC3E}">
-        <p14:creationId xmlns:p14="http://schemas.microsoft.com/office/powerpoint/2010/main" val="4219578756"/>
+        <p14:creationId xmlns:p14="http://schemas.microsoft.com/office/powerpoint/2010/main" xmlns="" val="4219578756"/>
       </p:ext>
     </p:extLst>
   </p:cSld>
@@ -17031,7 +17040,7 @@
           <p:cNvPr id="2" name="Title 1">
             <a:extLst>
               <a:ext uri="{FF2B5EF4-FFF2-40B4-BE49-F238E27FC236}">
-                <a16:creationId xmlns:a16="http://schemas.microsoft.com/office/drawing/2014/main" id="{D4E622E6-C2F3-44DA-BFF1-85820440B91E}"/>
+                <a16:creationId xmlns:a16="http://schemas.microsoft.com/office/drawing/2014/main" xmlns="" id="{D4E622E6-C2F3-44DA-BFF1-85820440B91E}"/>
               </a:ext>
             </a:extLst>
           </p:cNvPr>
@@ -17063,7 +17072,7 @@
           <p:cNvPr id="3" name="Subtitle 2">
             <a:extLst>
               <a:ext uri="{FF2B5EF4-FFF2-40B4-BE49-F238E27FC236}">
-                <a16:creationId xmlns:a16="http://schemas.microsoft.com/office/drawing/2014/main" id="{8DFD0D7A-02B4-4EED-8A8C-6BF92761D8F4}"/>
+                <a16:creationId xmlns:a16="http://schemas.microsoft.com/office/drawing/2014/main" xmlns="" id="{8DFD0D7A-02B4-4EED-8A8C-6BF92761D8F4}"/>
               </a:ext>
             </a:extLst>
           </p:cNvPr>
@@ -17092,7 +17101,7 @@
     </p:spTree>
     <p:extLst>
       <p:ext uri="{BB962C8B-B14F-4D97-AF65-F5344CB8AC3E}">
-        <p14:creationId xmlns:p14="http://schemas.microsoft.com/office/powerpoint/2010/main" val="3526995743"/>
+        <p14:creationId xmlns:p14="http://schemas.microsoft.com/office/powerpoint/2010/main" xmlns="" val="3526995743"/>
       </p:ext>
     </p:extLst>
   </p:cSld>
@@ -17124,7 +17133,7 @@
           <p:cNvPr id="2" name="Title 1">
             <a:extLst>
               <a:ext uri="{FF2B5EF4-FFF2-40B4-BE49-F238E27FC236}">
-                <a16:creationId xmlns:a16="http://schemas.microsoft.com/office/drawing/2014/main" id="{426EEFDC-790E-4E47-A515-1EBCF1F2F2CD}"/>
+                <a16:creationId xmlns:a16="http://schemas.microsoft.com/office/drawing/2014/main" xmlns="" id="{426EEFDC-790E-4E47-A515-1EBCF1F2F2CD}"/>
               </a:ext>
             </a:extLst>
           </p:cNvPr>
@@ -17152,7 +17161,7 @@
           <p:cNvPr id="16" name="Content Placeholder 15">
             <a:extLst>
               <a:ext uri="{FF2B5EF4-FFF2-40B4-BE49-F238E27FC236}">
-                <a16:creationId xmlns:a16="http://schemas.microsoft.com/office/drawing/2014/main" id="{C110FDCF-2EC3-46D4-A98B-824D58833898}"/>
+                <a16:creationId xmlns:a16="http://schemas.microsoft.com/office/drawing/2014/main" xmlns="" id="{C110FDCF-2EC3-46D4-A98B-824D58833898}"/>
               </a:ext>
             </a:extLst>
           </p:cNvPr>
@@ -17393,7 +17402,7 @@
     </p:spTree>
     <p:extLst>
       <p:ext uri="{BB962C8B-B14F-4D97-AF65-F5344CB8AC3E}">
-        <p14:creationId xmlns:p14="http://schemas.microsoft.com/office/powerpoint/2010/main" val="200134535"/>
+        <p14:creationId xmlns:p14="http://schemas.microsoft.com/office/powerpoint/2010/main" xmlns="" val="200134535"/>
       </p:ext>
     </p:extLst>
   </p:cSld>
@@ -17425,7 +17434,7 @@
           <p:cNvPr id="2" name="Title 1">
             <a:extLst>
               <a:ext uri="{FF2B5EF4-FFF2-40B4-BE49-F238E27FC236}">
-                <a16:creationId xmlns:a16="http://schemas.microsoft.com/office/drawing/2014/main" id="{426EEFDC-790E-4E47-A515-1EBCF1F2F2CD}"/>
+                <a16:creationId xmlns:a16="http://schemas.microsoft.com/office/drawing/2014/main" xmlns="" id="{426EEFDC-790E-4E47-A515-1EBCF1F2F2CD}"/>
               </a:ext>
             </a:extLst>
           </p:cNvPr>
@@ -17453,7 +17462,7 @@
           <p:cNvPr id="16" name="Content Placeholder 15">
             <a:extLst>
               <a:ext uri="{FF2B5EF4-FFF2-40B4-BE49-F238E27FC236}">
-                <a16:creationId xmlns:a16="http://schemas.microsoft.com/office/drawing/2014/main" id="{C110FDCF-2EC3-46D4-A98B-824D58833898}"/>
+                <a16:creationId xmlns:a16="http://schemas.microsoft.com/office/drawing/2014/main" xmlns="" id="{C110FDCF-2EC3-46D4-A98B-824D58833898}"/>
               </a:ext>
             </a:extLst>
           </p:cNvPr>
@@ -17694,7 +17703,7 @@
     </p:spTree>
     <p:extLst>
       <p:ext uri="{BB962C8B-B14F-4D97-AF65-F5344CB8AC3E}">
-        <p14:creationId xmlns:p14="http://schemas.microsoft.com/office/powerpoint/2010/main" val="1947663124"/>
+        <p14:creationId xmlns:p14="http://schemas.microsoft.com/office/powerpoint/2010/main" xmlns="" val="1947663124"/>
       </p:ext>
     </p:extLst>
   </p:cSld>
@@ -17726,7 +17735,7 @@
           <p:cNvPr id="2" name="Title 1">
             <a:extLst>
               <a:ext uri="{FF2B5EF4-FFF2-40B4-BE49-F238E27FC236}">
-                <a16:creationId xmlns:a16="http://schemas.microsoft.com/office/drawing/2014/main" id="{45F33AFC-C220-4038-ACF0-E5D4B3B57FD0}"/>
+                <a16:creationId xmlns:a16="http://schemas.microsoft.com/office/drawing/2014/main" xmlns="" id="{45F33AFC-C220-4038-ACF0-E5D4B3B57FD0}"/>
               </a:ext>
             </a:extLst>
           </p:cNvPr>
@@ -17758,7 +17767,7 @@
           <p:cNvPr id="4" name="Content Placeholder 3">
             <a:extLst>
               <a:ext uri="{FF2B5EF4-FFF2-40B4-BE49-F238E27FC236}">
-                <a16:creationId xmlns:a16="http://schemas.microsoft.com/office/drawing/2014/main" id="{0146DD26-E59E-4BAA-A74F-05E44312CC29}"/>
+                <a16:creationId xmlns:a16="http://schemas.microsoft.com/office/drawing/2014/main" xmlns="" id="{0146DD26-E59E-4BAA-A74F-05E44312CC29}"/>
               </a:ext>
             </a:extLst>
           </p:cNvPr>
@@ -17978,7 +17987,7 @@
     </p:spTree>
     <p:extLst>
       <p:ext uri="{BB962C8B-B14F-4D97-AF65-F5344CB8AC3E}">
-        <p14:creationId xmlns:p14="http://schemas.microsoft.com/office/powerpoint/2010/main" val="3113969711"/>
+        <p14:creationId xmlns:p14="http://schemas.microsoft.com/office/powerpoint/2010/main" xmlns="" val="3113969711"/>
       </p:ext>
     </p:extLst>
   </p:cSld>
@@ -18010,7 +18019,7 @@
           <p:cNvPr id="2" name="Title 1">
             <a:extLst>
               <a:ext uri="{FF2B5EF4-FFF2-40B4-BE49-F238E27FC236}">
-                <a16:creationId xmlns:a16="http://schemas.microsoft.com/office/drawing/2014/main" id="{45F33AFC-C220-4038-ACF0-E5D4B3B57FD0}"/>
+                <a16:creationId xmlns:a16="http://schemas.microsoft.com/office/drawing/2014/main" xmlns="" id="{45F33AFC-C220-4038-ACF0-E5D4B3B57FD0}"/>
               </a:ext>
             </a:extLst>
           </p:cNvPr>
@@ -18043,7 +18052,7 @@
           <p:cNvPr id="4" name="Content Placeholder 3">
             <a:extLst>
               <a:ext uri="{FF2B5EF4-FFF2-40B4-BE49-F238E27FC236}">
-                <a16:creationId xmlns:a16="http://schemas.microsoft.com/office/drawing/2014/main" id="{0146DD26-E59E-4BAA-A74F-05E44312CC29}"/>
+                <a16:creationId xmlns:a16="http://schemas.microsoft.com/office/drawing/2014/main" xmlns="" id="{0146DD26-E59E-4BAA-A74F-05E44312CC29}"/>
               </a:ext>
             </a:extLst>
           </p:cNvPr>
@@ -18286,7 +18295,7 @@
     </p:spTree>
     <p:extLst>
       <p:ext uri="{BB962C8B-B14F-4D97-AF65-F5344CB8AC3E}">
-        <p14:creationId xmlns:p14="http://schemas.microsoft.com/office/powerpoint/2010/main" val="2967395188"/>
+        <p14:creationId xmlns:p14="http://schemas.microsoft.com/office/powerpoint/2010/main" xmlns="" val="2967395188"/>
       </p:ext>
     </p:extLst>
   </p:cSld>
@@ -18318,7 +18327,7 @@
           <p:cNvPr id="2" name="Title 1">
             <a:extLst>
               <a:ext uri="{FF2B5EF4-FFF2-40B4-BE49-F238E27FC236}">
-                <a16:creationId xmlns:a16="http://schemas.microsoft.com/office/drawing/2014/main" id="{45F33AFC-C220-4038-ACF0-E5D4B3B57FD0}"/>
+                <a16:creationId xmlns:a16="http://schemas.microsoft.com/office/drawing/2014/main" xmlns="" id="{45F33AFC-C220-4038-ACF0-E5D4B3B57FD0}"/>
               </a:ext>
             </a:extLst>
           </p:cNvPr>
@@ -18350,7 +18359,7 @@
           <p:cNvPr id="4" name="Content Placeholder 3">
             <a:extLst>
               <a:ext uri="{FF2B5EF4-FFF2-40B4-BE49-F238E27FC236}">
-                <a16:creationId xmlns:a16="http://schemas.microsoft.com/office/drawing/2014/main" id="{0146DD26-E59E-4BAA-A74F-05E44312CC29}"/>
+                <a16:creationId xmlns:a16="http://schemas.microsoft.com/office/drawing/2014/main" xmlns="" id="{0146DD26-E59E-4BAA-A74F-05E44312CC29}"/>
               </a:ext>
             </a:extLst>
           </p:cNvPr>
@@ -18492,7 +18501,7 @@
     </p:spTree>
     <p:extLst>
       <p:ext uri="{BB962C8B-B14F-4D97-AF65-F5344CB8AC3E}">
-        <p14:creationId xmlns:p14="http://schemas.microsoft.com/office/powerpoint/2010/main" val="1580679019"/>
+        <p14:creationId xmlns:p14="http://schemas.microsoft.com/office/powerpoint/2010/main" xmlns="" val="1580679019"/>
       </p:ext>
     </p:extLst>
   </p:cSld>
@@ -18524,7 +18533,7 @@
           <p:cNvPr id="2" name="Title 1">
             <a:extLst>
               <a:ext uri="{FF2B5EF4-FFF2-40B4-BE49-F238E27FC236}">
-                <a16:creationId xmlns:a16="http://schemas.microsoft.com/office/drawing/2014/main" id="{45F33AFC-C220-4038-ACF0-E5D4B3B57FD0}"/>
+                <a16:creationId xmlns:a16="http://schemas.microsoft.com/office/drawing/2014/main" xmlns="" id="{45F33AFC-C220-4038-ACF0-E5D4B3B57FD0}"/>
               </a:ext>
             </a:extLst>
           </p:cNvPr>
@@ -18556,7 +18565,7 @@
           <p:cNvPr id="4" name="Content Placeholder 3">
             <a:extLst>
               <a:ext uri="{FF2B5EF4-FFF2-40B4-BE49-F238E27FC236}">
-                <a16:creationId xmlns:a16="http://schemas.microsoft.com/office/drawing/2014/main" id="{0146DD26-E59E-4BAA-A74F-05E44312CC29}"/>
+                <a16:creationId xmlns:a16="http://schemas.microsoft.com/office/drawing/2014/main" xmlns="" id="{0146DD26-E59E-4BAA-A74F-05E44312CC29}"/>
               </a:ext>
             </a:extLst>
           </p:cNvPr>
@@ -18698,7 +18707,7 @@
     </p:spTree>
     <p:extLst>
       <p:ext uri="{BB962C8B-B14F-4D97-AF65-F5344CB8AC3E}">
-        <p14:creationId xmlns:p14="http://schemas.microsoft.com/office/powerpoint/2010/main" val="1627260868"/>
+        <p14:creationId xmlns:p14="http://schemas.microsoft.com/office/powerpoint/2010/main" xmlns="" val="1627260868"/>
       </p:ext>
     </p:extLst>
   </p:cSld>
@@ -18730,7 +18739,7 @@
           <p:cNvPr id="2" name="Title 1">
             <a:extLst>
               <a:ext uri="{FF2B5EF4-FFF2-40B4-BE49-F238E27FC236}">
-                <a16:creationId xmlns:a16="http://schemas.microsoft.com/office/drawing/2014/main" id="{45F33AFC-C220-4038-ACF0-E5D4B3B57FD0}"/>
+                <a16:creationId xmlns:a16="http://schemas.microsoft.com/office/drawing/2014/main" xmlns="" id="{45F33AFC-C220-4038-ACF0-E5D4B3B57FD0}"/>
               </a:ext>
             </a:extLst>
           </p:cNvPr>
@@ -18756,6 +18765,13 @@
               </a:rPr>
               <a:t>ngOnChanges</a:t>
             </a:r>
+            <a:r>
+              <a:rPr lang="en-IN" b="1" i="0" dirty="0">
+                <a:effectLst/>
+                <a:latin typeface="-apple-system"/>
+              </a:rPr>
+              <a:t/>
+            </a:r>
             <a:br>
               <a:rPr lang="en-IN" b="1" i="0" dirty="0">
                 <a:effectLst/>
@@ -18774,7 +18790,7 @@
           <p:cNvPr id="7" name="Rectangle 2">
             <a:extLst>
               <a:ext uri="{FF2B5EF4-FFF2-40B4-BE49-F238E27FC236}">
-                <a16:creationId xmlns:a16="http://schemas.microsoft.com/office/drawing/2014/main" id="{5E977C78-17C5-42FD-88DC-41DC3E284715}"/>
+                <a16:creationId xmlns:a16="http://schemas.microsoft.com/office/drawing/2014/main" xmlns="" id="{5E977C78-17C5-42FD-88DC-41DC3E284715}"/>
               </a:ext>
             </a:extLst>
           </p:cNvPr>
@@ -18802,7 +18818,7 @@
           <a:effectLst/>
           <a:extLst>
             <a:ext uri="{91240B29-F687-4F45-9708-019B960494DF}">
-              <a14:hiddenLine xmlns:a14="http://schemas.microsoft.com/office/drawing/2010/main" w="9525">
+              <a14:hiddenLine xmlns:a14="http://schemas.microsoft.com/office/drawing/2010/main" xmlns="" w="9525">
                 <a:solidFill>
                   <a:schemeClr val="tx1"/>
                 </a:solidFill>
@@ -18812,7 +18828,7 @@
               </a14:hiddenLine>
             </a:ext>
             <a:ext uri="{AF507438-7753-43E0-B8FC-AC1667EBCBE1}">
-              <a14:hiddenEffects xmlns:a14="http://schemas.microsoft.com/office/drawing/2010/main">
+              <a14:hiddenEffects xmlns:a14="http://schemas.microsoft.com/office/drawing/2010/main" xmlns="">
                 <a:effectLst>
                   <a:outerShdw dist="35921" dir="2700000" algn="ctr" rotWithShape="0">
                     <a:schemeClr val="bg2"/>
@@ -19517,7 +19533,7 @@
     </p:spTree>
     <p:extLst>
       <p:ext uri="{BB962C8B-B14F-4D97-AF65-F5344CB8AC3E}">
-        <p14:creationId xmlns:p14="http://schemas.microsoft.com/office/powerpoint/2010/main" val="3451464090"/>
+        <p14:creationId xmlns:p14="http://schemas.microsoft.com/office/powerpoint/2010/main" xmlns="" val="3451464090"/>
       </p:ext>
     </p:extLst>
   </p:cSld>
@@ -19549,7 +19565,7 @@
           <p:cNvPr id="2" name="Title 1">
             <a:extLst>
               <a:ext uri="{FF2B5EF4-FFF2-40B4-BE49-F238E27FC236}">
-                <a16:creationId xmlns:a16="http://schemas.microsoft.com/office/drawing/2014/main" id="{45F33AFC-C220-4038-ACF0-E5D4B3B57FD0}"/>
+                <a16:creationId xmlns:a16="http://schemas.microsoft.com/office/drawing/2014/main" xmlns="" id="{45F33AFC-C220-4038-ACF0-E5D4B3B57FD0}"/>
               </a:ext>
             </a:extLst>
           </p:cNvPr>
@@ -19575,6 +19591,13 @@
               </a:rPr>
               <a:t>ngOnInit</a:t>
             </a:r>
+            <a:r>
+              <a:rPr lang="en-IN" b="1" i="0" dirty="0">
+                <a:effectLst/>
+                <a:latin typeface="-apple-system"/>
+              </a:rPr>
+              <a:t/>
+            </a:r>
             <a:br>
               <a:rPr lang="en-IN" b="1" i="0" dirty="0">
                 <a:effectLst/>
@@ -19593,7 +19616,7 @@
           <p:cNvPr id="5" name="Content Placeholder 4">
             <a:extLst>
               <a:ext uri="{FF2B5EF4-FFF2-40B4-BE49-F238E27FC236}">
-                <a16:creationId xmlns:a16="http://schemas.microsoft.com/office/drawing/2014/main" id="{BB845241-0596-4EC1-9292-A99055375038}"/>
+                <a16:creationId xmlns:a16="http://schemas.microsoft.com/office/drawing/2014/main" xmlns="" id="{BB845241-0596-4EC1-9292-A99055375038}"/>
               </a:ext>
             </a:extLst>
           </p:cNvPr>
@@ -19834,7 +19857,7 @@
     </p:spTree>
     <p:extLst>
       <p:ext uri="{BB962C8B-B14F-4D97-AF65-F5344CB8AC3E}">
-        <p14:creationId xmlns:p14="http://schemas.microsoft.com/office/powerpoint/2010/main" val="1160760861"/>
+        <p14:creationId xmlns:p14="http://schemas.microsoft.com/office/powerpoint/2010/main" xmlns="" val="1160760861"/>
       </p:ext>
     </p:extLst>
   </p:cSld>
@@ -19866,7 +19889,7 @@
           <p:cNvPr id="2" name="Title 1">
             <a:extLst>
               <a:ext uri="{FF2B5EF4-FFF2-40B4-BE49-F238E27FC236}">
-                <a16:creationId xmlns:a16="http://schemas.microsoft.com/office/drawing/2014/main" id="{45F33AFC-C220-4038-ACF0-E5D4B3B57FD0}"/>
+                <a16:creationId xmlns:a16="http://schemas.microsoft.com/office/drawing/2014/main" xmlns="" id="{45F33AFC-C220-4038-ACF0-E5D4B3B57FD0}"/>
               </a:ext>
             </a:extLst>
           </p:cNvPr>
@@ -19892,6 +19915,13 @@
               </a:rPr>
               <a:t>ngDoCheck</a:t>
             </a:r>
+            <a:r>
+              <a:rPr lang="en-IN" b="1" i="0" dirty="0">
+                <a:effectLst/>
+                <a:latin typeface="-apple-system"/>
+              </a:rPr>
+              <a:t/>
+            </a:r>
             <a:br>
               <a:rPr lang="en-IN" b="1" i="0" dirty="0">
                 <a:effectLst/>
@@ -19910,7 +19940,7 @@
           <p:cNvPr id="5" name="Content Placeholder 4">
             <a:extLst>
               <a:ext uri="{FF2B5EF4-FFF2-40B4-BE49-F238E27FC236}">
-                <a16:creationId xmlns:a16="http://schemas.microsoft.com/office/drawing/2014/main" id="{BB845241-0596-4EC1-9292-A99055375038}"/>
+                <a16:creationId xmlns:a16="http://schemas.microsoft.com/office/drawing/2014/main" xmlns="" id="{BB845241-0596-4EC1-9292-A99055375038}"/>
               </a:ext>
             </a:extLst>
           </p:cNvPr>
@@ -20029,7 +20059,7 @@
           <p:cNvPr id="3" name="Rectangle 1">
             <a:extLst>
               <a:ext uri="{FF2B5EF4-FFF2-40B4-BE49-F238E27FC236}">
-                <a16:creationId xmlns:a16="http://schemas.microsoft.com/office/drawing/2014/main" id="{32995CD7-6F45-4823-928B-968384D32142}"/>
+                <a16:creationId xmlns:a16="http://schemas.microsoft.com/office/drawing/2014/main" xmlns="" id="{32995CD7-6F45-4823-928B-968384D32142}"/>
               </a:ext>
             </a:extLst>
           </p:cNvPr>
@@ -20055,7 +20085,7 @@
           <a:effectLst/>
           <a:extLst>
             <a:ext uri="{91240B29-F687-4F45-9708-019B960494DF}">
-              <a14:hiddenLine xmlns:a14="http://schemas.microsoft.com/office/drawing/2010/main" w="9525">
+              <a14:hiddenLine xmlns:a14="http://schemas.microsoft.com/office/drawing/2010/main" xmlns="" w="9525">
                 <a:solidFill>
                   <a:schemeClr val="tx1"/>
                 </a:solidFill>
@@ -20065,7 +20095,7 @@
               </a14:hiddenLine>
             </a:ext>
             <a:ext uri="{AF507438-7753-43E0-B8FC-AC1667EBCBE1}">
-              <a14:hiddenEffects xmlns:a14="http://schemas.microsoft.com/office/drawing/2010/main">
+              <a14:hiddenEffects xmlns:a14="http://schemas.microsoft.com/office/drawing/2010/main" xmlns="">
                 <a:effectLst>
                   <a:outerShdw dist="35921" dir="2700000" algn="ctr" rotWithShape="0">
                     <a:schemeClr val="bg2"/>
@@ -20343,7 +20373,7 @@
                 </a:solidFill>
                 <a:effectLst/>
                 <a:latin typeface="-apple-system"/>
-                <a:hlinkClick r:id="rId5"/>
+                <a:hlinkClick r:id="rId3"/>
               </a:rPr>
               <a:t>does not detect all the changes made to the input properties</a:t>
             </a:r>
@@ -20376,7 +20406,7 @@
     </p:spTree>
     <p:extLst>
       <p:ext uri="{BB962C8B-B14F-4D97-AF65-F5344CB8AC3E}">
-        <p14:creationId xmlns:p14="http://schemas.microsoft.com/office/powerpoint/2010/main" val="3432431691"/>
+        <p14:creationId xmlns:p14="http://schemas.microsoft.com/office/powerpoint/2010/main" xmlns="" val="3432431691"/>
       </p:ext>
     </p:extLst>
   </p:cSld>
@@ -20408,7 +20438,7 @@
           <p:cNvPr id="2" name="Title 1">
             <a:extLst>
               <a:ext uri="{FF2B5EF4-FFF2-40B4-BE49-F238E27FC236}">
-                <a16:creationId xmlns:a16="http://schemas.microsoft.com/office/drawing/2014/main" id="{45F33AFC-C220-4038-ACF0-E5D4B3B57FD0}"/>
+                <a16:creationId xmlns:a16="http://schemas.microsoft.com/office/drawing/2014/main" xmlns="" id="{45F33AFC-C220-4038-ACF0-E5D4B3B57FD0}"/>
               </a:ext>
             </a:extLst>
           </p:cNvPr>
@@ -20439,6 +20469,13 @@
               </a:rPr>
               <a:t>ngAfterContentInit</a:t>
             </a:r>
+            <a:r>
+              <a:rPr lang="en-IN" b="1" i="0" dirty="0">
+                <a:effectLst/>
+                <a:latin typeface="-apple-system"/>
+              </a:rPr>
+              <a:t/>
+            </a:r>
             <a:br>
               <a:rPr lang="en-IN" b="1" i="0" dirty="0">
                 <a:effectLst/>
@@ -20457,7 +20494,7 @@
           <p:cNvPr id="5" name="Content Placeholder 4">
             <a:extLst>
               <a:ext uri="{FF2B5EF4-FFF2-40B4-BE49-F238E27FC236}">
-                <a16:creationId xmlns:a16="http://schemas.microsoft.com/office/drawing/2014/main" id="{BB845241-0596-4EC1-9292-A99055375038}"/>
+                <a16:creationId xmlns:a16="http://schemas.microsoft.com/office/drawing/2014/main" xmlns="" id="{BB845241-0596-4EC1-9292-A99055375038}"/>
               </a:ext>
             </a:extLst>
           </p:cNvPr>
@@ -21363,7 +21400,7 @@
     </p:spTree>
     <p:extLst>
       <p:ext uri="{BB962C8B-B14F-4D97-AF65-F5344CB8AC3E}">
-        <p14:creationId xmlns:p14="http://schemas.microsoft.com/office/powerpoint/2010/main" val="1270675655"/>
+        <p14:creationId xmlns:p14="http://schemas.microsoft.com/office/powerpoint/2010/main" xmlns="" val="1270675655"/>
       </p:ext>
     </p:extLst>
   </p:cSld>
@@ -21395,7 +21432,7 @@
           <p:cNvPr id="2" name="Title 1">
             <a:extLst>
               <a:ext uri="{FF2B5EF4-FFF2-40B4-BE49-F238E27FC236}">
-                <a16:creationId xmlns:a16="http://schemas.microsoft.com/office/drawing/2014/main" id="{45F33AFC-C220-4038-ACF0-E5D4B3B57FD0}"/>
+                <a16:creationId xmlns:a16="http://schemas.microsoft.com/office/drawing/2014/main" xmlns="" id="{45F33AFC-C220-4038-ACF0-E5D4B3B57FD0}"/>
               </a:ext>
             </a:extLst>
           </p:cNvPr>
@@ -21414,6 +21451,13 @@
           <a:lstStyle/>
           <a:p>
             <a:pPr fontAlgn="base"/>
+            <a:r>
+              <a:rPr lang="en-IN" b="1" i="0" dirty="0">
+                <a:effectLst/>
+                <a:latin typeface="-apple-system"/>
+              </a:rPr>
+              <a:t/>
+            </a:r>
             <a:br>
               <a:rPr lang="en-IN" b="1" i="0" dirty="0">
                 <a:effectLst/>
@@ -21432,7 +21476,7 @@
           <p:cNvPr id="4" name="Content Placeholder 3">
             <a:extLst>
               <a:ext uri="{FF2B5EF4-FFF2-40B4-BE49-F238E27FC236}">
-                <a16:creationId xmlns:a16="http://schemas.microsoft.com/office/drawing/2014/main" id="{AE0E6C1F-1F71-4AB7-A27C-D794E989F8D4}"/>
+                <a16:creationId xmlns:a16="http://schemas.microsoft.com/office/drawing/2014/main" xmlns="" id="{AE0E6C1F-1F71-4AB7-A27C-D794E989F8D4}"/>
               </a:ext>
             </a:extLst>
           </p:cNvPr>
@@ -21614,7 +21658,7 @@
           <p:cNvPr id="7" name="TextBox 6">
             <a:extLst>
               <a:ext uri="{FF2B5EF4-FFF2-40B4-BE49-F238E27FC236}">
-                <a16:creationId xmlns:a16="http://schemas.microsoft.com/office/drawing/2014/main" id="{110413D0-4101-49CA-B621-BE8BF391A7AC}"/>
+                <a16:creationId xmlns:a16="http://schemas.microsoft.com/office/drawing/2014/main" xmlns="" id="{110413D0-4101-49CA-B621-BE8BF391A7AC}"/>
               </a:ext>
             </a:extLst>
           </p:cNvPr>
@@ -21655,7 +21699,7 @@
     </p:spTree>
     <p:extLst>
       <p:ext uri="{BB962C8B-B14F-4D97-AF65-F5344CB8AC3E}">
-        <p14:creationId xmlns:p14="http://schemas.microsoft.com/office/powerpoint/2010/main" val="1583689814"/>
+        <p14:creationId xmlns:p14="http://schemas.microsoft.com/office/powerpoint/2010/main" xmlns="" val="1583689814"/>
       </p:ext>
     </p:extLst>
   </p:cSld>
@@ -21687,7 +21731,7 @@
           <p:cNvPr id="2" name="Title 1">
             <a:extLst>
               <a:ext uri="{FF2B5EF4-FFF2-40B4-BE49-F238E27FC236}">
-                <a16:creationId xmlns:a16="http://schemas.microsoft.com/office/drawing/2014/main" id="{45F33AFC-C220-4038-ACF0-E5D4B3B57FD0}"/>
+                <a16:creationId xmlns:a16="http://schemas.microsoft.com/office/drawing/2014/main" xmlns="" id="{45F33AFC-C220-4038-ACF0-E5D4B3B57FD0}"/>
               </a:ext>
             </a:extLst>
           </p:cNvPr>
@@ -21721,7 +21765,7 @@
           <p:cNvPr id="6" name="Rectangle 1">
             <a:extLst>
               <a:ext uri="{FF2B5EF4-FFF2-40B4-BE49-F238E27FC236}">
-                <a16:creationId xmlns:a16="http://schemas.microsoft.com/office/drawing/2014/main" id="{9205F0E0-F8EE-441F-82E4-899ADAF60E97}"/>
+                <a16:creationId xmlns:a16="http://schemas.microsoft.com/office/drawing/2014/main" xmlns="" id="{9205F0E0-F8EE-441F-82E4-899ADAF60E97}"/>
               </a:ext>
             </a:extLst>
           </p:cNvPr>
@@ -21749,7 +21793,7 @@
           <a:effectLst/>
           <a:extLst>
             <a:ext uri="{91240B29-F687-4F45-9708-019B960494DF}">
-              <a14:hiddenLine xmlns:a14="http://schemas.microsoft.com/office/drawing/2010/main" w="9525">
+              <a14:hiddenLine xmlns:a14="http://schemas.microsoft.com/office/drawing/2010/main" xmlns="" w="9525">
                 <a:solidFill>
                   <a:schemeClr val="tx1"/>
                 </a:solidFill>
@@ -21759,7 +21803,7 @@
               </a14:hiddenLine>
             </a:ext>
             <a:ext uri="{AF507438-7753-43E0-B8FC-AC1667EBCBE1}">
-              <a14:hiddenEffects xmlns:a14="http://schemas.microsoft.com/office/drawing/2010/main">
+              <a14:hiddenEffects xmlns:a14="http://schemas.microsoft.com/office/drawing/2010/main" xmlns="">
                 <a:effectLst>
                   <a:outerShdw dist="35921" dir="2700000" algn="ctr" rotWithShape="0">
                     <a:schemeClr val="bg2"/>
@@ -22125,6 +22169,19 @@
               <a:buNone/>
               <a:tabLst/>
             </a:pPr>
+            <a:r>
+              <a:rPr kumimoji="0" lang="en-US" altLang="en-US" sz="1300" b="0" i="0" u="none" strike="noStrike" cap="none" normalizeH="0" baseline="0" dirty="0">
+                <a:ln>
+                  <a:noFill/>
+                </a:ln>
+                <a:solidFill>
+                  <a:srgbClr val="000000"/>
+                </a:solidFill>
+                <a:effectLst/>
+                <a:latin typeface="-apple-system"/>
+              </a:rPr>
+              <a:t/>
+            </a:r>
             <a:br>
               <a:rPr kumimoji="0" lang="en-US" altLang="en-US" sz="1300" b="0" i="0" u="none" strike="noStrike" cap="none" normalizeH="0" baseline="0" dirty="0">
                 <a:ln>
@@ -22153,7 +22210,7 @@
     </p:spTree>
     <p:extLst>
       <p:ext uri="{BB962C8B-B14F-4D97-AF65-F5344CB8AC3E}">
-        <p14:creationId xmlns:p14="http://schemas.microsoft.com/office/powerpoint/2010/main" val="3076771090"/>
+        <p14:creationId xmlns:p14="http://schemas.microsoft.com/office/powerpoint/2010/main" xmlns="" val="3076771090"/>
       </p:ext>
     </p:extLst>
   </p:cSld>
@@ -22185,7 +22242,7 @@
           <p:cNvPr id="2" name="Title 1">
             <a:extLst>
               <a:ext uri="{FF2B5EF4-FFF2-40B4-BE49-F238E27FC236}">
-                <a16:creationId xmlns:a16="http://schemas.microsoft.com/office/drawing/2014/main" id="{45F33AFC-C220-4038-ACF0-E5D4B3B57FD0}"/>
+                <a16:creationId xmlns:a16="http://schemas.microsoft.com/office/drawing/2014/main" xmlns="" id="{45F33AFC-C220-4038-ACF0-E5D4B3B57FD0}"/>
               </a:ext>
             </a:extLst>
           </p:cNvPr>
@@ -22204,6 +22261,13 @@
           <a:lstStyle/>
           <a:p>
             <a:pPr fontAlgn="base"/>
+            <a:r>
+              <a:rPr lang="en-IN" b="1" i="0" dirty="0">
+                <a:effectLst/>
+                <a:latin typeface="-apple-system"/>
+              </a:rPr>
+              <a:t/>
+            </a:r>
             <a:br>
               <a:rPr lang="en-IN" b="1" i="0" dirty="0">
                 <a:effectLst/>
@@ -22222,7 +22286,7 @@
           <p:cNvPr id="4" name="Content Placeholder 3">
             <a:extLst>
               <a:ext uri="{FF2B5EF4-FFF2-40B4-BE49-F238E27FC236}">
-                <a16:creationId xmlns:a16="http://schemas.microsoft.com/office/drawing/2014/main" id="{AE0E6C1F-1F71-4AB7-A27C-D794E989F8D4}"/>
+                <a16:creationId xmlns:a16="http://schemas.microsoft.com/office/drawing/2014/main" xmlns="" id="{AE0E6C1F-1F71-4AB7-A27C-D794E989F8D4}"/>
               </a:ext>
             </a:extLst>
           </p:cNvPr>
@@ -22371,7 +22435,7 @@
           <p:cNvPr id="5" name="TextBox 4">
             <a:extLst>
               <a:ext uri="{FF2B5EF4-FFF2-40B4-BE49-F238E27FC236}">
-                <a16:creationId xmlns:a16="http://schemas.microsoft.com/office/drawing/2014/main" id="{395916DC-306D-46E3-A6E9-D282E744647C}"/>
+                <a16:creationId xmlns:a16="http://schemas.microsoft.com/office/drawing/2014/main" xmlns="" id="{395916DC-306D-46E3-A6E9-D282E744647C}"/>
               </a:ext>
             </a:extLst>
           </p:cNvPr>
@@ -22412,7 +22476,7 @@
     </p:spTree>
     <p:extLst>
       <p:ext uri="{BB962C8B-B14F-4D97-AF65-F5344CB8AC3E}">
-        <p14:creationId xmlns:p14="http://schemas.microsoft.com/office/powerpoint/2010/main" val="2042983404"/>
+        <p14:creationId xmlns:p14="http://schemas.microsoft.com/office/powerpoint/2010/main" xmlns="" val="2042983404"/>
       </p:ext>
     </p:extLst>
   </p:cSld>
@@ -22444,7 +22508,7 @@
           <p:cNvPr id="2" name="Title 1">
             <a:extLst>
               <a:ext uri="{FF2B5EF4-FFF2-40B4-BE49-F238E27FC236}">
-                <a16:creationId xmlns:a16="http://schemas.microsoft.com/office/drawing/2014/main" id="{45F33AFC-C220-4038-ACF0-E5D4B3B57FD0}"/>
+                <a16:creationId xmlns:a16="http://schemas.microsoft.com/office/drawing/2014/main" xmlns="" id="{45F33AFC-C220-4038-ACF0-E5D4B3B57FD0}"/>
               </a:ext>
             </a:extLst>
           </p:cNvPr>
@@ -22463,6 +22527,13 @@
           <a:lstStyle/>
           <a:p>
             <a:pPr fontAlgn="base"/>
+            <a:r>
+              <a:rPr lang="en-IN" b="1" i="0" dirty="0">
+                <a:effectLst/>
+                <a:latin typeface="-apple-system"/>
+              </a:rPr>
+              <a:t/>
+            </a:r>
             <a:br>
               <a:rPr lang="en-IN" b="1" i="0" dirty="0">
                 <a:effectLst/>
@@ -22481,7 +22552,7 @@
           <p:cNvPr id="4" name="Content Placeholder 3">
             <a:extLst>
               <a:ext uri="{FF2B5EF4-FFF2-40B4-BE49-F238E27FC236}">
-                <a16:creationId xmlns:a16="http://schemas.microsoft.com/office/drawing/2014/main" id="{AE0E6C1F-1F71-4AB7-A27C-D794E989F8D4}"/>
+                <a16:creationId xmlns:a16="http://schemas.microsoft.com/office/drawing/2014/main" xmlns="" id="{AE0E6C1F-1F71-4AB7-A27C-D794E989F8D4}"/>
               </a:ext>
             </a:extLst>
           </p:cNvPr>
@@ -22613,7 +22684,7 @@
           <p:cNvPr id="5" name="TextBox 4">
             <a:extLst>
               <a:ext uri="{FF2B5EF4-FFF2-40B4-BE49-F238E27FC236}">
-                <a16:creationId xmlns:a16="http://schemas.microsoft.com/office/drawing/2014/main" id="{E30C3A2D-1C56-4556-BDC9-96EB10B9BAD5}"/>
+                <a16:creationId xmlns:a16="http://schemas.microsoft.com/office/drawing/2014/main" xmlns="" id="{E30C3A2D-1C56-4556-BDC9-96EB10B9BAD5}"/>
               </a:ext>
             </a:extLst>
           </p:cNvPr>
@@ -22654,7 +22725,7 @@
     </p:spTree>
     <p:extLst>
       <p:ext uri="{BB962C8B-B14F-4D97-AF65-F5344CB8AC3E}">
-        <p14:creationId xmlns:p14="http://schemas.microsoft.com/office/powerpoint/2010/main" val="165233423"/>
+        <p14:creationId xmlns:p14="http://schemas.microsoft.com/office/powerpoint/2010/main" xmlns="" val="165233423"/>
       </p:ext>
     </p:extLst>
   </p:cSld>
@@ -22686,7 +22757,7 @@
           <p:cNvPr id="2" name="Title 1">
             <a:extLst>
               <a:ext uri="{FF2B5EF4-FFF2-40B4-BE49-F238E27FC236}">
-                <a16:creationId xmlns:a16="http://schemas.microsoft.com/office/drawing/2014/main" id="{FD909185-D06B-43E5-A27E-0F43834C8076}"/>
+                <a16:creationId xmlns:a16="http://schemas.microsoft.com/office/drawing/2014/main" xmlns="" id="{FD909185-D06B-43E5-A27E-0F43834C8076}"/>
               </a:ext>
             </a:extLst>
           </p:cNvPr>
@@ -22728,7 +22799,7 @@
           <p:cNvPr id="4" name="TextBox 3">
             <a:extLst>
               <a:ext uri="{FF2B5EF4-FFF2-40B4-BE49-F238E27FC236}">
-                <a16:creationId xmlns:a16="http://schemas.microsoft.com/office/drawing/2014/main" id="{3C6EBB81-9510-4B2C-B567-4DE397AC2E91}"/>
+                <a16:creationId xmlns:a16="http://schemas.microsoft.com/office/drawing/2014/main" xmlns="" id="{3C6EBB81-9510-4B2C-B567-4DE397AC2E91}"/>
               </a:ext>
             </a:extLst>
           </p:cNvPr>
@@ -22773,7 +22844,7 @@
           <p:cNvPr id="5" name="Rectangle 1">
             <a:extLst>
               <a:ext uri="{FF2B5EF4-FFF2-40B4-BE49-F238E27FC236}">
-                <a16:creationId xmlns:a16="http://schemas.microsoft.com/office/drawing/2014/main" id="{8C9B319B-6F9E-475D-8605-E69B9AE8CB3E}"/>
+                <a16:creationId xmlns:a16="http://schemas.microsoft.com/office/drawing/2014/main" xmlns="" id="{8C9B319B-6F9E-475D-8605-E69B9AE8CB3E}"/>
               </a:ext>
             </a:extLst>
           </p:cNvPr>
@@ -22799,7 +22870,7 @@
           <a:effectLst/>
           <a:extLst>
             <a:ext uri="{91240B29-F687-4F45-9708-019B960494DF}">
-              <a14:hiddenLine xmlns:a14="http://schemas.microsoft.com/office/drawing/2010/main" w="9525">
+              <a14:hiddenLine xmlns:a14="http://schemas.microsoft.com/office/drawing/2010/main" xmlns="" w="9525">
                 <a:solidFill>
                   <a:schemeClr val="tx1"/>
                 </a:solidFill>
@@ -22809,7 +22880,7 @@
               </a14:hiddenLine>
             </a:ext>
             <a:ext uri="{AF507438-7753-43E0-B8FC-AC1667EBCBE1}">
-              <a14:hiddenEffects xmlns:a14="http://schemas.microsoft.com/office/drawing/2010/main">
+              <a14:hiddenEffects xmlns:a14="http://schemas.microsoft.com/office/drawing/2010/main" xmlns="">
                 <a:effectLst>
                   <a:outerShdw dist="35921" dir="2700000" algn="ctr" rotWithShape="0">
                     <a:schemeClr val="bg2"/>
@@ -22981,7 +23052,7 @@
           <p:cNvPr id="7" name="TextBox 6">
             <a:extLst>
               <a:ext uri="{FF2B5EF4-FFF2-40B4-BE49-F238E27FC236}">
-                <a16:creationId xmlns:a16="http://schemas.microsoft.com/office/drawing/2014/main" id="{24D9E84C-3891-4E67-ABC4-D961A1A0A01E}"/>
+                <a16:creationId xmlns:a16="http://schemas.microsoft.com/office/drawing/2014/main" xmlns="" id="{24D9E84C-3891-4E67-ABC4-D961A1A0A01E}"/>
               </a:ext>
             </a:extLst>
           </p:cNvPr>
@@ -23023,7 +23094,7 @@
           <p:cNvPr id="9" name="TextBox 8">
             <a:extLst>
               <a:ext uri="{FF2B5EF4-FFF2-40B4-BE49-F238E27FC236}">
-                <a16:creationId xmlns:a16="http://schemas.microsoft.com/office/drawing/2014/main" id="{11264158-86C4-47FA-9B7C-554F4C786DC7}"/>
+                <a16:creationId xmlns:a16="http://schemas.microsoft.com/office/drawing/2014/main" xmlns="" id="{11264158-86C4-47FA-9B7C-554F4C786DC7}"/>
               </a:ext>
             </a:extLst>
           </p:cNvPr>
@@ -23097,7 +23168,7 @@
           <p:cNvPr id="10" name="TextBox 9">
             <a:extLst>
               <a:ext uri="{FF2B5EF4-FFF2-40B4-BE49-F238E27FC236}">
-                <a16:creationId xmlns:a16="http://schemas.microsoft.com/office/drawing/2014/main" id="{E8D68849-6A2D-4432-A66E-7D639C7147B2}"/>
+                <a16:creationId xmlns:a16="http://schemas.microsoft.com/office/drawing/2014/main" xmlns="" id="{E8D68849-6A2D-4432-A66E-7D639C7147B2}"/>
               </a:ext>
             </a:extLst>
           </p:cNvPr>
@@ -23139,7 +23210,7 @@
           <p:cNvPr id="11" name="Rectangle 1">
             <a:extLst>
               <a:ext uri="{FF2B5EF4-FFF2-40B4-BE49-F238E27FC236}">
-                <a16:creationId xmlns:a16="http://schemas.microsoft.com/office/drawing/2014/main" id="{2B187E38-6175-4774-855F-CF523803CF6E}"/>
+                <a16:creationId xmlns:a16="http://schemas.microsoft.com/office/drawing/2014/main" xmlns="" id="{2B187E38-6175-4774-855F-CF523803CF6E}"/>
               </a:ext>
             </a:extLst>
           </p:cNvPr>
@@ -23165,7 +23236,7 @@
           <a:effectLst/>
           <a:extLst>
             <a:ext uri="{91240B29-F687-4F45-9708-019B960494DF}">
-              <a14:hiddenLine xmlns:a14="http://schemas.microsoft.com/office/drawing/2010/main" w="9525">
+              <a14:hiddenLine xmlns:a14="http://schemas.microsoft.com/office/drawing/2010/main" xmlns="" w="9525">
                 <a:solidFill>
                   <a:schemeClr val="tx1"/>
                 </a:solidFill>
@@ -23175,7 +23246,7 @@
               </a14:hiddenLine>
             </a:ext>
             <a:ext uri="{AF507438-7753-43E0-B8FC-AC1667EBCBE1}">
-              <a14:hiddenEffects xmlns:a14="http://schemas.microsoft.com/office/drawing/2010/main">
+              <a14:hiddenEffects xmlns:a14="http://schemas.microsoft.com/office/drawing/2010/main" xmlns="">
                 <a:effectLst>
                   <a:outerShdw dist="35921" dir="2700000" algn="ctr" rotWithShape="0">
                     <a:schemeClr val="bg2"/>
@@ -23264,7 +23335,7 @@
     </p:spTree>
     <p:extLst>
       <p:ext uri="{BB962C8B-B14F-4D97-AF65-F5344CB8AC3E}">
-        <p14:creationId xmlns:p14="http://schemas.microsoft.com/office/powerpoint/2010/main" val="1121653266"/>
+        <p14:creationId xmlns:p14="http://schemas.microsoft.com/office/powerpoint/2010/main" xmlns="" val="1121653266"/>
       </p:ext>
     </p:extLst>
   </p:cSld>
@@ -23296,7 +23367,7 @@
           <p:cNvPr id="2" name="Title 1">
             <a:extLst>
               <a:ext uri="{FF2B5EF4-FFF2-40B4-BE49-F238E27FC236}">
-                <a16:creationId xmlns:a16="http://schemas.microsoft.com/office/drawing/2014/main" id="{45F33AFC-C220-4038-ACF0-E5D4B3B57FD0}"/>
+                <a16:creationId xmlns:a16="http://schemas.microsoft.com/office/drawing/2014/main" xmlns="" id="{45F33AFC-C220-4038-ACF0-E5D4B3B57FD0}"/>
               </a:ext>
             </a:extLst>
           </p:cNvPr>
@@ -23315,6 +23386,13 @@
           <a:lstStyle/>
           <a:p>
             <a:pPr fontAlgn="base"/>
+            <a:r>
+              <a:rPr lang="en-IN" b="1" i="0" dirty="0">
+                <a:effectLst/>
+                <a:latin typeface="-apple-system"/>
+              </a:rPr>
+              <a:t/>
+            </a:r>
             <a:br>
               <a:rPr lang="en-IN" b="1" i="0" dirty="0">
                 <a:effectLst/>
@@ -23333,7 +23411,7 @@
           <p:cNvPr id="4" name="Content Placeholder 3">
             <a:extLst>
               <a:ext uri="{FF2B5EF4-FFF2-40B4-BE49-F238E27FC236}">
-                <a16:creationId xmlns:a16="http://schemas.microsoft.com/office/drawing/2014/main" id="{AE0E6C1F-1F71-4AB7-A27C-D794E989F8D4}"/>
+                <a16:creationId xmlns:a16="http://schemas.microsoft.com/office/drawing/2014/main" xmlns="" id="{AE0E6C1F-1F71-4AB7-A27C-D794E989F8D4}"/>
               </a:ext>
             </a:extLst>
           </p:cNvPr>
@@ -23532,7 +23610,7 @@
           <p:cNvPr id="5" name="TextBox 4">
             <a:extLst>
               <a:ext uri="{FF2B5EF4-FFF2-40B4-BE49-F238E27FC236}">
-                <a16:creationId xmlns:a16="http://schemas.microsoft.com/office/drawing/2014/main" id="{2871D928-D427-4351-9D54-6B105588D005}"/>
+                <a16:creationId xmlns:a16="http://schemas.microsoft.com/office/drawing/2014/main" xmlns="" id="{2871D928-D427-4351-9D54-6B105588D005}"/>
               </a:ext>
             </a:extLst>
           </p:cNvPr>
@@ -23569,7 +23647,7 @@
     </p:spTree>
     <p:extLst>
       <p:ext uri="{BB962C8B-B14F-4D97-AF65-F5344CB8AC3E}">
-        <p14:creationId xmlns:p14="http://schemas.microsoft.com/office/powerpoint/2010/main" val="2190301990"/>
+        <p14:creationId xmlns:p14="http://schemas.microsoft.com/office/powerpoint/2010/main" xmlns="" val="2190301990"/>
       </p:ext>
     </p:extLst>
   </p:cSld>
@@ -23601,7 +23679,7 @@
           <p:cNvPr id="2" name="Title 1">
             <a:extLst>
               <a:ext uri="{FF2B5EF4-FFF2-40B4-BE49-F238E27FC236}">
-                <a16:creationId xmlns:a16="http://schemas.microsoft.com/office/drawing/2014/main" id="{45F33AFC-C220-4038-ACF0-E5D4B3B57FD0}"/>
+                <a16:creationId xmlns:a16="http://schemas.microsoft.com/office/drawing/2014/main" xmlns="" id="{45F33AFC-C220-4038-ACF0-E5D4B3B57FD0}"/>
               </a:ext>
             </a:extLst>
           </p:cNvPr>
@@ -23620,6 +23698,13 @@
           <a:lstStyle/>
           <a:p>
             <a:pPr fontAlgn="base"/>
+            <a:r>
+              <a:rPr lang="en-IN" b="1" i="0" dirty="0">
+                <a:effectLst/>
+                <a:latin typeface="-apple-system"/>
+              </a:rPr>
+              <a:t/>
+            </a:r>
             <a:br>
               <a:rPr lang="en-IN" b="1" i="0" dirty="0">
                 <a:effectLst/>
@@ -23638,7 +23723,7 @@
           <p:cNvPr id="4" name="Content Placeholder 3">
             <a:extLst>
               <a:ext uri="{FF2B5EF4-FFF2-40B4-BE49-F238E27FC236}">
-                <a16:creationId xmlns:a16="http://schemas.microsoft.com/office/drawing/2014/main" id="{AE0E6C1F-1F71-4AB7-A27C-D794E989F8D4}"/>
+                <a16:creationId xmlns:a16="http://schemas.microsoft.com/office/drawing/2014/main" xmlns="" id="{AE0E6C1F-1F71-4AB7-A27C-D794E989F8D4}"/>
               </a:ext>
             </a:extLst>
           </p:cNvPr>
@@ -24073,7 +24158,7 @@
     </p:spTree>
     <p:extLst>
       <p:ext uri="{BB962C8B-B14F-4D97-AF65-F5344CB8AC3E}">
-        <p14:creationId xmlns:p14="http://schemas.microsoft.com/office/powerpoint/2010/main" val="728991440"/>
+        <p14:creationId xmlns:p14="http://schemas.microsoft.com/office/powerpoint/2010/main" xmlns="" val="728991440"/>
       </p:ext>
     </p:extLst>
   </p:cSld>
@@ -24105,7 +24190,7 @@
           <p:cNvPr id="2" name="Title 1">
             <a:extLst>
               <a:ext uri="{FF2B5EF4-FFF2-40B4-BE49-F238E27FC236}">
-                <a16:creationId xmlns:a16="http://schemas.microsoft.com/office/drawing/2014/main" id="{BE3591FE-9DF8-4B60-977E-BC5E40CFE42C}"/>
+                <a16:creationId xmlns:a16="http://schemas.microsoft.com/office/drawing/2014/main" xmlns="" id="{BE3591FE-9DF8-4B60-977E-BC5E40CFE42C}"/>
               </a:ext>
             </a:extLst>
           </p:cNvPr>
@@ -24133,7 +24218,7 @@
           <p:cNvPr id="3" name="Subtitle 2">
             <a:extLst>
               <a:ext uri="{FF2B5EF4-FFF2-40B4-BE49-F238E27FC236}">
-                <a16:creationId xmlns:a16="http://schemas.microsoft.com/office/drawing/2014/main" id="{915D27AE-75A9-49F7-B1BB-AEE8C8F08D08}"/>
+                <a16:creationId xmlns:a16="http://schemas.microsoft.com/office/drawing/2014/main" xmlns="" id="{915D27AE-75A9-49F7-B1BB-AEE8C8F08D08}"/>
               </a:ext>
             </a:extLst>
           </p:cNvPr>
@@ -24159,7 +24244,7 @@
     </p:spTree>
     <p:extLst>
       <p:ext uri="{BB962C8B-B14F-4D97-AF65-F5344CB8AC3E}">
-        <p14:creationId xmlns:p14="http://schemas.microsoft.com/office/powerpoint/2010/main" val="663543470"/>
+        <p14:creationId xmlns:p14="http://schemas.microsoft.com/office/powerpoint/2010/main" xmlns="" val="663543470"/>
       </p:ext>
     </p:extLst>
   </p:cSld>
@@ -24191,7 +24276,7 @@
           <p:cNvPr id="2" name="Title 1">
             <a:extLst>
               <a:ext uri="{FF2B5EF4-FFF2-40B4-BE49-F238E27FC236}">
-                <a16:creationId xmlns:a16="http://schemas.microsoft.com/office/drawing/2014/main" id="{426EEFDC-790E-4E47-A515-1EBCF1F2F2CD}"/>
+                <a16:creationId xmlns:a16="http://schemas.microsoft.com/office/drawing/2014/main" xmlns="" id="{426EEFDC-790E-4E47-A515-1EBCF1F2F2CD}"/>
               </a:ext>
             </a:extLst>
           </p:cNvPr>
@@ -24219,7 +24304,7 @@
           <p:cNvPr id="16" name="Content Placeholder 15">
             <a:extLst>
               <a:ext uri="{FF2B5EF4-FFF2-40B4-BE49-F238E27FC236}">
-                <a16:creationId xmlns:a16="http://schemas.microsoft.com/office/drawing/2014/main" id="{C110FDCF-2EC3-46D4-A98B-824D58833898}"/>
+                <a16:creationId xmlns:a16="http://schemas.microsoft.com/office/drawing/2014/main" xmlns="" id="{C110FDCF-2EC3-46D4-A98B-824D58833898}"/>
               </a:ext>
             </a:extLst>
           </p:cNvPr>
@@ -24473,7 +24558,7 @@
     </p:spTree>
     <p:extLst>
       <p:ext uri="{BB962C8B-B14F-4D97-AF65-F5344CB8AC3E}">
-        <p14:creationId xmlns:p14="http://schemas.microsoft.com/office/powerpoint/2010/main" val="1416526633"/>
+        <p14:creationId xmlns:p14="http://schemas.microsoft.com/office/powerpoint/2010/main" xmlns="" val="1416526633"/>
       </p:ext>
     </p:extLst>
   </p:cSld>
@@ -24505,7 +24590,7 @@
           <p:cNvPr id="2" name="Title 1">
             <a:extLst>
               <a:ext uri="{FF2B5EF4-FFF2-40B4-BE49-F238E27FC236}">
-                <a16:creationId xmlns:a16="http://schemas.microsoft.com/office/drawing/2014/main" id="{426EEFDC-790E-4E47-A515-1EBCF1F2F2CD}"/>
+                <a16:creationId xmlns:a16="http://schemas.microsoft.com/office/drawing/2014/main" xmlns="" id="{426EEFDC-790E-4E47-A515-1EBCF1F2F2CD}"/>
               </a:ext>
             </a:extLst>
           </p:cNvPr>
@@ -24540,7 +24625,7 @@
           <p:cNvPr id="16" name="Content Placeholder 15">
             <a:extLst>
               <a:ext uri="{FF2B5EF4-FFF2-40B4-BE49-F238E27FC236}">
-                <a16:creationId xmlns:a16="http://schemas.microsoft.com/office/drawing/2014/main" id="{C110FDCF-2EC3-46D4-A98B-824D58833898}"/>
+                <a16:creationId xmlns:a16="http://schemas.microsoft.com/office/drawing/2014/main" xmlns="" id="{C110FDCF-2EC3-46D4-A98B-824D58833898}"/>
               </a:ext>
             </a:extLst>
           </p:cNvPr>
@@ -24672,7 +24757,7 @@
           <p:cNvPr id="6" name="Rectangle 1">
             <a:extLst>
               <a:ext uri="{FF2B5EF4-FFF2-40B4-BE49-F238E27FC236}">
-                <a16:creationId xmlns:a16="http://schemas.microsoft.com/office/drawing/2014/main" id="{1FCC7DCA-B6C9-4471-AB54-3727B2B1138E}"/>
+                <a16:creationId xmlns:a16="http://schemas.microsoft.com/office/drawing/2014/main" xmlns="" id="{1FCC7DCA-B6C9-4471-AB54-3727B2B1138E}"/>
               </a:ext>
             </a:extLst>
           </p:cNvPr>
@@ -24698,7 +24783,7 @@
           <a:effectLst/>
           <a:extLst>
             <a:ext uri="{91240B29-F687-4F45-9708-019B960494DF}">
-              <a14:hiddenLine xmlns:a14="http://schemas.microsoft.com/office/drawing/2010/main" w="9525">
+              <a14:hiddenLine xmlns:a14="http://schemas.microsoft.com/office/drawing/2010/main" xmlns="" w="9525">
                 <a:solidFill>
                   <a:schemeClr val="tx1"/>
                 </a:solidFill>
@@ -24708,7 +24793,7 @@
               </a14:hiddenLine>
             </a:ext>
             <a:ext uri="{AF507438-7753-43E0-B8FC-AC1667EBCBE1}">
-              <a14:hiddenEffects xmlns:a14="http://schemas.microsoft.com/office/drawing/2010/main">
+              <a14:hiddenEffects xmlns:a14="http://schemas.microsoft.com/office/drawing/2010/main" xmlns="">
                 <a:effectLst>
                   <a:outerShdw dist="35921" dir="2700000" algn="ctr" rotWithShape="0">
                     <a:schemeClr val="bg2"/>
@@ -25246,7 +25331,7 @@
     </p:spTree>
     <p:extLst>
       <p:ext uri="{BB962C8B-B14F-4D97-AF65-F5344CB8AC3E}">
-        <p14:creationId xmlns:p14="http://schemas.microsoft.com/office/powerpoint/2010/main" val="3985378571"/>
+        <p14:creationId xmlns:p14="http://schemas.microsoft.com/office/powerpoint/2010/main" xmlns="" val="3985378571"/>
       </p:ext>
     </p:extLst>
   </p:cSld>
@@ -25278,7 +25363,7 @@
           <p:cNvPr id="2" name="Title 1">
             <a:extLst>
               <a:ext uri="{FF2B5EF4-FFF2-40B4-BE49-F238E27FC236}">
-                <a16:creationId xmlns:a16="http://schemas.microsoft.com/office/drawing/2014/main" id="{416C61A8-DAEF-48FB-AB4E-E2067BEA2B50}"/>
+                <a16:creationId xmlns:a16="http://schemas.microsoft.com/office/drawing/2014/main" xmlns="" id="{416C61A8-DAEF-48FB-AB4E-E2067BEA2B50}"/>
               </a:ext>
             </a:extLst>
           </p:cNvPr>
@@ -25342,7 +25427,7 @@
           <p:cNvPr id="3" name="Rectangle 1">
             <a:extLst>
               <a:ext uri="{FF2B5EF4-FFF2-40B4-BE49-F238E27FC236}">
-                <a16:creationId xmlns:a16="http://schemas.microsoft.com/office/drawing/2014/main" id="{7BC45F4B-D5C4-4EEA-94BB-5A7976BC1593}"/>
+                <a16:creationId xmlns:a16="http://schemas.microsoft.com/office/drawing/2014/main" xmlns="" id="{7BC45F4B-D5C4-4EEA-94BB-5A7976BC1593}"/>
               </a:ext>
             </a:extLst>
           </p:cNvPr>
@@ -25368,7 +25453,7 @@
           <a:effectLst/>
           <a:extLst>
             <a:ext uri="{91240B29-F687-4F45-9708-019B960494DF}">
-              <a14:hiddenLine xmlns:a14="http://schemas.microsoft.com/office/drawing/2010/main" w="9525">
+              <a14:hiddenLine xmlns:a14="http://schemas.microsoft.com/office/drawing/2010/main" xmlns="" w="9525">
                 <a:solidFill>
                   <a:schemeClr val="tx1"/>
                 </a:solidFill>
@@ -25378,7 +25463,7 @@
               </a14:hiddenLine>
             </a:ext>
             <a:ext uri="{AF507438-7753-43E0-B8FC-AC1667EBCBE1}">
-              <a14:hiddenEffects xmlns:a14="http://schemas.microsoft.com/office/drawing/2010/main">
+              <a14:hiddenEffects xmlns:a14="http://schemas.microsoft.com/office/drawing/2010/main" xmlns="">
                 <a:effectLst>
                   <a:outerShdw dist="35921" dir="2700000" algn="ctr" rotWithShape="0">
                     <a:schemeClr val="bg2"/>
@@ -25703,7 +25788,7 @@
           <p:cNvPr id="5" name="TextBox 4">
             <a:extLst>
               <a:ext uri="{FF2B5EF4-FFF2-40B4-BE49-F238E27FC236}">
-                <a16:creationId xmlns:a16="http://schemas.microsoft.com/office/drawing/2014/main" id="{F8F40837-32AF-447A-BED6-363C95762E2C}"/>
+                <a16:creationId xmlns:a16="http://schemas.microsoft.com/office/drawing/2014/main" xmlns="" id="{F8F40837-32AF-447A-BED6-363C95762E2C}"/>
               </a:ext>
             </a:extLst>
           </p:cNvPr>
@@ -25753,7 +25838,7 @@
           <p:cNvPr id="7" name="TextBox 6">
             <a:extLst>
               <a:ext uri="{FF2B5EF4-FFF2-40B4-BE49-F238E27FC236}">
-                <a16:creationId xmlns:a16="http://schemas.microsoft.com/office/drawing/2014/main" id="{29E83599-DDE0-4922-BA1A-882478DCF338}"/>
+                <a16:creationId xmlns:a16="http://schemas.microsoft.com/office/drawing/2014/main" xmlns="" id="{29E83599-DDE0-4922-BA1A-882478DCF338}"/>
               </a:ext>
             </a:extLst>
           </p:cNvPr>
@@ -26142,7 +26227,7 @@
           <p:cNvPr id="10" name="TextBox 9">
             <a:extLst>
               <a:ext uri="{FF2B5EF4-FFF2-40B4-BE49-F238E27FC236}">
-                <a16:creationId xmlns:a16="http://schemas.microsoft.com/office/drawing/2014/main" id="{F8116901-812F-4BB2-85BF-EFAD5706EC36}"/>
+                <a16:creationId xmlns:a16="http://schemas.microsoft.com/office/drawing/2014/main" xmlns="" id="{F8116901-812F-4BB2-85BF-EFAD5706EC36}"/>
               </a:ext>
             </a:extLst>
           </p:cNvPr>
@@ -26192,7 +26277,7 @@
           <p:cNvPr id="13" name="TextBox 12">
             <a:extLst>
               <a:ext uri="{FF2B5EF4-FFF2-40B4-BE49-F238E27FC236}">
-                <a16:creationId xmlns:a16="http://schemas.microsoft.com/office/drawing/2014/main" id="{5454AC56-7E45-46E0-9E9D-BC6FDFEB5C4A}"/>
+                <a16:creationId xmlns:a16="http://schemas.microsoft.com/office/drawing/2014/main" xmlns="" id="{5454AC56-7E45-46E0-9E9D-BC6FDFEB5C4A}"/>
               </a:ext>
             </a:extLst>
           </p:cNvPr>
@@ -26295,7 +26380,7 @@
     </p:spTree>
     <p:extLst>
       <p:ext uri="{BB962C8B-B14F-4D97-AF65-F5344CB8AC3E}">
-        <p14:creationId xmlns:p14="http://schemas.microsoft.com/office/powerpoint/2010/main" val="1056128777"/>
+        <p14:creationId xmlns:p14="http://schemas.microsoft.com/office/powerpoint/2010/main" xmlns="" val="1056128777"/>
       </p:ext>
     </p:extLst>
   </p:cSld>
@@ -26327,7 +26412,7 @@
           <p:cNvPr id="2" name="Title 1">
             <a:extLst>
               <a:ext uri="{FF2B5EF4-FFF2-40B4-BE49-F238E27FC236}">
-                <a16:creationId xmlns:a16="http://schemas.microsoft.com/office/drawing/2014/main" id="{45F33AFC-C220-4038-ACF0-E5D4B3B57FD0}"/>
+                <a16:creationId xmlns:a16="http://schemas.microsoft.com/office/drawing/2014/main" xmlns="" id="{45F33AFC-C220-4038-ACF0-E5D4B3B57FD0}"/>
               </a:ext>
             </a:extLst>
           </p:cNvPr>
@@ -26375,7 +26460,7 @@
           <p:cNvPr id="5" name="Rectangle 2">
             <a:extLst>
               <a:ext uri="{FF2B5EF4-FFF2-40B4-BE49-F238E27FC236}">
-                <a16:creationId xmlns:a16="http://schemas.microsoft.com/office/drawing/2014/main" id="{E88FC7BE-1080-4B37-BE06-EDE5155A87A8}"/>
+                <a16:creationId xmlns:a16="http://schemas.microsoft.com/office/drawing/2014/main" xmlns="" id="{E88FC7BE-1080-4B37-BE06-EDE5155A87A8}"/>
               </a:ext>
             </a:extLst>
           </p:cNvPr>
@@ -26401,7 +26486,7 @@
           <a:effectLst/>
           <a:extLst>
             <a:ext uri="{91240B29-F687-4F45-9708-019B960494DF}">
-              <a14:hiddenLine xmlns:a14="http://schemas.microsoft.com/office/drawing/2010/main" w="9525">
+              <a14:hiddenLine xmlns:a14="http://schemas.microsoft.com/office/drawing/2010/main" xmlns="" w="9525">
                 <a:solidFill>
                   <a:schemeClr val="tx1"/>
                 </a:solidFill>
@@ -26411,7 +26496,7 @@
               </a14:hiddenLine>
             </a:ext>
             <a:ext uri="{AF507438-7753-43E0-B8FC-AC1667EBCBE1}">
-              <a14:hiddenEffects xmlns:a14="http://schemas.microsoft.com/office/drawing/2010/main">
+              <a14:hiddenEffects xmlns:a14="http://schemas.microsoft.com/office/drawing/2010/main" xmlns="">
                 <a:effectLst>
                   <a:outerShdw dist="35921" dir="2700000" algn="ctr" rotWithShape="0">
                     <a:schemeClr val="bg2"/>
@@ -26582,7 +26667,7 @@
           <p:cNvPr id="6" name="Rectangle 3">
             <a:extLst>
               <a:ext uri="{FF2B5EF4-FFF2-40B4-BE49-F238E27FC236}">
-                <a16:creationId xmlns:a16="http://schemas.microsoft.com/office/drawing/2014/main" id="{FEC247CA-62C8-45B2-8DF9-838A341D344E}"/>
+                <a16:creationId xmlns:a16="http://schemas.microsoft.com/office/drawing/2014/main" xmlns="" id="{FEC247CA-62C8-45B2-8DF9-838A341D344E}"/>
               </a:ext>
             </a:extLst>
           </p:cNvPr>
@@ -26608,7 +26693,7 @@
           <a:effectLst/>
           <a:extLst>
             <a:ext uri="{91240B29-F687-4F45-9708-019B960494DF}">
-              <a14:hiddenLine xmlns:a14="http://schemas.microsoft.com/office/drawing/2010/main" w="9525">
+              <a14:hiddenLine xmlns:a14="http://schemas.microsoft.com/office/drawing/2010/main" xmlns="" w="9525">
                 <a:solidFill>
                   <a:schemeClr val="tx1"/>
                 </a:solidFill>
@@ -26618,7 +26703,7 @@
               </a14:hiddenLine>
             </a:ext>
             <a:ext uri="{AF507438-7753-43E0-B8FC-AC1667EBCBE1}">
-              <a14:hiddenEffects xmlns:a14="http://schemas.microsoft.com/office/drawing/2010/main">
+              <a14:hiddenEffects xmlns:a14="http://schemas.microsoft.com/office/drawing/2010/main" xmlns="">
                 <a:effectLst>
                   <a:outerShdw dist="35921" dir="2700000" algn="ctr" rotWithShape="0">
                     <a:schemeClr val="bg2"/>
@@ -26787,7 +26872,7 @@
     </p:spTree>
     <p:extLst>
       <p:ext uri="{BB962C8B-B14F-4D97-AF65-F5344CB8AC3E}">
-        <p14:creationId xmlns:p14="http://schemas.microsoft.com/office/powerpoint/2010/main" val="1370047860"/>
+        <p14:creationId xmlns:p14="http://schemas.microsoft.com/office/powerpoint/2010/main" xmlns="" val="1370047860"/>
       </p:ext>
     </p:extLst>
   </p:cSld>
@@ -26819,7 +26904,7 @@
           <p:cNvPr id="2" name="Title 1">
             <a:extLst>
               <a:ext uri="{FF2B5EF4-FFF2-40B4-BE49-F238E27FC236}">
-                <a16:creationId xmlns:a16="http://schemas.microsoft.com/office/drawing/2014/main" id="{3F3C0651-3EA5-429D-AC9D-9F198A84E64C}"/>
+                <a16:creationId xmlns:a16="http://schemas.microsoft.com/office/drawing/2014/main" xmlns="" id="{3F3C0651-3EA5-429D-AC9D-9F198A84E64C}"/>
               </a:ext>
             </a:extLst>
           </p:cNvPr>
@@ -26855,7 +26940,7 @@
           <p:cNvPr id="4" name="TextBox 3">
             <a:extLst>
               <a:ext uri="{FF2B5EF4-FFF2-40B4-BE49-F238E27FC236}">
-                <a16:creationId xmlns:a16="http://schemas.microsoft.com/office/drawing/2014/main" id="{B4703632-67E9-4CA4-B10B-A119CDF606B8}"/>
+                <a16:creationId xmlns:a16="http://schemas.microsoft.com/office/drawing/2014/main" xmlns="" id="{B4703632-67E9-4CA4-B10B-A119CDF606B8}"/>
               </a:ext>
             </a:extLst>
           </p:cNvPr>
@@ -27824,7 +27909,7 @@
           <p:cNvPr id="6" name="TextBox 5">
             <a:extLst>
               <a:ext uri="{FF2B5EF4-FFF2-40B4-BE49-F238E27FC236}">
-                <a16:creationId xmlns:a16="http://schemas.microsoft.com/office/drawing/2014/main" id="{E5BC0FE9-01C3-42DB-B8C1-DD31B0A1FE18}"/>
+                <a16:creationId xmlns:a16="http://schemas.microsoft.com/office/drawing/2014/main" xmlns="" id="{E5BC0FE9-01C3-42DB-B8C1-DD31B0A1FE18}"/>
               </a:ext>
             </a:extLst>
           </p:cNvPr>
@@ -27863,7 +27948,7 @@
           <p:cNvPr id="8" name="TextBox 7">
             <a:extLst>
               <a:ext uri="{FF2B5EF4-FFF2-40B4-BE49-F238E27FC236}">
-                <a16:creationId xmlns:a16="http://schemas.microsoft.com/office/drawing/2014/main" id="{50F711B9-B487-4EC6-A39D-2F7677F3ED5C}"/>
+                <a16:creationId xmlns:a16="http://schemas.microsoft.com/office/drawing/2014/main" xmlns="" id="{50F711B9-B487-4EC6-A39D-2F7677F3ED5C}"/>
               </a:ext>
             </a:extLst>
           </p:cNvPr>
@@ -28680,7 +28765,7 @@
     </p:spTree>
     <p:extLst>
       <p:ext uri="{BB962C8B-B14F-4D97-AF65-F5344CB8AC3E}">
-        <p14:creationId xmlns:p14="http://schemas.microsoft.com/office/powerpoint/2010/main" val="4239409232"/>
+        <p14:creationId xmlns:p14="http://schemas.microsoft.com/office/powerpoint/2010/main" xmlns="" val="4239409232"/>
       </p:ext>
     </p:extLst>
   </p:cSld>
@@ -28712,7 +28797,7 @@
           <p:cNvPr id="2" name="Title 1">
             <a:extLst>
               <a:ext uri="{FF2B5EF4-FFF2-40B4-BE49-F238E27FC236}">
-                <a16:creationId xmlns:a16="http://schemas.microsoft.com/office/drawing/2014/main" id="{6F896E7C-A3D5-49CA-B8F5-4AEEC9ED2151}"/>
+                <a16:creationId xmlns:a16="http://schemas.microsoft.com/office/drawing/2014/main" xmlns="" id="{6F896E7C-A3D5-49CA-B8F5-4AEEC9ED2151}"/>
               </a:ext>
             </a:extLst>
           </p:cNvPr>
@@ -28741,7 +28826,7 @@
           <p:cNvPr id="3" name="Subtitle 2">
             <a:extLst>
               <a:ext uri="{FF2B5EF4-FFF2-40B4-BE49-F238E27FC236}">
-                <a16:creationId xmlns:a16="http://schemas.microsoft.com/office/drawing/2014/main" id="{CE844C3A-BF10-4A90-8EE5-7AF649A63FBA}"/>
+                <a16:creationId xmlns:a16="http://schemas.microsoft.com/office/drawing/2014/main" xmlns="" id="{CE844C3A-BF10-4A90-8EE5-7AF649A63FBA}"/>
               </a:ext>
             </a:extLst>
           </p:cNvPr>
@@ -28770,7 +28855,7 @@
     </p:spTree>
     <p:extLst>
       <p:ext uri="{BB962C8B-B14F-4D97-AF65-F5344CB8AC3E}">
-        <p14:creationId xmlns:p14="http://schemas.microsoft.com/office/powerpoint/2010/main" val="2435426441"/>
+        <p14:creationId xmlns:p14="http://schemas.microsoft.com/office/powerpoint/2010/main" xmlns="" val="2435426441"/>
       </p:ext>
     </p:extLst>
   </p:cSld>
@@ -28802,7 +28887,7 @@
           <p:cNvPr id="2" name="Title 1">
             <a:extLst>
               <a:ext uri="{FF2B5EF4-FFF2-40B4-BE49-F238E27FC236}">
-                <a16:creationId xmlns:a16="http://schemas.microsoft.com/office/drawing/2014/main" id="{426EEFDC-790E-4E47-A515-1EBCF1F2F2CD}"/>
+                <a16:creationId xmlns:a16="http://schemas.microsoft.com/office/drawing/2014/main" xmlns="" id="{426EEFDC-790E-4E47-A515-1EBCF1F2F2CD}"/>
               </a:ext>
             </a:extLst>
           </p:cNvPr>
@@ -28855,7 +28940,7 @@
           <p:cNvPr id="16" name="Content Placeholder 15">
             <a:extLst>
               <a:ext uri="{FF2B5EF4-FFF2-40B4-BE49-F238E27FC236}">
-                <a16:creationId xmlns:a16="http://schemas.microsoft.com/office/drawing/2014/main" id="{C110FDCF-2EC3-46D4-A98B-824D58833898}"/>
+                <a16:creationId xmlns:a16="http://schemas.microsoft.com/office/drawing/2014/main" xmlns="" id="{C110FDCF-2EC3-46D4-A98B-824D58833898}"/>
               </a:ext>
             </a:extLst>
           </p:cNvPr>
@@ -28873,7 +28958,9 @@
           </a:xfrm>
         </p:spPr>
         <p:txBody>
-          <a:bodyPr/>
+          <a:bodyPr>
+            <a:normAutofit fontScale="92500"/>
+          </a:bodyPr>
           <a:lstStyle/>
           <a:p>
             <a:pPr marL="0" indent="0">
@@ -28947,7 +29034,7 @@
           <p:cNvPr id="3" name="Rectangle 1">
             <a:extLst>
               <a:ext uri="{FF2B5EF4-FFF2-40B4-BE49-F238E27FC236}">
-                <a16:creationId xmlns:a16="http://schemas.microsoft.com/office/drawing/2014/main" id="{8933BF21-2D64-4343-9120-25DA4C3708D7}"/>
+                <a16:creationId xmlns:a16="http://schemas.microsoft.com/office/drawing/2014/main" xmlns="" id="{8933BF21-2D64-4343-9120-25DA4C3708D7}"/>
               </a:ext>
             </a:extLst>
           </p:cNvPr>
@@ -28958,7 +29045,7 @@
         </p:nvSpPr>
         <p:spPr bwMode="auto">
           <a:xfrm>
-            <a:off x="353565" y="1777901"/>
+            <a:off x="599749" y="2340609"/>
             <a:ext cx="9916357" cy="2979586"/>
           </a:xfrm>
           <a:prstGeom prst="rect">
@@ -28973,7 +29060,7 @@
           <a:effectLst/>
           <a:extLst>
             <a:ext uri="{91240B29-F687-4F45-9708-019B960494DF}">
-              <a14:hiddenLine xmlns:a14="http://schemas.microsoft.com/office/drawing/2010/main" w="9525">
+              <a14:hiddenLine xmlns:a14="http://schemas.microsoft.com/office/drawing/2010/main" xmlns="" w="9525">
                 <a:solidFill>
                   <a:schemeClr val="tx1"/>
                 </a:solidFill>
@@ -28983,7 +29070,7 @@
               </a14:hiddenLine>
             </a:ext>
             <a:ext uri="{AF507438-7753-43E0-B8FC-AC1667EBCBE1}">
-              <a14:hiddenEffects xmlns:a14="http://schemas.microsoft.com/office/drawing/2010/main">
+              <a14:hiddenEffects xmlns:a14="http://schemas.microsoft.com/office/drawing/2010/main" xmlns="">
                 <a:effectLst>
                   <a:outerShdw dist="35921" dir="2700000" algn="ctr" rotWithShape="0">
                     <a:schemeClr val="bg2"/>
@@ -29490,7 +29577,7 @@
     </p:spTree>
     <p:extLst>
       <p:ext uri="{BB962C8B-B14F-4D97-AF65-F5344CB8AC3E}">
-        <p14:creationId xmlns:p14="http://schemas.microsoft.com/office/powerpoint/2010/main" val="4041063630"/>
+        <p14:creationId xmlns:p14="http://schemas.microsoft.com/office/powerpoint/2010/main" xmlns="" val="4041063630"/>
       </p:ext>
     </p:extLst>
   </p:cSld>
@@ -29522,7 +29609,7 @@
           <p:cNvPr id="2" name="Title 1">
             <a:extLst>
               <a:ext uri="{FF2B5EF4-FFF2-40B4-BE49-F238E27FC236}">
-                <a16:creationId xmlns:a16="http://schemas.microsoft.com/office/drawing/2014/main" id="{CD2B6599-9278-490E-8AF5-BB1D657E67CE}"/>
+                <a16:creationId xmlns:a16="http://schemas.microsoft.com/office/drawing/2014/main" xmlns="" id="{CD2B6599-9278-490E-8AF5-BB1D657E67CE}"/>
               </a:ext>
             </a:extLst>
           </p:cNvPr>
@@ -29566,7 +29653,7 @@
           <p:cNvPr id="4" name="TextBox 3">
             <a:extLst>
               <a:ext uri="{FF2B5EF4-FFF2-40B4-BE49-F238E27FC236}">
-                <a16:creationId xmlns:a16="http://schemas.microsoft.com/office/drawing/2014/main" id="{EC85823D-956B-4936-9E4F-4053C6D57228}"/>
+                <a16:creationId xmlns:a16="http://schemas.microsoft.com/office/drawing/2014/main" xmlns="" id="{EC85823D-956B-4936-9E4F-4053C6D57228}"/>
               </a:ext>
             </a:extLst>
           </p:cNvPr>
@@ -29753,7 +29840,7 @@
     </p:spTree>
     <p:extLst>
       <p:ext uri="{BB962C8B-B14F-4D97-AF65-F5344CB8AC3E}">
-        <p14:creationId xmlns:p14="http://schemas.microsoft.com/office/powerpoint/2010/main" val="967772542"/>
+        <p14:creationId xmlns:p14="http://schemas.microsoft.com/office/powerpoint/2010/main" xmlns="" val="967772542"/>
       </p:ext>
     </p:extLst>
   </p:cSld>
@@ -29785,7 +29872,7 @@
           <p:cNvPr id="2" name="Title 1">
             <a:extLst>
               <a:ext uri="{FF2B5EF4-FFF2-40B4-BE49-F238E27FC236}">
-                <a16:creationId xmlns:a16="http://schemas.microsoft.com/office/drawing/2014/main" id="{45F33AFC-C220-4038-ACF0-E5D4B3B57FD0}"/>
+                <a16:creationId xmlns:a16="http://schemas.microsoft.com/office/drawing/2014/main" xmlns="" id="{45F33AFC-C220-4038-ACF0-E5D4B3B57FD0}"/>
               </a:ext>
             </a:extLst>
           </p:cNvPr>
@@ -29817,7 +29904,7 @@
           <p:cNvPr id="4" name="Content Placeholder 3">
             <a:extLst>
               <a:ext uri="{FF2B5EF4-FFF2-40B4-BE49-F238E27FC236}">
-                <a16:creationId xmlns:a16="http://schemas.microsoft.com/office/drawing/2014/main" id="{0146DD26-E59E-4BAA-A74F-05E44312CC29}"/>
+                <a16:creationId xmlns:a16="http://schemas.microsoft.com/office/drawing/2014/main" xmlns="" id="{0146DD26-E59E-4BAA-A74F-05E44312CC29}"/>
               </a:ext>
             </a:extLst>
           </p:cNvPr>
@@ -29836,7 +29923,7 @@
         </p:spPr>
         <p:txBody>
           <a:bodyPr>
-            <a:normAutofit lnSpcReduction="10000"/>
+            <a:normAutofit fontScale="92500" lnSpcReduction="10000"/>
           </a:bodyPr>
           <a:lstStyle/>
           <a:p>
@@ -29930,7 +30017,7 @@
           <p:cNvPr id="5" name="TextBox 4">
             <a:extLst>
               <a:ext uri="{FF2B5EF4-FFF2-40B4-BE49-F238E27FC236}">
-                <a16:creationId xmlns:a16="http://schemas.microsoft.com/office/drawing/2014/main" id="{797BA077-F9DF-4F4F-BAB7-56840F68863F}"/>
+                <a16:creationId xmlns:a16="http://schemas.microsoft.com/office/drawing/2014/main" xmlns="" id="{797BA077-F9DF-4F4F-BAB7-56840F68863F}"/>
               </a:ext>
             </a:extLst>
           </p:cNvPr>
@@ -30062,7 +30149,7 @@
           <p:cNvPr id="7" name="TextBox 6">
             <a:extLst>
               <a:ext uri="{FF2B5EF4-FFF2-40B4-BE49-F238E27FC236}">
-                <a16:creationId xmlns:a16="http://schemas.microsoft.com/office/drawing/2014/main" id="{DCF824B1-A417-45E4-887E-6BAFA532C0ED}"/>
+                <a16:creationId xmlns:a16="http://schemas.microsoft.com/office/drawing/2014/main" xmlns="" id="{DCF824B1-A417-45E4-887E-6BAFA532C0ED}"/>
               </a:ext>
             </a:extLst>
           </p:cNvPr>
@@ -30136,7 +30223,7 @@
     </p:spTree>
     <p:extLst>
       <p:ext uri="{BB962C8B-B14F-4D97-AF65-F5344CB8AC3E}">
-        <p14:creationId xmlns:p14="http://schemas.microsoft.com/office/powerpoint/2010/main" val="3570347136"/>
+        <p14:creationId xmlns:p14="http://schemas.microsoft.com/office/powerpoint/2010/main" xmlns="" val="3570347136"/>
       </p:ext>
     </p:extLst>
   </p:cSld>
@@ -30168,7 +30255,7 @@
           <p:cNvPr id="2" name="Title 1">
             <a:extLst>
               <a:ext uri="{FF2B5EF4-FFF2-40B4-BE49-F238E27FC236}">
-                <a16:creationId xmlns:a16="http://schemas.microsoft.com/office/drawing/2014/main" id="{45F33AFC-C220-4038-ACF0-E5D4B3B57FD0}"/>
+                <a16:creationId xmlns:a16="http://schemas.microsoft.com/office/drawing/2014/main" xmlns="" id="{45F33AFC-C220-4038-ACF0-E5D4B3B57FD0}"/>
               </a:ext>
             </a:extLst>
           </p:cNvPr>
@@ -30200,7 +30287,7 @@
           <p:cNvPr id="4" name="Content Placeholder 3">
             <a:extLst>
               <a:ext uri="{FF2B5EF4-FFF2-40B4-BE49-F238E27FC236}">
-                <a16:creationId xmlns:a16="http://schemas.microsoft.com/office/drawing/2014/main" id="{0146DD26-E59E-4BAA-A74F-05E44312CC29}"/>
+                <a16:creationId xmlns:a16="http://schemas.microsoft.com/office/drawing/2014/main" xmlns="" id="{0146DD26-E59E-4BAA-A74F-05E44312CC29}"/>
               </a:ext>
             </a:extLst>
           </p:cNvPr>
@@ -30219,7 +30306,7 @@
         </p:spPr>
         <p:txBody>
           <a:bodyPr>
-            <a:normAutofit lnSpcReduction="10000"/>
+            <a:normAutofit fontScale="92500" lnSpcReduction="10000"/>
           </a:bodyPr>
           <a:lstStyle/>
           <a:p>
@@ -30313,7 +30400,7 @@
           <p:cNvPr id="5" name="TextBox 4">
             <a:extLst>
               <a:ext uri="{FF2B5EF4-FFF2-40B4-BE49-F238E27FC236}">
-                <a16:creationId xmlns:a16="http://schemas.microsoft.com/office/drawing/2014/main" id="{797BA077-F9DF-4F4F-BAB7-56840F68863F}"/>
+                <a16:creationId xmlns:a16="http://schemas.microsoft.com/office/drawing/2014/main" xmlns="" id="{797BA077-F9DF-4F4F-BAB7-56840F68863F}"/>
               </a:ext>
             </a:extLst>
           </p:cNvPr>
@@ -30445,7 +30532,7 @@
           <p:cNvPr id="7" name="TextBox 6">
             <a:extLst>
               <a:ext uri="{FF2B5EF4-FFF2-40B4-BE49-F238E27FC236}">
-                <a16:creationId xmlns:a16="http://schemas.microsoft.com/office/drawing/2014/main" id="{DCF824B1-A417-45E4-887E-6BAFA532C0ED}"/>
+                <a16:creationId xmlns:a16="http://schemas.microsoft.com/office/drawing/2014/main" xmlns="" id="{DCF824B1-A417-45E4-887E-6BAFA532C0ED}"/>
               </a:ext>
             </a:extLst>
           </p:cNvPr>
@@ -30519,7 +30606,7 @@
     </p:spTree>
     <p:extLst>
       <p:ext uri="{BB962C8B-B14F-4D97-AF65-F5344CB8AC3E}">
-        <p14:creationId xmlns:p14="http://schemas.microsoft.com/office/powerpoint/2010/main" val="980170712"/>
+        <p14:creationId xmlns:p14="http://schemas.microsoft.com/office/powerpoint/2010/main" xmlns="" val="980170712"/>
       </p:ext>
     </p:extLst>
   </p:cSld>
@@ -30551,7 +30638,7 @@
           <p:cNvPr id="2" name="Title 1">
             <a:extLst>
               <a:ext uri="{FF2B5EF4-FFF2-40B4-BE49-F238E27FC236}">
-                <a16:creationId xmlns:a16="http://schemas.microsoft.com/office/drawing/2014/main" id="{45F33AFC-C220-4038-ACF0-E5D4B3B57FD0}"/>
+                <a16:creationId xmlns:a16="http://schemas.microsoft.com/office/drawing/2014/main" xmlns="" id="{45F33AFC-C220-4038-ACF0-E5D4B3B57FD0}"/>
               </a:ext>
             </a:extLst>
           </p:cNvPr>
@@ -30583,7 +30670,7 @@
           <p:cNvPr id="4" name="Content Placeholder 3">
             <a:extLst>
               <a:ext uri="{FF2B5EF4-FFF2-40B4-BE49-F238E27FC236}">
-                <a16:creationId xmlns:a16="http://schemas.microsoft.com/office/drawing/2014/main" id="{0146DD26-E59E-4BAA-A74F-05E44312CC29}"/>
+                <a16:creationId xmlns:a16="http://schemas.microsoft.com/office/drawing/2014/main" xmlns="" id="{0146DD26-E59E-4BAA-A74F-05E44312CC29}"/>
               </a:ext>
             </a:extLst>
           </p:cNvPr>
@@ -31029,6 +31116,13 @@
             <a:pPr marL="0" indent="0">
               <a:buNone/>
             </a:pPr>
+            <a:r>
+              <a:rPr lang="en-US" b="0" dirty="0">
+                <a:effectLst/>
+                <a:latin typeface="Monaco"/>
+              </a:rPr>
+              <a:t/>
+            </a:r>
             <a:br>
               <a:rPr lang="en-US" b="0" dirty="0">
                 <a:effectLst/>
@@ -31051,7 +31145,7 @@
     </p:spTree>
     <p:extLst>
       <p:ext uri="{BB962C8B-B14F-4D97-AF65-F5344CB8AC3E}">
-        <p14:creationId xmlns:p14="http://schemas.microsoft.com/office/powerpoint/2010/main" val="3304829034"/>
+        <p14:creationId xmlns:p14="http://schemas.microsoft.com/office/powerpoint/2010/main" xmlns="" val="3304829034"/>
       </p:ext>
     </p:extLst>
   </p:cSld>
@@ -31083,7 +31177,7 @@
           <p:cNvPr id="2" name="Title 1">
             <a:extLst>
               <a:ext uri="{FF2B5EF4-FFF2-40B4-BE49-F238E27FC236}">
-                <a16:creationId xmlns:a16="http://schemas.microsoft.com/office/drawing/2014/main" id="{45F33AFC-C220-4038-ACF0-E5D4B3B57FD0}"/>
+                <a16:creationId xmlns:a16="http://schemas.microsoft.com/office/drawing/2014/main" xmlns="" id="{45F33AFC-C220-4038-ACF0-E5D4B3B57FD0}"/>
               </a:ext>
             </a:extLst>
           </p:cNvPr>
@@ -31115,7 +31209,7 @@
           <p:cNvPr id="4" name="Content Placeholder 3">
             <a:extLst>
               <a:ext uri="{FF2B5EF4-FFF2-40B4-BE49-F238E27FC236}">
-                <a16:creationId xmlns:a16="http://schemas.microsoft.com/office/drawing/2014/main" id="{0146DD26-E59E-4BAA-A74F-05E44312CC29}"/>
+                <a16:creationId xmlns:a16="http://schemas.microsoft.com/office/drawing/2014/main" xmlns="" id="{0146DD26-E59E-4BAA-A74F-05E44312CC29}"/>
               </a:ext>
             </a:extLst>
           </p:cNvPr>
@@ -31202,7 +31296,7 @@
           <p:cNvPr id="3" name="Rectangle 1">
             <a:extLst>
               <a:ext uri="{FF2B5EF4-FFF2-40B4-BE49-F238E27FC236}">
-                <a16:creationId xmlns:a16="http://schemas.microsoft.com/office/drawing/2014/main" id="{E59524B0-5EE1-4CBA-B031-D60A84E01A3E}"/>
+                <a16:creationId xmlns:a16="http://schemas.microsoft.com/office/drawing/2014/main" xmlns="" id="{E59524B0-5EE1-4CBA-B031-D60A84E01A3E}"/>
               </a:ext>
             </a:extLst>
           </p:cNvPr>
@@ -31228,7 +31322,7 @@
           <a:effectLst/>
           <a:extLst>
             <a:ext uri="{91240B29-F687-4F45-9708-019B960494DF}">
-              <a14:hiddenLine xmlns:a14="http://schemas.microsoft.com/office/drawing/2010/main" w="9525">
+              <a14:hiddenLine xmlns:a14="http://schemas.microsoft.com/office/drawing/2010/main" xmlns="" w="9525">
                 <a:solidFill>
                   <a:schemeClr val="tx1"/>
                 </a:solidFill>
@@ -31238,7 +31332,7 @@
               </a14:hiddenLine>
             </a:ext>
             <a:ext uri="{AF507438-7753-43E0-B8FC-AC1667EBCBE1}">
-              <a14:hiddenEffects xmlns:a14="http://schemas.microsoft.com/office/drawing/2010/main">
+              <a14:hiddenEffects xmlns:a14="http://schemas.microsoft.com/office/drawing/2010/main" xmlns="">
                 <a:effectLst>
                   <a:outerShdw dist="35921" dir="2700000" algn="ctr" rotWithShape="0">
                     <a:schemeClr val="bg2"/>
@@ -31461,7 +31555,7 @@
     </p:spTree>
     <p:extLst>
       <p:ext uri="{BB962C8B-B14F-4D97-AF65-F5344CB8AC3E}">
-        <p14:creationId xmlns:p14="http://schemas.microsoft.com/office/powerpoint/2010/main" val="3365181577"/>
+        <p14:creationId xmlns:p14="http://schemas.microsoft.com/office/powerpoint/2010/main" xmlns="" val="3365181577"/>
       </p:ext>
     </p:extLst>
   </p:cSld>
@@ -31493,7 +31587,7 @@
           <p:cNvPr id="2" name="Title 1">
             <a:extLst>
               <a:ext uri="{FF2B5EF4-FFF2-40B4-BE49-F238E27FC236}">
-                <a16:creationId xmlns:a16="http://schemas.microsoft.com/office/drawing/2014/main" id="{45F33AFC-C220-4038-ACF0-E5D4B3B57FD0}"/>
+                <a16:creationId xmlns:a16="http://schemas.microsoft.com/office/drawing/2014/main" xmlns="" id="{45F33AFC-C220-4038-ACF0-E5D4B3B57FD0}"/>
               </a:ext>
             </a:extLst>
           </p:cNvPr>
@@ -31525,7 +31619,7 @@
           <p:cNvPr id="4" name="Content Placeholder 3">
             <a:extLst>
               <a:ext uri="{FF2B5EF4-FFF2-40B4-BE49-F238E27FC236}">
-                <a16:creationId xmlns:a16="http://schemas.microsoft.com/office/drawing/2014/main" id="{0146DD26-E59E-4BAA-A74F-05E44312CC29}"/>
+                <a16:creationId xmlns:a16="http://schemas.microsoft.com/office/drawing/2014/main" xmlns="" id="{0146DD26-E59E-4BAA-A74F-05E44312CC29}"/>
               </a:ext>
             </a:extLst>
           </p:cNvPr>
@@ -31675,7 +31769,7 @@
           <p:cNvPr id="3" name="Rectangle 1">
             <a:extLst>
               <a:ext uri="{FF2B5EF4-FFF2-40B4-BE49-F238E27FC236}">
-                <a16:creationId xmlns:a16="http://schemas.microsoft.com/office/drawing/2014/main" id="{0E973062-C933-45B1-BEA4-76FAEB908AA1}"/>
+                <a16:creationId xmlns:a16="http://schemas.microsoft.com/office/drawing/2014/main" xmlns="" id="{0E973062-C933-45B1-BEA4-76FAEB908AA1}"/>
               </a:ext>
             </a:extLst>
           </p:cNvPr>
@@ -31701,7 +31795,7 @@
           <a:effectLst/>
           <a:extLst>
             <a:ext uri="{91240B29-F687-4F45-9708-019B960494DF}">
-              <a14:hiddenLine xmlns:a14="http://schemas.microsoft.com/office/drawing/2010/main" w="9525">
+              <a14:hiddenLine xmlns:a14="http://schemas.microsoft.com/office/drawing/2010/main" xmlns="" w="9525">
                 <a:solidFill>
                   <a:schemeClr val="tx1"/>
                 </a:solidFill>
@@ -31711,7 +31805,7 @@
               </a14:hiddenLine>
             </a:ext>
             <a:ext uri="{AF507438-7753-43E0-B8FC-AC1667EBCBE1}">
-              <a14:hiddenEffects xmlns:a14="http://schemas.microsoft.com/office/drawing/2010/main">
+              <a14:hiddenEffects xmlns:a14="http://schemas.microsoft.com/office/drawing/2010/main" xmlns="">
                 <a:effectLst>
                   <a:outerShdw dist="35921" dir="2700000" algn="ctr" rotWithShape="0">
                     <a:schemeClr val="bg2"/>
@@ -31942,7 +32036,7 @@
           <p:cNvPr id="6" name="TextBox 5">
             <a:extLst>
               <a:ext uri="{FF2B5EF4-FFF2-40B4-BE49-F238E27FC236}">
-                <a16:creationId xmlns:a16="http://schemas.microsoft.com/office/drawing/2014/main" id="{7DEFFF9E-D3DF-4D85-9E31-0A199FE4ADED}"/>
+                <a16:creationId xmlns:a16="http://schemas.microsoft.com/office/drawing/2014/main" xmlns="" id="{7DEFFF9E-D3DF-4D85-9E31-0A199FE4ADED}"/>
               </a:ext>
             </a:extLst>
           </p:cNvPr>
@@ -32525,7 +32619,7 @@
     </p:spTree>
     <p:extLst>
       <p:ext uri="{BB962C8B-B14F-4D97-AF65-F5344CB8AC3E}">
-        <p14:creationId xmlns:p14="http://schemas.microsoft.com/office/powerpoint/2010/main" val="1897580801"/>
+        <p14:creationId xmlns:p14="http://schemas.microsoft.com/office/powerpoint/2010/main" xmlns="" val="1897580801"/>
       </p:ext>
     </p:extLst>
   </p:cSld>
@@ -32557,7 +32651,7 @@
           <p:cNvPr id="2" name="Title 1">
             <a:extLst>
               <a:ext uri="{FF2B5EF4-FFF2-40B4-BE49-F238E27FC236}">
-                <a16:creationId xmlns:a16="http://schemas.microsoft.com/office/drawing/2014/main" id="{45F33AFC-C220-4038-ACF0-E5D4B3B57FD0}"/>
+                <a16:creationId xmlns:a16="http://schemas.microsoft.com/office/drawing/2014/main" xmlns="" id="{45F33AFC-C220-4038-ACF0-E5D4B3B57FD0}"/>
               </a:ext>
             </a:extLst>
           </p:cNvPr>
@@ -32597,7 +32691,7 @@
           <p:cNvPr id="4" name="Content Placeholder 3">
             <a:extLst>
               <a:ext uri="{FF2B5EF4-FFF2-40B4-BE49-F238E27FC236}">
-                <a16:creationId xmlns:a16="http://schemas.microsoft.com/office/drawing/2014/main" id="{0146DD26-E59E-4BAA-A74F-05E44312CC29}"/>
+                <a16:creationId xmlns:a16="http://schemas.microsoft.com/office/drawing/2014/main" xmlns="" id="{0146DD26-E59E-4BAA-A74F-05E44312CC29}"/>
               </a:ext>
             </a:extLst>
           </p:cNvPr>
@@ -32616,7 +32710,7 @@
         </p:spPr>
         <p:txBody>
           <a:bodyPr>
-            <a:normAutofit/>
+            <a:normAutofit lnSpcReduction="10000"/>
           </a:bodyPr>
           <a:lstStyle/>
           <a:p>
@@ -32729,7 +32823,7 @@
           <p:cNvPr id="6" name="TextBox 5">
             <a:extLst>
               <a:ext uri="{FF2B5EF4-FFF2-40B4-BE49-F238E27FC236}">
-                <a16:creationId xmlns:a16="http://schemas.microsoft.com/office/drawing/2014/main" id="{D84807C4-8D37-434C-B2D2-F7B05BB853F8}"/>
+                <a16:creationId xmlns:a16="http://schemas.microsoft.com/office/drawing/2014/main" xmlns="" id="{D84807C4-8D37-434C-B2D2-F7B05BB853F8}"/>
               </a:ext>
             </a:extLst>
           </p:cNvPr>
@@ -32738,7 +32832,7 @@
         </p:nvSpPr>
         <p:spPr>
           <a:xfrm>
-            <a:off x="576274" y="2574697"/>
+            <a:off x="725744" y="2900013"/>
             <a:ext cx="6096000" cy="369332"/>
           </a:xfrm>
           <a:prstGeom prst="rect">
@@ -32768,7 +32862,7 @@
           <p:cNvPr id="8" name="TextBox 7">
             <a:extLst>
               <a:ext uri="{FF2B5EF4-FFF2-40B4-BE49-F238E27FC236}">
-                <a16:creationId xmlns:a16="http://schemas.microsoft.com/office/drawing/2014/main" id="{2ECAC2D3-0D54-45A8-A1DC-592D419F5D9D}"/>
+                <a16:creationId xmlns:a16="http://schemas.microsoft.com/office/drawing/2014/main" xmlns="" id="{2ECAC2D3-0D54-45A8-A1DC-592D419F5D9D}"/>
               </a:ext>
             </a:extLst>
           </p:cNvPr>
@@ -32777,7 +32871,7 @@
         </p:nvSpPr>
         <p:spPr>
           <a:xfrm>
-            <a:off x="576274" y="2944029"/>
+            <a:off x="620236" y="3251759"/>
             <a:ext cx="8384846" cy="923330"/>
           </a:xfrm>
           <a:prstGeom prst="rect">
@@ -32846,7 +32940,7 @@
           <p:cNvPr id="10" name="TextBox 9">
             <a:extLst>
               <a:ext uri="{FF2B5EF4-FFF2-40B4-BE49-F238E27FC236}">
-                <a16:creationId xmlns:a16="http://schemas.microsoft.com/office/drawing/2014/main" id="{5D40EF92-E85F-42AF-BBF1-3E6FC9ACAAE0}"/>
+                <a16:creationId xmlns:a16="http://schemas.microsoft.com/office/drawing/2014/main" xmlns="" id="{5D40EF92-E85F-42AF-BBF1-3E6FC9ACAAE0}"/>
               </a:ext>
             </a:extLst>
           </p:cNvPr>
@@ -32855,7 +32949,7 @@
         </p:nvSpPr>
         <p:spPr>
           <a:xfrm>
-            <a:off x="576274" y="3867359"/>
+            <a:off x="585066" y="4729006"/>
             <a:ext cx="8758226" cy="923330"/>
           </a:xfrm>
           <a:prstGeom prst="rect">
@@ -32923,7 +33017,7 @@
     </p:spTree>
     <p:extLst>
       <p:ext uri="{BB962C8B-B14F-4D97-AF65-F5344CB8AC3E}">
-        <p14:creationId xmlns:p14="http://schemas.microsoft.com/office/powerpoint/2010/main" val="2532017899"/>
+        <p14:creationId xmlns:p14="http://schemas.microsoft.com/office/powerpoint/2010/main" xmlns="" val="2532017899"/>
       </p:ext>
     </p:extLst>
   </p:cSld>
@@ -32955,7 +33049,7 @@
           <p:cNvPr id="2" name="Title 1">
             <a:extLst>
               <a:ext uri="{FF2B5EF4-FFF2-40B4-BE49-F238E27FC236}">
-                <a16:creationId xmlns:a16="http://schemas.microsoft.com/office/drawing/2014/main" id="{426EEFDC-790E-4E47-A515-1EBCF1F2F2CD}"/>
+                <a16:creationId xmlns:a16="http://schemas.microsoft.com/office/drawing/2014/main" xmlns="" id="{426EEFDC-790E-4E47-A515-1EBCF1F2F2CD}"/>
               </a:ext>
             </a:extLst>
           </p:cNvPr>
@@ -33000,7 +33094,7 @@
           <p:cNvPr id="5" name="Content Placeholder 4">
             <a:extLst>
               <a:ext uri="{FF2B5EF4-FFF2-40B4-BE49-F238E27FC236}">
-                <a16:creationId xmlns:a16="http://schemas.microsoft.com/office/drawing/2014/main" id="{09A3AABB-4668-4360-89B7-5F59108D648F}"/>
+                <a16:creationId xmlns:a16="http://schemas.microsoft.com/office/drawing/2014/main" xmlns="" id="{09A3AABB-4668-4360-89B7-5F59108D648F}"/>
               </a:ext>
             </a:extLst>
           </p:cNvPr>
@@ -34372,7 +34466,7 @@
     </p:spTree>
     <p:extLst>
       <p:ext uri="{BB962C8B-B14F-4D97-AF65-F5344CB8AC3E}">
-        <p14:creationId xmlns:p14="http://schemas.microsoft.com/office/powerpoint/2010/main" val="2818855821"/>
+        <p14:creationId xmlns:p14="http://schemas.microsoft.com/office/powerpoint/2010/main" xmlns="" val="2818855821"/>
       </p:ext>
     </p:extLst>
   </p:cSld>
@@ -34404,7 +34498,7 @@
           <p:cNvPr id="2" name="Title 1">
             <a:extLst>
               <a:ext uri="{FF2B5EF4-FFF2-40B4-BE49-F238E27FC236}">
-                <a16:creationId xmlns:a16="http://schemas.microsoft.com/office/drawing/2014/main" id="{58F1F591-B1BD-49AD-9D32-3D2DE6EADF1E}"/>
+                <a16:creationId xmlns:a16="http://schemas.microsoft.com/office/drawing/2014/main" xmlns="" id="{58F1F591-B1BD-49AD-9D32-3D2DE6EADF1E}"/>
               </a:ext>
             </a:extLst>
           </p:cNvPr>
@@ -34448,7 +34542,7 @@
           <p:cNvPr id="3" name="Rectangle 1">
             <a:extLst>
               <a:ext uri="{FF2B5EF4-FFF2-40B4-BE49-F238E27FC236}">
-                <a16:creationId xmlns:a16="http://schemas.microsoft.com/office/drawing/2014/main" id="{5CBCC80F-7CFC-4A99-929F-A051FD8B5FCA}"/>
+                <a16:creationId xmlns:a16="http://schemas.microsoft.com/office/drawing/2014/main" xmlns="" id="{5CBCC80F-7CFC-4A99-929F-A051FD8B5FCA}"/>
               </a:ext>
             </a:extLst>
           </p:cNvPr>
@@ -34474,7 +34568,7 @@
           <a:effectLst/>
           <a:extLst>
             <a:ext uri="{91240B29-F687-4F45-9708-019B960494DF}">
-              <a14:hiddenLine xmlns:a14="http://schemas.microsoft.com/office/drawing/2010/main" w="9525">
+              <a14:hiddenLine xmlns:a14="http://schemas.microsoft.com/office/drawing/2010/main" xmlns="" w="9525">
                 <a:solidFill>
                   <a:schemeClr val="tx1"/>
                 </a:solidFill>
@@ -34484,7 +34578,7 @@
               </a14:hiddenLine>
             </a:ext>
             <a:ext uri="{AF507438-7753-43E0-B8FC-AC1667EBCBE1}">
-              <a14:hiddenEffects xmlns:a14="http://schemas.microsoft.com/office/drawing/2010/main">
+              <a14:hiddenEffects xmlns:a14="http://schemas.microsoft.com/office/drawing/2010/main" xmlns="">
                 <a:effectLst>
                   <a:outerShdw dist="35921" dir="2700000" algn="ctr" rotWithShape="0">
                     <a:schemeClr val="bg2"/>
@@ -34838,7 +34932,7 @@
           <p:cNvPr id="9" name="Picture 8">
             <a:extLst>
               <a:ext uri="{FF2B5EF4-FFF2-40B4-BE49-F238E27FC236}">
-                <a16:creationId xmlns:a16="http://schemas.microsoft.com/office/drawing/2014/main" id="{45D1A655-1170-47DF-8671-AC0DC97BE943}"/>
+                <a16:creationId xmlns:a16="http://schemas.microsoft.com/office/drawing/2014/main" xmlns="" id="{45D1A655-1170-47DF-8671-AC0DC97BE943}"/>
               </a:ext>
             </a:extLst>
           </p:cNvPr>
@@ -34868,7 +34962,7 @@
           <p:cNvPr id="11" name="Picture 10">
             <a:extLst>
               <a:ext uri="{FF2B5EF4-FFF2-40B4-BE49-F238E27FC236}">
-                <a16:creationId xmlns:a16="http://schemas.microsoft.com/office/drawing/2014/main" id="{4C24F51F-5635-4769-9BFA-EAE3EBC9FA79}"/>
+                <a16:creationId xmlns:a16="http://schemas.microsoft.com/office/drawing/2014/main" xmlns="" id="{4C24F51F-5635-4769-9BFA-EAE3EBC9FA79}"/>
               </a:ext>
             </a:extLst>
           </p:cNvPr>
@@ -34896,7 +34990,7 @@
     </p:spTree>
     <p:extLst>
       <p:ext uri="{BB962C8B-B14F-4D97-AF65-F5344CB8AC3E}">
-        <p14:creationId xmlns:p14="http://schemas.microsoft.com/office/powerpoint/2010/main" val="544227532"/>
+        <p14:creationId xmlns:p14="http://schemas.microsoft.com/office/powerpoint/2010/main" xmlns="" val="544227532"/>
       </p:ext>
     </p:extLst>
   </p:cSld>
@@ -34928,7 +35022,7 @@
           <p:cNvPr id="2" name="Title 1">
             <a:extLst>
               <a:ext uri="{FF2B5EF4-FFF2-40B4-BE49-F238E27FC236}">
-                <a16:creationId xmlns:a16="http://schemas.microsoft.com/office/drawing/2014/main" id="{A4C907EB-2365-4222-9CB8-D0AB6AAF243B}"/>
+                <a16:creationId xmlns:a16="http://schemas.microsoft.com/office/drawing/2014/main" xmlns="" id="{A4C907EB-2365-4222-9CB8-D0AB6AAF243B}"/>
               </a:ext>
             </a:extLst>
           </p:cNvPr>
@@ -34971,7 +35065,7 @@
           <p:cNvPr id="3" name="Rectangle 1">
             <a:extLst>
               <a:ext uri="{FF2B5EF4-FFF2-40B4-BE49-F238E27FC236}">
-                <a16:creationId xmlns:a16="http://schemas.microsoft.com/office/drawing/2014/main" id="{477649D3-0232-4AA8-AA54-466232397FDE}"/>
+                <a16:creationId xmlns:a16="http://schemas.microsoft.com/office/drawing/2014/main" xmlns="" id="{477649D3-0232-4AA8-AA54-466232397FDE}"/>
               </a:ext>
             </a:extLst>
           </p:cNvPr>
@@ -34997,7 +35091,7 @@
           <a:effectLst/>
           <a:extLst>
             <a:ext uri="{91240B29-F687-4F45-9708-019B960494DF}">
-              <a14:hiddenLine xmlns:a14="http://schemas.microsoft.com/office/drawing/2010/main" w="9525">
+              <a14:hiddenLine xmlns:a14="http://schemas.microsoft.com/office/drawing/2010/main" xmlns="" w="9525">
                 <a:solidFill>
                   <a:schemeClr val="tx1"/>
                 </a:solidFill>
@@ -35007,7 +35101,7 @@
               </a14:hiddenLine>
             </a:ext>
             <a:ext uri="{AF507438-7753-43E0-B8FC-AC1667EBCBE1}">
-              <a14:hiddenEffects xmlns:a14="http://schemas.microsoft.com/office/drawing/2010/main">
+              <a14:hiddenEffects xmlns:a14="http://schemas.microsoft.com/office/drawing/2010/main" xmlns="">
                 <a:effectLst>
                   <a:outerShdw dist="35921" dir="2700000" algn="ctr" rotWithShape="0">
                     <a:schemeClr val="bg2"/>
@@ -35279,7 +35373,7 @@
           <p:cNvPr id="6" name="TextBox 5">
             <a:extLst>
               <a:ext uri="{FF2B5EF4-FFF2-40B4-BE49-F238E27FC236}">
-                <a16:creationId xmlns:a16="http://schemas.microsoft.com/office/drawing/2014/main" id="{A785CE49-C2C3-45D3-B898-DFCFAB5FCD57}"/>
+                <a16:creationId xmlns:a16="http://schemas.microsoft.com/office/drawing/2014/main" xmlns="" id="{A785CE49-C2C3-45D3-B898-DFCFAB5FCD57}"/>
               </a:ext>
             </a:extLst>
           </p:cNvPr>
@@ -35323,7 +35417,7 @@
           <p:cNvPr id="8" name="TextBox 7">
             <a:extLst>
               <a:ext uri="{FF2B5EF4-FFF2-40B4-BE49-F238E27FC236}">
-                <a16:creationId xmlns:a16="http://schemas.microsoft.com/office/drawing/2014/main" id="{E68FDC18-1ECF-4FC7-88EF-D29803562615}"/>
+                <a16:creationId xmlns:a16="http://schemas.microsoft.com/office/drawing/2014/main" xmlns="" id="{E68FDC18-1ECF-4FC7-88EF-D29803562615}"/>
               </a:ext>
             </a:extLst>
           </p:cNvPr>
@@ -35370,7 +35464,7 @@
           <p:cNvPr id="10" name="TextBox 9">
             <a:extLst>
               <a:ext uri="{FF2B5EF4-FFF2-40B4-BE49-F238E27FC236}">
-                <a16:creationId xmlns:a16="http://schemas.microsoft.com/office/drawing/2014/main" id="{5AA5705B-AC4F-43D0-B6A0-313806861CD1}"/>
+                <a16:creationId xmlns:a16="http://schemas.microsoft.com/office/drawing/2014/main" xmlns="" id="{5AA5705B-AC4F-43D0-B6A0-313806861CD1}"/>
               </a:ext>
             </a:extLst>
           </p:cNvPr>
@@ -35403,7 +35497,7 @@
     </p:spTree>
     <p:extLst>
       <p:ext uri="{BB962C8B-B14F-4D97-AF65-F5344CB8AC3E}">
-        <p14:creationId xmlns:p14="http://schemas.microsoft.com/office/powerpoint/2010/main" val="789104835"/>
+        <p14:creationId xmlns:p14="http://schemas.microsoft.com/office/powerpoint/2010/main" xmlns="" val="789104835"/>
       </p:ext>
     </p:extLst>
   </p:cSld>
@@ -35435,7 +35529,7 @@
           <p:cNvPr id="2" name="Title 1">
             <a:extLst>
               <a:ext uri="{FF2B5EF4-FFF2-40B4-BE49-F238E27FC236}">
-                <a16:creationId xmlns:a16="http://schemas.microsoft.com/office/drawing/2014/main" id="{6B59E34B-59AC-4FAC-B7D5-9637D4F99C8D}"/>
+                <a16:creationId xmlns:a16="http://schemas.microsoft.com/office/drawing/2014/main" xmlns="" id="{6B59E34B-59AC-4FAC-B7D5-9637D4F99C8D}"/>
               </a:ext>
             </a:extLst>
           </p:cNvPr>
@@ -35470,7 +35564,7 @@
           <p:cNvPr id="6" name="TextBox 5">
             <a:extLst>
               <a:ext uri="{FF2B5EF4-FFF2-40B4-BE49-F238E27FC236}">
-                <a16:creationId xmlns:a16="http://schemas.microsoft.com/office/drawing/2014/main" id="{CFE11798-C6BE-4A88-BA3E-5267B6CDCFB5}"/>
+                <a16:creationId xmlns:a16="http://schemas.microsoft.com/office/drawing/2014/main" xmlns="" id="{CFE11798-C6BE-4A88-BA3E-5267B6CDCFB5}"/>
               </a:ext>
             </a:extLst>
           </p:cNvPr>
@@ -35479,8 +35573,8 @@
         </p:nvSpPr>
         <p:spPr>
           <a:xfrm>
-            <a:off x="838200" y="1019356"/>
-            <a:ext cx="6094070" cy="2585323"/>
+            <a:off x="838199" y="1019356"/>
+            <a:ext cx="8112369" cy="2585323"/>
           </a:xfrm>
           <a:prstGeom prst="rect">
             <a:avLst/>
@@ -36529,7 +36623,7 @@
           <p:cNvPr id="8" name="TextBox 7">
             <a:extLst>
               <a:ext uri="{FF2B5EF4-FFF2-40B4-BE49-F238E27FC236}">
-                <a16:creationId xmlns:a16="http://schemas.microsoft.com/office/drawing/2014/main" id="{6283ADE1-999B-4383-98E3-0B1C9FE4D624}"/>
+                <a16:creationId xmlns:a16="http://schemas.microsoft.com/office/drawing/2014/main" xmlns="" id="{6283ADE1-999B-4383-98E3-0B1C9FE4D624}"/>
               </a:ext>
             </a:extLst>
           </p:cNvPr>
@@ -36868,7 +36962,7 @@
           <p:cNvPr id="10" name="TextBox 9">
             <a:extLst>
               <a:ext uri="{FF2B5EF4-FFF2-40B4-BE49-F238E27FC236}">
-                <a16:creationId xmlns:a16="http://schemas.microsoft.com/office/drawing/2014/main" id="{B67013ED-E379-44C5-89F8-1F00A3C5B4ED}"/>
+                <a16:creationId xmlns:a16="http://schemas.microsoft.com/office/drawing/2014/main" xmlns="" id="{B67013ED-E379-44C5-89F8-1F00A3C5B4ED}"/>
               </a:ext>
             </a:extLst>
           </p:cNvPr>
@@ -36920,7 +37014,7 @@
           <p:cNvPr id="12" name="TextBox 11">
             <a:extLst>
               <a:ext uri="{FF2B5EF4-FFF2-40B4-BE49-F238E27FC236}">
-                <a16:creationId xmlns:a16="http://schemas.microsoft.com/office/drawing/2014/main" id="{BE6C6524-56C3-422F-A584-C49C97C64F3F}"/>
+                <a16:creationId xmlns:a16="http://schemas.microsoft.com/office/drawing/2014/main" xmlns="" id="{BE6C6524-56C3-422F-A584-C49C97C64F3F}"/>
               </a:ext>
             </a:extLst>
           </p:cNvPr>
@@ -37237,7 +37331,7 @@
     </p:spTree>
     <p:extLst>
       <p:ext uri="{BB962C8B-B14F-4D97-AF65-F5344CB8AC3E}">
-        <p14:creationId xmlns:p14="http://schemas.microsoft.com/office/powerpoint/2010/main" val="2390518714"/>
+        <p14:creationId xmlns:p14="http://schemas.microsoft.com/office/powerpoint/2010/main" xmlns="" val="2390518714"/>
       </p:ext>
     </p:extLst>
   </p:cSld>
@@ -37269,7 +37363,7 @@
           <p:cNvPr id="2" name="Title 1">
             <a:extLst>
               <a:ext uri="{FF2B5EF4-FFF2-40B4-BE49-F238E27FC236}">
-                <a16:creationId xmlns:a16="http://schemas.microsoft.com/office/drawing/2014/main" id="{F84AC1E7-90E2-4A31-8130-466C54C26C8B}"/>
+                <a16:creationId xmlns:a16="http://schemas.microsoft.com/office/drawing/2014/main" xmlns="" id="{F84AC1E7-90E2-4A31-8130-466C54C26C8B}"/>
               </a:ext>
             </a:extLst>
           </p:cNvPr>
@@ -37292,6 +37386,12 @@
           </a:bodyPr>
           <a:lstStyle/>
           <a:p>
+            <a:r>
+              <a:rPr lang="en-IN" sz="1500">
+                <a:effectLst/>
+              </a:rPr>
+              <a:t/>
+            </a:r>
             <a:br>
               <a:rPr lang="en-IN" sz="1500">
                 <a:effectLst/>
@@ -37317,7 +37417,7 @@
           <p:cNvPr id="1026" name="Picture 2">
             <a:extLst>
               <a:ext uri="{FF2B5EF4-FFF2-40B4-BE49-F238E27FC236}">
-                <a16:creationId xmlns:a16="http://schemas.microsoft.com/office/drawing/2014/main" id="{7F90B10B-8FDE-49EF-9A3E-53C503BE87AC}"/>
+                <a16:creationId xmlns:a16="http://schemas.microsoft.com/office/drawing/2014/main" xmlns="" id="{7F90B10B-8FDE-49EF-9A3E-53C503BE87AC}"/>
               </a:ext>
             </a:extLst>
           </p:cNvPr>
@@ -37330,7 +37430,7 @@
           <a:blip r:embed="rId2">
             <a:extLst>
               <a:ext uri="{28A0092B-C50C-407E-A947-70E740481C1C}">
-                <a14:useLocalDpi xmlns:a14="http://schemas.microsoft.com/office/drawing/2010/main" val="0"/>
+                <a14:useLocalDpi xmlns:a14="http://schemas.microsoft.com/office/drawing/2010/main" xmlns="" val="0"/>
               </a:ext>
             </a:extLst>
           </a:blip>
@@ -37354,7 +37454,7 @@
     </p:spTree>
     <p:extLst>
       <p:ext uri="{BB962C8B-B14F-4D97-AF65-F5344CB8AC3E}">
-        <p14:creationId xmlns:p14="http://schemas.microsoft.com/office/powerpoint/2010/main" val="4036345129"/>
+        <p14:creationId xmlns:p14="http://schemas.microsoft.com/office/powerpoint/2010/main" xmlns="" val="4036345129"/>
       </p:ext>
     </p:extLst>
   </p:cSld>
@@ -37386,7 +37486,7 @@
           <p:cNvPr id="4" name="Title 3">
             <a:extLst>
               <a:ext uri="{FF2B5EF4-FFF2-40B4-BE49-F238E27FC236}">
-                <a16:creationId xmlns:a16="http://schemas.microsoft.com/office/drawing/2014/main" id="{6A7E5E61-13E2-4755-865D-C70C8D050323}"/>
+                <a16:creationId xmlns:a16="http://schemas.microsoft.com/office/drawing/2014/main" xmlns="" id="{6A7E5E61-13E2-4755-865D-C70C8D050323}"/>
               </a:ext>
             </a:extLst>
           </p:cNvPr>
@@ -37414,7 +37514,7 @@
           <p:cNvPr id="5" name="Text Placeholder 4">
             <a:extLst>
               <a:ext uri="{FF2B5EF4-FFF2-40B4-BE49-F238E27FC236}">
-                <a16:creationId xmlns:a16="http://schemas.microsoft.com/office/drawing/2014/main" id="{FEA8CE66-7498-4D1A-B413-025DF799C0EE}"/>
+                <a16:creationId xmlns:a16="http://schemas.microsoft.com/office/drawing/2014/main" xmlns="" id="{FEA8CE66-7498-4D1A-B413-025DF799C0EE}"/>
               </a:ext>
             </a:extLst>
           </p:cNvPr>
@@ -37444,7 +37544,7 @@
     </p:spTree>
     <p:extLst>
       <p:ext uri="{BB962C8B-B14F-4D97-AF65-F5344CB8AC3E}">
-        <p14:creationId xmlns:p14="http://schemas.microsoft.com/office/powerpoint/2010/main" val="3749363430"/>
+        <p14:creationId xmlns:p14="http://schemas.microsoft.com/office/powerpoint/2010/main" xmlns="" val="3749363430"/>
       </p:ext>
     </p:extLst>
   </p:cSld>
@@ -37476,7 +37576,7 @@
           <p:cNvPr id="2" name="Title 1">
             <a:extLst>
               <a:ext uri="{FF2B5EF4-FFF2-40B4-BE49-F238E27FC236}">
-                <a16:creationId xmlns:a16="http://schemas.microsoft.com/office/drawing/2014/main" id="{CD2B6599-9278-490E-8AF5-BB1D657E67CE}"/>
+                <a16:creationId xmlns:a16="http://schemas.microsoft.com/office/drawing/2014/main" xmlns="" id="{CD2B6599-9278-490E-8AF5-BB1D657E67CE}"/>
               </a:ext>
             </a:extLst>
           </p:cNvPr>
@@ -37511,7 +37611,7 @@
           <p:cNvPr id="4" name="TextBox 3">
             <a:extLst>
               <a:ext uri="{FF2B5EF4-FFF2-40B4-BE49-F238E27FC236}">
-                <a16:creationId xmlns:a16="http://schemas.microsoft.com/office/drawing/2014/main" id="{B40D7B25-B07B-4BD4-8F12-8372EC336541}"/>
+                <a16:creationId xmlns:a16="http://schemas.microsoft.com/office/drawing/2014/main" xmlns="" id="{B40D7B25-B07B-4BD4-8F12-8372EC336541}"/>
               </a:ext>
             </a:extLst>
           </p:cNvPr>
@@ -37545,7 +37645,7 @@
                 <a:hlinkClick r:id="rId2">
                   <a:extLst>
                     <a:ext uri="{A12FA001-AC4F-418D-AE19-62706E023703}">
-                      <ahyp:hlinkClr xmlns:ahyp="http://schemas.microsoft.com/office/drawing/2018/hyperlinkcolor" val="tx"/>
+                      <ahyp:hlinkClr xmlns:ahyp="http://schemas.microsoft.com/office/drawing/2018/hyperlinkcolor" xmlns="" val="tx"/>
                     </a:ext>
                   </a:extLst>
                 </a:hlinkClick>
@@ -37566,10 +37666,10 @@
               <a:rPr lang="en-IN" b="0" i="0" u="sng" dirty="0">
                 <a:effectLst/>
                 <a:latin typeface="charter"/>
-                <a:hlinkClick r:id="rId3">
+                <a:hlinkClick r:id="rId2">
                   <a:extLst>
                     <a:ext uri="{A12FA001-AC4F-418D-AE19-62706E023703}">
-                      <ahyp:hlinkClr xmlns:ahyp="http://schemas.microsoft.com/office/drawing/2018/hyperlinkcolor" val="tx"/>
+                      <ahyp:hlinkClr xmlns:ahyp="http://schemas.microsoft.com/office/drawing/2018/hyperlinkcolor" xmlns="" val="tx"/>
                     </a:ext>
                   </a:extLst>
                 </a:hlinkClick>
@@ -37590,10 +37690,10 @@
               <a:rPr lang="en-IN" b="0" i="0" u="sng" dirty="0">
                 <a:effectLst/>
                 <a:latin typeface="charter"/>
-                <a:hlinkClick r:id="rId4">
+                <a:hlinkClick r:id="rId2">
                   <a:extLst>
                     <a:ext uri="{A12FA001-AC4F-418D-AE19-62706E023703}">
-                      <ahyp:hlinkClr xmlns:ahyp="http://schemas.microsoft.com/office/drawing/2018/hyperlinkcolor" val="tx"/>
+                      <ahyp:hlinkClr xmlns:ahyp="http://schemas.microsoft.com/office/drawing/2018/hyperlinkcolor" xmlns="" val="tx"/>
                     </a:ext>
                   </a:extLst>
                 </a:hlinkClick>
@@ -37614,10 +37714,10 @@
               <a:rPr lang="en-IN" b="0" i="0" u="sng" dirty="0">
                 <a:effectLst/>
                 <a:latin typeface="charter"/>
-                <a:hlinkClick r:id="rId5">
+                <a:hlinkClick r:id="rId2">
                   <a:extLst>
                     <a:ext uri="{A12FA001-AC4F-418D-AE19-62706E023703}">
-                      <ahyp:hlinkClr xmlns:ahyp="http://schemas.microsoft.com/office/drawing/2018/hyperlinkcolor" val="tx"/>
+                      <ahyp:hlinkClr xmlns:ahyp="http://schemas.microsoft.com/office/drawing/2018/hyperlinkcolor" xmlns="" val="tx"/>
                     </a:ext>
                   </a:extLst>
                 </a:hlinkClick>
@@ -37638,10 +37738,10 @@
               <a:rPr lang="en-IN" b="0" i="0" u="sng" dirty="0">
                 <a:effectLst/>
                 <a:latin typeface="charter"/>
-                <a:hlinkClick r:id="rId6">
+                <a:hlinkClick r:id="rId2">
                   <a:extLst>
                     <a:ext uri="{A12FA001-AC4F-418D-AE19-62706E023703}">
-                      <ahyp:hlinkClr xmlns:ahyp="http://schemas.microsoft.com/office/drawing/2018/hyperlinkcolor" val="tx"/>
+                      <ahyp:hlinkClr xmlns:ahyp="http://schemas.microsoft.com/office/drawing/2018/hyperlinkcolor" xmlns="" val="tx"/>
                     </a:ext>
                   </a:extLst>
                 </a:hlinkClick>
@@ -37662,10 +37762,10 @@
               <a:rPr lang="en-IN" b="0" i="0" u="sng" dirty="0">
                 <a:effectLst/>
                 <a:latin typeface="charter"/>
-                <a:hlinkClick r:id="rId7">
+                <a:hlinkClick r:id="rId2">
                   <a:extLst>
                     <a:ext uri="{A12FA001-AC4F-418D-AE19-62706E023703}">
-                      <ahyp:hlinkClr xmlns:ahyp="http://schemas.microsoft.com/office/drawing/2018/hyperlinkcolor" val="tx"/>
+                      <ahyp:hlinkClr xmlns:ahyp="http://schemas.microsoft.com/office/drawing/2018/hyperlinkcolor" xmlns="" val="tx"/>
                     </a:ext>
                   </a:extLst>
                 </a:hlinkClick>
@@ -37686,10 +37786,10 @@
               <a:rPr lang="en-IN" b="0" i="0" u="sng" dirty="0">
                 <a:effectLst/>
                 <a:latin typeface="charter"/>
-                <a:hlinkClick r:id="rId8">
+                <a:hlinkClick r:id="rId2">
                   <a:extLst>
                     <a:ext uri="{A12FA001-AC4F-418D-AE19-62706E023703}">
-                      <ahyp:hlinkClr xmlns:ahyp="http://schemas.microsoft.com/office/drawing/2018/hyperlinkcolor" val="tx"/>
+                      <ahyp:hlinkClr xmlns:ahyp="http://schemas.microsoft.com/office/drawing/2018/hyperlinkcolor" xmlns="" val="tx"/>
                     </a:ext>
                   </a:extLst>
                 </a:hlinkClick>
@@ -37710,10 +37810,10 @@
               <a:rPr lang="en-IN" b="0" i="0" u="sng" dirty="0">
                 <a:effectLst/>
                 <a:latin typeface="charter"/>
-                <a:hlinkClick r:id="rId9">
+                <a:hlinkClick r:id="rId2">
                   <a:extLst>
                     <a:ext uri="{A12FA001-AC4F-418D-AE19-62706E023703}">
-                      <ahyp:hlinkClr xmlns:ahyp="http://schemas.microsoft.com/office/drawing/2018/hyperlinkcolor" val="tx"/>
+                      <ahyp:hlinkClr xmlns:ahyp="http://schemas.microsoft.com/office/drawing/2018/hyperlinkcolor" xmlns="" val="tx"/>
                     </a:ext>
                   </a:extLst>
                 </a:hlinkClick>
@@ -37730,7 +37830,7 @@
     </p:spTree>
     <p:extLst>
       <p:ext uri="{BB962C8B-B14F-4D97-AF65-F5344CB8AC3E}">
-        <p14:creationId xmlns:p14="http://schemas.microsoft.com/office/powerpoint/2010/main" val="3251726283"/>
+        <p14:creationId xmlns:p14="http://schemas.microsoft.com/office/powerpoint/2010/main" xmlns="" val="3251726283"/>
       </p:ext>
     </p:extLst>
   </p:cSld>
@@ -37762,7 +37862,7 @@
           <p:cNvPr id="2" name="Title 1">
             <a:extLst>
               <a:ext uri="{FF2B5EF4-FFF2-40B4-BE49-F238E27FC236}">
-                <a16:creationId xmlns:a16="http://schemas.microsoft.com/office/drawing/2014/main" id="{D114F1AB-45B6-41D9-8637-F49A4822C782}"/>
+                <a16:creationId xmlns:a16="http://schemas.microsoft.com/office/drawing/2014/main" xmlns="" id="{D114F1AB-45B6-41D9-8637-F49A4822C782}"/>
               </a:ext>
             </a:extLst>
           </p:cNvPr>
@@ -37806,7 +37906,7 @@
           <p:cNvPr id="4" name="TextBox 3">
             <a:extLst>
               <a:ext uri="{FF2B5EF4-FFF2-40B4-BE49-F238E27FC236}">
-                <a16:creationId xmlns:a16="http://schemas.microsoft.com/office/drawing/2014/main" id="{B232EA54-BB8A-4EE8-ABF2-28F5FBFD5259}"/>
+                <a16:creationId xmlns:a16="http://schemas.microsoft.com/office/drawing/2014/main" xmlns="" id="{B232EA54-BB8A-4EE8-ABF2-28F5FBFD5259}"/>
               </a:ext>
             </a:extLst>
           </p:cNvPr>
@@ -37816,7 +37916,7 @@
         <p:spPr>
           <a:xfrm>
             <a:off x="838200" y="1350139"/>
-            <a:ext cx="9067800" cy="3416320"/>
+            <a:ext cx="9067800" cy="3785652"/>
           </a:xfrm>
           <a:prstGeom prst="rect">
             <a:avLst/>
@@ -37858,17 +37958,17 @@
                 <a:effectLst/>
                 <a:latin typeface="charter"/>
               </a:rPr>
-              <a:t> root component connects the component hierarchy with a page document object model (DOM). Each component defines the class that contains application data and logic, and it is associated with the HTML template that defines the view to be displayed in a target </a:t>
-            </a:r>
-            <a:r>
-              <a:rPr lang="en-US" sz="2400" b="0" i="0" dirty="0" err="1">
+              <a:t> root component connects the component hierarchy with a page document object model (DOM). Each component defines the class that contains application data and logic, and it is associated with the HTML template that defines the view to be displayed in a target app</a:t>
+            </a:r>
+            <a:r>
+              <a:rPr lang="en-US" sz="2400" b="0" i="0" dirty="0" smtClean="0">
                 <a:solidFill>
                   <a:srgbClr val="292929"/>
                 </a:solidFill>
                 <a:effectLst/>
                 <a:latin typeface="charter"/>
               </a:rPr>
-              <a:t>app.A</a:t>
+              <a:t>. A</a:t>
             </a:r>
             <a:r>
               <a:rPr lang="en-US" sz="2400" b="0" i="0" dirty="0">
@@ -37939,7 +38039,7 @@
     </p:spTree>
     <p:extLst>
       <p:ext uri="{BB962C8B-B14F-4D97-AF65-F5344CB8AC3E}">
-        <p14:creationId xmlns:p14="http://schemas.microsoft.com/office/powerpoint/2010/main" val="2358179700"/>
+        <p14:creationId xmlns:p14="http://schemas.microsoft.com/office/powerpoint/2010/main" xmlns="" val="2358179700"/>
       </p:ext>
     </p:extLst>
   </p:cSld>
@@ -37971,7 +38071,7 @@
           <p:cNvPr id="2" name="Title 1">
             <a:extLst>
               <a:ext uri="{FF2B5EF4-FFF2-40B4-BE49-F238E27FC236}">
-                <a16:creationId xmlns:a16="http://schemas.microsoft.com/office/drawing/2014/main" id="{7107BB0C-B681-495F-8625-1C3480313A16}"/>
+                <a16:creationId xmlns:a16="http://schemas.microsoft.com/office/drawing/2014/main" xmlns="" id="{7107BB0C-B681-495F-8625-1C3480313A16}"/>
               </a:ext>
             </a:extLst>
           </p:cNvPr>
@@ -38015,7 +38115,7 @@
           <p:cNvPr id="3" name="Rectangle 1">
             <a:extLst>
               <a:ext uri="{FF2B5EF4-FFF2-40B4-BE49-F238E27FC236}">
-                <a16:creationId xmlns:a16="http://schemas.microsoft.com/office/drawing/2014/main" id="{9398D7E1-111D-4ED8-939E-396CF5541E46}"/>
+                <a16:creationId xmlns:a16="http://schemas.microsoft.com/office/drawing/2014/main" xmlns="" id="{9398D7E1-111D-4ED8-939E-396CF5541E46}"/>
               </a:ext>
             </a:extLst>
           </p:cNvPr>
@@ -38041,7 +38141,7 @@
           <a:effectLst/>
           <a:extLst>
             <a:ext uri="{91240B29-F687-4F45-9708-019B960494DF}">
-              <a14:hiddenLine xmlns:a14="http://schemas.microsoft.com/office/drawing/2010/main" w="9525">
+              <a14:hiddenLine xmlns:a14="http://schemas.microsoft.com/office/drawing/2010/main" xmlns="" w="9525">
                 <a:solidFill>
                   <a:schemeClr val="tx1"/>
                 </a:solidFill>
@@ -38051,7 +38151,7 @@
               </a14:hiddenLine>
             </a:ext>
             <a:ext uri="{AF507438-7753-43E0-B8FC-AC1667EBCBE1}">
-              <a14:hiddenEffects xmlns:a14="http://schemas.microsoft.com/office/drawing/2010/main">
+              <a14:hiddenEffects xmlns:a14="http://schemas.microsoft.com/office/drawing/2010/main" xmlns="">
                 <a:effectLst>
                   <a:outerShdw dist="35921" dir="2700000" algn="ctr" rotWithShape="0">
                     <a:schemeClr val="bg2"/>
@@ -38401,7 +38501,7 @@
           <p:cNvPr id="5" name="TextBox 4">
             <a:extLst>
               <a:ext uri="{FF2B5EF4-FFF2-40B4-BE49-F238E27FC236}">
-                <a16:creationId xmlns:a16="http://schemas.microsoft.com/office/drawing/2014/main" id="{A2AAA975-049C-4D65-9730-110D3AEC5AC0}"/>
+                <a16:creationId xmlns:a16="http://schemas.microsoft.com/office/drawing/2014/main" xmlns="" id="{A2AAA975-049C-4D65-9730-110D3AEC5AC0}"/>
               </a:ext>
             </a:extLst>
           </p:cNvPr>
@@ -38443,7 +38543,7 @@
           <p:cNvPr id="7" name="TextBox 6">
             <a:extLst>
               <a:ext uri="{FF2B5EF4-FFF2-40B4-BE49-F238E27FC236}">
-                <a16:creationId xmlns:a16="http://schemas.microsoft.com/office/drawing/2014/main" id="{688B96A2-A95D-4C89-B06D-DF5DED452D23}"/>
+                <a16:creationId xmlns:a16="http://schemas.microsoft.com/office/drawing/2014/main" xmlns="" id="{688B96A2-A95D-4C89-B06D-DF5DED452D23}"/>
               </a:ext>
             </a:extLst>
           </p:cNvPr>
@@ -38525,7 +38625,7 @@
           <p:cNvPr id="9" name="TextBox 8">
             <a:extLst>
               <a:ext uri="{FF2B5EF4-FFF2-40B4-BE49-F238E27FC236}">
-                <a16:creationId xmlns:a16="http://schemas.microsoft.com/office/drawing/2014/main" id="{478CDDCA-9F93-4333-929B-16079844A1CE}"/>
+                <a16:creationId xmlns:a16="http://schemas.microsoft.com/office/drawing/2014/main" xmlns="" id="{478CDDCA-9F93-4333-929B-16079844A1CE}"/>
               </a:ext>
             </a:extLst>
           </p:cNvPr>
@@ -38585,7 +38685,7 @@
     </p:spTree>
     <p:extLst>
       <p:ext uri="{BB962C8B-B14F-4D97-AF65-F5344CB8AC3E}">
-        <p14:creationId xmlns:p14="http://schemas.microsoft.com/office/powerpoint/2010/main" val="679476120"/>
+        <p14:creationId xmlns:p14="http://schemas.microsoft.com/office/powerpoint/2010/main" xmlns="" val="679476120"/>
       </p:ext>
     </p:extLst>
   </p:cSld>
@@ -38638,7 +38738,7 @@
     </a:clrScheme>
     <a:fontScheme name="Office">
       <a:majorFont>
-        <a:latin typeface="Calibri Light" panose="020F0302020204030204"/>
+        <a:latin typeface="Calibri Light"/>
         <a:ea typeface=""/>
         <a:cs typeface=""/>
         <a:font script="Jpan" typeface="游ゴシック Light"/>
@@ -38690,7 +38790,7 @@
         <a:font script="Tfng" typeface="Ebrima"/>
       </a:majorFont>
       <a:minorFont>
-        <a:latin typeface="Calibri" panose="020F0502020204030204"/>
+        <a:latin typeface="Calibri"/>
         <a:ea typeface=""/>
         <a:cs typeface=""/>
         <a:font script="Jpan" typeface="游ゴシック"/>
@@ -38884,7 +38984,7 @@
   <a:extraClrSchemeLst/>
   <a:extLst>
     <a:ext uri="{05A4C25C-085E-4340-85A3-A5531E510DB2}">
-      <thm15:themeFamily xmlns:thm15="http://schemas.microsoft.com/office/thememl/2012/main" name="2018" id="{B0E980CD-A54D-4681-878C-2746A87DC6E5}" vid="{62E40539-E070-47D4-8381-3EBCC8F4FC45}"/>
+      <thm15:themeFamily xmlns:thm15="http://schemas.microsoft.com/office/thememl/2012/main" xmlns="" name="2018" id="{B0E980CD-A54D-4681-878C-2746A87DC6E5}" vid="{62E40539-E070-47D4-8381-3EBCC8F4FC45}"/>
     </a:ext>
   </a:extLst>
 </a:theme>
